--- a/pvt/pvt.pptx
+++ b/pvt/pvt.pptx
@@ -5,13 +5,12 @@
     <p:sldMasterId id="2147483648" r:id="rId1"/>
   </p:sldMasterIdLst>
   <p:sldIdLst>
-    <p:sldId id="263" r:id="rId2"/>
-    <p:sldId id="256" r:id="rId3"/>
-    <p:sldId id="258" r:id="rId4"/>
-    <p:sldId id="259" r:id="rId5"/>
-    <p:sldId id="260" r:id="rId6"/>
-    <p:sldId id="261" r:id="rId7"/>
-    <p:sldId id="262" r:id="rId8"/>
+    <p:sldId id="256" r:id="rId2"/>
+    <p:sldId id="258" r:id="rId3"/>
+    <p:sldId id="259" r:id="rId4"/>
+    <p:sldId id="260" r:id="rId5"/>
+    <p:sldId id="261" r:id="rId6"/>
+    <p:sldId id="262" r:id="rId7"/>
   </p:sldIdLst>
   <p:sldSz cx="12192000" cy="6858000"/>
   <p:notesSz cx="6858000" cy="9144000"/>
@@ -265,7 +264,7 @@
           <a:p>
             <a:fld id="{53685DBC-317F-4C6B-AEE2-0BEBDE6560A6}" type="datetimeFigureOut">
               <a:rPr lang="en-US" smtClean="0"/>
-              <a:t>9/9/22</a:t>
+              <a:t>9/10/22</a:t>
             </a:fld>
             <a:endParaRPr lang="en-US"/>
           </a:p>
@@ -463,7 +462,7 @@
           <a:p>
             <a:fld id="{53685DBC-317F-4C6B-AEE2-0BEBDE6560A6}" type="datetimeFigureOut">
               <a:rPr lang="en-US" smtClean="0"/>
-              <a:t>9/9/22</a:t>
+              <a:t>9/10/22</a:t>
             </a:fld>
             <a:endParaRPr lang="en-US"/>
           </a:p>
@@ -671,7 +670,7 @@
           <a:p>
             <a:fld id="{53685DBC-317F-4C6B-AEE2-0BEBDE6560A6}" type="datetimeFigureOut">
               <a:rPr lang="en-US" smtClean="0"/>
-              <a:t>9/9/22</a:t>
+              <a:t>9/10/22</a:t>
             </a:fld>
             <a:endParaRPr lang="en-US"/>
           </a:p>
@@ -869,7 +868,7 @@
           <a:p>
             <a:fld id="{53685DBC-317F-4C6B-AEE2-0BEBDE6560A6}" type="datetimeFigureOut">
               <a:rPr lang="en-US" smtClean="0"/>
-              <a:t>9/9/22</a:t>
+              <a:t>9/10/22</a:t>
             </a:fld>
             <a:endParaRPr lang="en-US"/>
           </a:p>
@@ -1144,7 +1143,7 @@
           <a:p>
             <a:fld id="{53685DBC-317F-4C6B-AEE2-0BEBDE6560A6}" type="datetimeFigureOut">
               <a:rPr lang="en-US" smtClean="0"/>
-              <a:t>9/9/22</a:t>
+              <a:t>9/10/22</a:t>
             </a:fld>
             <a:endParaRPr lang="en-US"/>
           </a:p>
@@ -1409,7 +1408,7 @@
           <a:p>
             <a:fld id="{53685DBC-317F-4C6B-AEE2-0BEBDE6560A6}" type="datetimeFigureOut">
               <a:rPr lang="en-US" smtClean="0"/>
-              <a:t>9/9/22</a:t>
+              <a:t>9/10/22</a:t>
             </a:fld>
             <a:endParaRPr lang="en-US"/>
           </a:p>
@@ -1821,7 +1820,7 @@
           <a:p>
             <a:fld id="{53685DBC-317F-4C6B-AEE2-0BEBDE6560A6}" type="datetimeFigureOut">
               <a:rPr lang="en-US" smtClean="0"/>
-              <a:t>9/9/22</a:t>
+              <a:t>9/10/22</a:t>
             </a:fld>
             <a:endParaRPr lang="en-US"/>
           </a:p>
@@ -1962,7 +1961,7 @@
           <a:p>
             <a:fld id="{53685DBC-317F-4C6B-AEE2-0BEBDE6560A6}" type="datetimeFigureOut">
               <a:rPr lang="en-US" smtClean="0"/>
-              <a:t>9/9/22</a:t>
+              <a:t>9/10/22</a:t>
             </a:fld>
             <a:endParaRPr lang="en-US"/>
           </a:p>
@@ -2075,7 +2074,7 @@
           <a:p>
             <a:fld id="{53685DBC-317F-4C6B-AEE2-0BEBDE6560A6}" type="datetimeFigureOut">
               <a:rPr lang="en-US" smtClean="0"/>
-              <a:t>9/9/22</a:t>
+              <a:t>9/10/22</a:t>
             </a:fld>
             <a:endParaRPr lang="en-US"/>
           </a:p>
@@ -2386,7 +2385,7 @@
           <a:p>
             <a:fld id="{53685DBC-317F-4C6B-AEE2-0BEBDE6560A6}" type="datetimeFigureOut">
               <a:rPr lang="en-US" smtClean="0"/>
-              <a:t>9/9/22</a:t>
+              <a:t>9/10/22</a:t>
             </a:fld>
             <a:endParaRPr lang="en-US"/>
           </a:p>
@@ -2674,7 +2673,7 @@
           <a:p>
             <a:fld id="{53685DBC-317F-4C6B-AEE2-0BEBDE6560A6}" type="datetimeFigureOut">
               <a:rPr lang="en-US" smtClean="0"/>
-              <a:t>9/9/22</a:t>
+              <a:t>9/10/22</a:t>
             </a:fld>
             <a:endParaRPr lang="en-US"/>
           </a:p>
@@ -2918,7 +2917,7 @@
           <a:p>
             <a:fld id="{53685DBC-317F-4C6B-AEE2-0BEBDE6560A6}" type="datetimeFigureOut">
               <a:rPr lang="en-US" smtClean="0"/>
-              <a:t>9/9/22</a:t>
+              <a:t>9/10/22</a:t>
             </a:fld>
             <a:endParaRPr lang="en-US"/>
           </a:p>
@@ -3319,2594 +3318,6 @@
 </file>
 
 <file path=ppt/slides/slide1.xml><?xml version="1.0" encoding="utf-8"?>
-<p:sld xmlns:a="http://schemas.openxmlformats.org/drawingml/2006/main" xmlns:r="http://schemas.openxmlformats.org/officeDocument/2006/relationships" xmlns:p="http://schemas.openxmlformats.org/presentationml/2006/main">
-  <p:cSld>
-    <p:spTree>
-      <p:nvGrpSpPr>
-        <p:cNvPr id="1" name=""/>
-        <p:cNvGrpSpPr/>
-        <p:nvPr/>
-      </p:nvGrpSpPr>
-      <p:grpSpPr>
-        <a:xfrm>
-          <a:off x="0" y="0"/>
-          <a:ext cx="0" cy="0"/>
-          <a:chOff x="0" y="0"/>
-          <a:chExt cx="0" cy="0"/>
-        </a:xfrm>
-      </p:grpSpPr>
-      <p:grpSp>
-        <p:nvGrpSpPr>
-          <p:cNvPr id="2" name="Group 1">
-            <a:extLst>
-              <a:ext uri="{FF2B5EF4-FFF2-40B4-BE49-F238E27FC236}">
-                <a16:creationId xmlns:a16="http://schemas.microsoft.com/office/drawing/2014/main" id="{0F9D87C6-0DB4-4D81-A2B6-8EC078CBD6AB}"/>
-              </a:ext>
-            </a:extLst>
-          </p:cNvPr>
-          <p:cNvGrpSpPr/>
-          <p:nvPr/>
-        </p:nvGrpSpPr>
-        <p:grpSpPr>
-          <a:xfrm>
-            <a:off x="2497129" y="2105561"/>
-            <a:ext cx="4408966" cy="2646878"/>
-            <a:chOff x="4136103" y="2121039"/>
-            <a:chExt cx="4408966" cy="2646878"/>
-          </a:xfrm>
-        </p:grpSpPr>
-        <p:sp>
-          <p:nvSpPr>
-            <p:cNvPr id="3" name="TextBox 2">
-              <a:extLst>
-                <a:ext uri="{FF2B5EF4-FFF2-40B4-BE49-F238E27FC236}">
-                  <a16:creationId xmlns:a16="http://schemas.microsoft.com/office/drawing/2014/main" id="{A981CF26-B69A-4843-B839-025456366DE2}"/>
-                </a:ext>
-              </a:extLst>
-            </p:cNvPr>
-            <p:cNvSpPr txBox="1"/>
-            <p:nvPr/>
-          </p:nvSpPr>
-          <p:spPr>
-            <a:xfrm>
-              <a:off x="4136103" y="2121039"/>
-              <a:ext cx="4408966" cy="1938992"/>
-            </a:xfrm>
-            <a:prstGeom prst="rect">
-              <a:avLst/>
-            </a:prstGeom>
-            <a:noFill/>
-          </p:spPr>
-          <p:txBody>
-            <a:bodyPr wrap="square" rtlCol="0">
-              <a:spAutoFit/>
-            </a:bodyPr>
-            <a:lstStyle/>
-            <a:p>
-              <a:r>
-                <a:rPr lang="en-US" sz="4000" b="1" dirty="0">
-                  <a:solidFill>
-                    <a:schemeClr val="tx1">
-                      <a:lumMod val="65000"/>
-                      <a:lumOff val="35000"/>
-                    </a:schemeClr>
-                  </a:solidFill>
-                  <a:latin typeface="Tw Cen MT" panose="020B0602020104020603" pitchFamily="34" charset="0"/>
-                </a:rPr>
-                <a:t>Welcome to Our </a:t>
-              </a:r>
-              <a:r>
-                <a:rPr lang="en-US" sz="4000" b="1" dirty="0">
-                  <a:solidFill>
-                    <a:srgbClr val="FF5969"/>
-                  </a:solidFill>
-                  <a:latin typeface="Tw Cen MT" panose="020B0602020104020603" pitchFamily="34" charset="0"/>
-                </a:rPr>
-                <a:t>Today’s PowerPoint </a:t>
-              </a:r>
-              <a:r>
-                <a:rPr lang="en-US" sz="4000" b="1" dirty="0">
-                  <a:solidFill>
-                    <a:schemeClr val="tx1">
-                      <a:lumMod val="65000"/>
-                      <a:lumOff val="35000"/>
-                    </a:schemeClr>
-                  </a:solidFill>
-                  <a:latin typeface="Tw Cen MT" panose="020B0602020104020603" pitchFamily="34" charset="0"/>
-                </a:rPr>
-                <a:t>Template File </a:t>
-              </a:r>
-            </a:p>
-          </p:txBody>
-        </p:sp>
-        <p:sp>
-          <p:nvSpPr>
-            <p:cNvPr id="4" name="TextBox 3">
-              <a:extLst>
-                <a:ext uri="{FF2B5EF4-FFF2-40B4-BE49-F238E27FC236}">
-                  <a16:creationId xmlns:a16="http://schemas.microsoft.com/office/drawing/2014/main" id="{3F39D203-7482-4732-866B-9EAA25858763}"/>
-                </a:ext>
-              </a:extLst>
-            </p:cNvPr>
-            <p:cNvSpPr txBox="1"/>
-            <p:nvPr/>
-          </p:nvSpPr>
-          <p:spPr>
-            <a:xfrm>
-              <a:off x="4136103" y="4060031"/>
-              <a:ext cx="4408966" cy="707886"/>
-            </a:xfrm>
-            <a:prstGeom prst="rect">
-              <a:avLst/>
-            </a:prstGeom>
-            <a:noFill/>
-          </p:spPr>
-          <p:txBody>
-            <a:bodyPr wrap="square" rtlCol="0">
-              <a:spAutoFit/>
-            </a:bodyPr>
-            <a:lstStyle/>
-            <a:p>
-              <a:r>
-                <a:rPr lang="en-US" sz="2000" b="1" dirty="0">
-                  <a:solidFill>
-                    <a:schemeClr val="tx1">
-                      <a:lumMod val="65000"/>
-                      <a:lumOff val="35000"/>
-                    </a:schemeClr>
-                  </a:solidFill>
-                  <a:latin typeface="Tw Cen MT" panose="020B0602020104020603" pitchFamily="34" charset="0"/>
-                </a:rPr>
-                <a:t>Here You can Add Some Brief Text That will Explain Your Subtitle</a:t>
-              </a:r>
-            </a:p>
-          </p:txBody>
-        </p:sp>
-      </p:grpSp>
-      <p:sp>
-        <p:nvSpPr>
-          <p:cNvPr id="5" name="Oval 4">
-            <a:extLst>
-              <a:ext uri="{FF2B5EF4-FFF2-40B4-BE49-F238E27FC236}">
-                <a16:creationId xmlns:a16="http://schemas.microsoft.com/office/drawing/2014/main" id="{7F7177A6-EB32-4683-8FE0-85D9872ABE0E}"/>
-              </a:ext>
-            </a:extLst>
-          </p:cNvPr>
-          <p:cNvSpPr/>
-          <p:nvPr/>
-        </p:nvSpPr>
-        <p:spPr>
-          <a:xfrm>
-            <a:off x="6994804" y="1854584"/>
-            <a:ext cx="3117876" cy="3117876"/>
-          </a:xfrm>
-          <a:prstGeom prst="ellipse">
-            <a:avLst/>
-          </a:prstGeom>
-          <a:solidFill>
-            <a:schemeClr val="bg1">
-              <a:lumMod val="95000"/>
-            </a:schemeClr>
-          </a:solidFill>
-          <a:ln>
-            <a:noFill/>
-          </a:ln>
-          <a:effectLst>
-            <a:outerShdw blurRad="101600" sx="102000" sy="102000" algn="ctr" rotWithShape="0">
-              <a:prstClr val="black">
-                <a:alpha val="20000"/>
-              </a:prstClr>
-            </a:outerShdw>
-          </a:effectLst>
-        </p:spPr>
-        <p:style>
-          <a:lnRef idx="2">
-            <a:schemeClr val="accent1">
-              <a:shade val="50000"/>
-            </a:schemeClr>
-          </a:lnRef>
-          <a:fillRef idx="1">
-            <a:schemeClr val="accent1"/>
-          </a:fillRef>
-          <a:effectRef idx="0">
-            <a:schemeClr val="accent1"/>
-          </a:effectRef>
-          <a:fontRef idx="minor">
-            <a:schemeClr val="lt1"/>
-          </a:fontRef>
-        </p:style>
-        <p:txBody>
-          <a:bodyPr rtlCol="0" anchor="ctr"/>
-          <a:lstStyle/>
-          <a:p>
-            <a:pPr algn="ctr"/>
-            <a:endParaRPr lang="en-US"/>
-          </a:p>
-        </p:txBody>
-      </p:sp>
-      <p:sp>
-        <p:nvSpPr>
-          <p:cNvPr id="6" name="Oval 5">
-            <a:extLst>
-              <a:ext uri="{FF2B5EF4-FFF2-40B4-BE49-F238E27FC236}">
-                <a16:creationId xmlns:a16="http://schemas.microsoft.com/office/drawing/2014/main" id="{0F69BEAD-0758-454D-9034-992C9DDBAD69}"/>
-              </a:ext>
-            </a:extLst>
-          </p:cNvPr>
-          <p:cNvSpPr/>
-          <p:nvPr/>
-        </p:nvSpPr>
-        <p:spPr>
-          <a:xfrm>
-            <a:off x="7333765" y="2193545"/>
-            <a:ext cx="2439954" cy="2439954"/>
-          </a:xfrm>
-          <a:prstGeom prst="ellipse">
-            <a:avLst/>
-          </a:prstGeom>
-          <a:solidFill>
-            <a:srgbClr val="FF5969"/>
-          </a:solidFill>
-          <a:ln>
-            <a:noFill/>
-          </a:ln>
-        </p:spPr>
-        <p:style>
-          <a:lnRef idx="2">
-            <a:schemeClr val="accent1">
-              <a:shade val="50000"/>
-            </a:schemeClr>
-          </a:lnRef>
-          <a:fillRef idx="1">
-            <a:schemeClr val="accent1"/>
-          </a:fillRef>
-          <a:effectRef idx="0">
-            <a:schemeClr val="accent1"/>
-          </a:effectRef>
-          <a:fontRef idx="minor">
-            <a:schemeClr val="lt1"/>
-          </a:fontRef>
-        </p:style>
-        <p:txBody>
-          <a:bodyPr rtlCol="0" anchor="ctr"/>
-          <a:lstStyle/>
-          <a:p>
-            <a:pPr algn="ctr"/>
-            <a:endParaRPr lang="en-US"/>
-          </a:p>
-        </p:txBody>
-      </p:sp>
-      <p:sp>
-        <p:nvSpPr>
-          <p:cNvPr id="7" name="Oval 6">
-            <a:extLst>
-              <a:ext uri="{FF2B5EF4-FFF2-40B4-BE49-F238E27FC236}">
-                <a16:creationId xmlns:a16="http://schemas.microsoft.com/office/drawing/2014/main" id="{AAEC480D-7974-43A5-9F4D-9EDA048CA587}"/>
-              </a:ext>
-            </a:extLst>
-          </p:cNvPr>
-          <p:cNvSpPr/>
-          <p:nvPr/>
-        </p:nvSpPr>
-        <p:spPr>
-          <a:xfrm>
-            <a:off x="7549930" y="2409710"/>
-            <a:ext cx="2007624" cy="2007624"/>
-          </a:xfrm>
-          <a:prstGeom prst="ellipse">
-            <a:avLst/>
-          </a:prstGeom>
-          <a:solidFill>
-            <a:srgbClr val="F0EEF0"/>
-          </a:solidFill>
-          <a:ln>
-            <a:noFill/>
-          </a:ln>
-        </p:spPr>
-        <p:style>
-          <a:lnRef idx="2">
-            <a:schemeClr val="accent1">
-              <a:shade val="50000"/>
-            </a:schemeClr>
-          </a:lnRef>
-          <a:fillRef idx="1">
-            <a:schemeClr val="accent1"/>
-          </a:fillRef>
-          <a:effectRef idx="0">
-            <a:schemeClr val="accent1"/>
-          </a:effectRef>
-          <a:fontRef idx="minor">
-            <a:schemeClr val="lt1"/>
-          </a:fontRef>
-        </p:style>
-        <p:txBody>
-          <a:bodyPr rtlCol="0" anchor="ctr"/>
-          <a:lstStyle/>
-          <a:p>
-            <a:pPr algn="ctr"/>
-            <a:endParaRPr lang="en-US"/>
-          </a:p>
-        </p:txBody>
-      </p:sp>
-      <p:grpSp>
-        <p:nvGrpSpPr>
-          <p:cNvPr id="8" name="Group 7">
-            <a:extLst>
-              <a:ext uri="{FF2B5EF4-FFF2-40B4-BE49-F238E27FC236}">
-                <a16:creationId xmlns:a16="http://schemas.microsoft.com/office/drawing/2014/main" id="{596AA7E0-D5FA-42E6-9CF1-DB28C0CDD2F3}"/>
-              </a:ext>
-            </a:extLst>
-          </p:cNvPr>
-          <p:cNvGrpSpPr/>
-          <p:nvPr/>
-        </p:nvGrpSpPr>
-        <p:grpSpPr>
-          <a:xfrm>
-            <a:off x="7900257" y="2760036"/>
-            <a:ext cx="1306970" cy="1306970"/>
-            <a:chOff x="4995674" y="4044712"/>
-            <a:chExt cx="848364" cy="848364"/>
-          </a:xfrm>
-          <a:solidFill>
-            <a:srgbClr val="FF5969"/>
-          </a:solidFill>
-        </p:grpSpPr>
-        <p:grpSp>
-          <p:nvGrpSpPr>
-            <p:cNvPr id="9" name="Group 8">
-              <a:extLst>
-                <a:ext uri="{FF2B5EF4-FFF2-40B4-BE49-F238E27FC236}">
-                  <a16:creationId xmlns:a16="http://schemas.microsoft.com/office/drawing/2014/main" id="{EB6FA03B-6EBC-4A03-B21F-C4E0CE393E36}"/>
-                </a:ext>
-              </a:extLst>
-            </p:cNvPr>
-            <p:cNvGrpSpPr/>
-            <p:nvPr/>
-          </p:nvGrpSpPr>
-          <p:grpSpPr>
-            <a:xfrm>
-              <a:off x="5011823" y="4060861"/>
-              <a:ext cx="816066" cy="816066"/>
-              <a:chOff x="3205163" y="1762126"/>
-              <a:chExt cx="601662" cy="601662"/>
-            </a:xfrm>
-            <a:grpFill/>
-          </p:grpSpPr>
-          <p:sp>
-            <p:nvSpPr>
-              <p:cNvPr id="14" name="Freeform 176">
-                <a:extLst>
-                  <a:ext uri="{FF2B5EF4-FFF2-40B4-BE49-F238E27FC236}">
-                    <a16:creationId xmlns:a16="http://schemas.microsoft.com/office/drawing/2014/main" id="{4D24BAA1-10F9-4F35-8E7A-C3325512FD87}"/>
-                  </a:ext>
-                </a:extLst>
-              </p:cNvPr>
-              <p:cNvSpPr>
-                <a:spLocks/>
-              </p:cNvSpPr>
-              <p:nvPr/>
-            </p:nvSpPr>
-            <p:spPr bwMode="auto">
-              <a:xfrm>
-                <a:off x="3494088" y="1762126"/>
-                <a:ext cx="23813" cy="73025"/>
-              </a:xfrm>
-              <a:custGeom>
-                <a:avLst/>
-                <a:gdLst>
-                  <a:gd name="T0" fmla="*/ 15 w 30"/>
-                  <a:gd name="T1" fmla="*/ 95 h 95"/>
-                  <a:gd name="T2" fmla="*/ 0 w 30"/>
-                  <a:gd name="T3" fmla="*/ 80 h 95"/>
-                  <a:gd name="T4" fmla="*/ 0 w 30"/>
-                  <a:gd name="T5" fmla="*/ 15 h 95"/>
-                  <a:gd name="T6" fmla="*/ 15 w 30"/>
-                  <a:gd name="T7" fmla="*/ 0 h 95"/>
-                  <a:gd name="T8" fmla="*/ 30 w 30"/>
-                  <a:gd name="T9" fmla="*/ 15 h 95"/>
-                  <a:gd name="T10" fmla="*/ 30 w 30"/>
-                  <a:gd name="T11" fmla="*/ 80 h 95"/>
-                  <a:gd name="T12" fmla="*/ 15 w 30"/>
-                  <a:gd name="T13" fmla="*/ 95 h 95"/>
-                </a:gdLst>
-                <a:ahLst/>
-                <a:cxnLst>
-                  <a:cxn ang="0">
-                    <a:pos x="T0" y="T1"/>
-                  </a:cxn>
-                  <a:cxn ang="0">
-                    <a:pos x="T2" y="T3"/>
-                  </a:cxn>
-                  <a:cxn ang="0">
-                    <a:pos x="T4" y="T5"/>
-                  </a:cxn>
-                  <a:cxn ang="0">
-                    <a:pos x="T6" y="T7"/>
-                  </a:cxn>
-                  <a:cxn ang="0">
-                    <a:pos x="T8" y="T9"/>
-                  </a:cxn>
-                  <a:cxn ang="0">
-                    <a:pos x="T10" y="T11"/>
-                  </a:cxn>
-                  <a:cxn ang="0">
-                    <a:pos x="T12" y="T13"/>
-                  </a:cxn>
-                </a:cxnLst>
-                <a:rect l="0" t="0" r="r" b="b"/>
-                <a:pathLst>
-                  <a:path w="30" h="95">
-                    <a:moveTo>
-                      <a:pt x="15" y="95"/>
-                    </a:moveTo>
-                    <a:cubicBezTo>
-                      <a:pt x="7" y="95"/>
-                      <a:pt x="0" y="88"/>
-                      <a:pt x="0" y="80"/>
-                    </a:cubicBezTo>
-                    <a:lnTo>
-                      <a:pt x="0" y="15"/>
-                    </a:lnTo>
-                    <a:cubicBezTo>
-                      <a:pt x="0" y="7"/>
-                      <a:pt x="7" y="0"/>
-                      <a:pt x="15" y="0"/>
-                    </a:cubicBezTo>
-                    <a:cubicBezTo>
-                      <a:pt x="24" y="0"/>
-                      <a:pt x="30" y="7"/>
-                      <a:pt x="30" y="15"/>
-                    </a:cubicBezTo>
-                    <a:lnTo>
-                      <a:pt x="30" y="80"/>
-                    </a:lnTo>
-                    <a:cubicBezTo>
-                      <a:pt x="30" y="88"/>
-                      <a:pt x="24" y="95"/>
-                      <a:pt x="15" y="95"/>
-                    </a:cubicBezTo>
-                    <a:close/>
-                  </a:path>
-                </a:pathLst>
-              </a:custGeom>
-              <a:grpFill/>
-              <a:ln>
-                <a:noFill/>
-              </a:ln>
-              <a:extLst>
-                <a:ext uri="{91240B29-F687-4F45-9708-019B960494DF}">
-                  <a14:hiddenLine xmlns:a14="http://schemas.microsoft.com/office/drawing/2010/main" w="9525">
-                    <a:solidFill>
-                      <a:srgbClr val="000000"/>
-                    </a:solidFill>
-                    <a:round/>
-                    <a:headEnd/>
-                    <a:tailEnd/>
-                  </a14:hiddenLine>
-                </a:ext>
-              </a:extLst>
-            </p:spPr>
-            <p:txBody>
-              <a:bodyPr vert="horz" wrap="square" lIns="91440" tIns="45720" rIns="91440" bIns="45720" numCol="1" anchor="t" anchorCtr="0" compatLnSpc="1">
-                <a:prstTxWarp prst="textNoShape">
-                  <a:avLst/>
-                </a:prstTxWarp>
-              </a:bodyPr>
-              <a:lstStyle/>
-              <a:p>
-                <a:endParaRPr lang="en-US"/>
-              </a:p>
-            </p:txBody>
-          </p:sp>
-          <p:sp>
-            <p:nvSpPr>
-              <p:cNvPr id="15" name="Freeform 177">
-                <a:extLst>
-                  <a:ext uri="{FF2B5EF4-FFF2-40B4-BE49-F238E27FC236}">
-                    <a16:creationId xmlns:a16="http://schemas.microsoft.com/office/drawing/2014/main" id="{5CD4A9BE-BBF9-4A63-B941-C3426FEE672B}"/>
-                  </a:ext>
-                </a:extLst>
-              </p:cNvPr>
-              <p:cNvSpPr>
-                <a:spLocks/>
-              </p:cNvSpPr>
-              <p:nvPr/>
-            </p:nvSpPr>
-            <p:spPr bwMode="auto">
-              <a:xfrm>
-                <a:off x="3613150" y="1800226"/>
-                <a:ext cx="50800" cy="66675"/>
-              </a:xfrm>
-              <a:custGeom>
-                <a:avLst/>
-                <a:gdLst>
-                  <a:gd name="T0" fmla="*/ 17 w 67"/>
-                  <a:gd name="T1" fmla="*/ 88 h 88"/>
-                  <a:gd name="T2" fmla="*/ 10 w 67"/>
-                  <a:gd name="T3" fmla="*/ 86 h 88"/>
-                  <a:gd name="T4" fmla="*/ 4 w 67"/>
-                  <a:gd name="T5" fmla="*/ 66 h 88"/>
-                  <a:gd name="T6" fmla="*/ 37 w 67"/>
-                  <a:gd name="T7" fmla="*/ 9 h 88"/>
-                  <a:gd name="T8" fmla="*/ 57 w 67"/>
-                  <a:gd name="T9" fmla="*/ 4 h 88"/>
-                  <a:gd name="T10" fmla="*/ 63 w 67"/>
-                  <a:gd name="T11" fmla="*/ 24 h 88"/>
-                  <a:gd name="T12" fmla="*/ 30 w 67"/>
-                  <a:gd name="T13" fmla="*/ 81 h 88"/>
-                  <a:gd name="T14" fmla="*/ 17 w 67"/>
-                  <a:gd name="T15" fmla="*/ 88 h 88"/>
-                </a:gdLst>
-                <a:ahLst/>
-                <a:cxnLst>
-                  <a:cxn ang="0">
-                    <a:pos x="T0" y="T1"/>
-                  </a:cxn>
-                  <a:cxn ang="0">
-                    <a:pos x="T2" y="T3"/>
-                  </a:cxn>
-                  <a:cxn ang="0">
-                    <a:pos x="T4" y="T5"/>
-                  </a:cxn>
-                  <a:cxn ang="0">
-                    <a:pos x="T6" y="T7"/>
-                  </a:cxn>
-                  <a:cxn ang="0">
-                    <a:pos x="T8" y="T9"/>
-                  </a:cxn>
-                  <a:cxn ang="0">
-                    <a:pos x="T10" y="T11"/>
-                  </a:cxn>
-                  <a:cxn ang="0">
-                    <a:pos x="T12" y="T13"/>
-                  </a:cxn>
-                  <a:cxn ang="0">
-                    <a:pos x="T14" y="T15"/>
-                  </a:cxn>
-                </a:cxnLst>
-                <a:rect l="0" t="0" r="r" b="b"/>
-                <a:pathLst>
-                  <a:path w="67" h="88">
-                    <a:moveTo>
-                      <a:pt x="17" y="88"/>
-                    </a:moveTo>
-                    <a:cubicBezTo>
-                      <a:pt x="15" y="88"/>
-                      <a:pt x="12" y="88"/>
-                      <a:pt x="10" y="86"/>
-                    </a:cubicBezTo>
-                    <a:cubicBezTo>
-                      <a:pt x="3" y="82"/>
-                      <a:pt x="0" y="73"/>
-                      <a:pt x="4" y="66"/>
-                    </a:cubicBezTo>
-                    <a:lnTo>
-                      <a:pt x="37" y="9"/>
-                    </a:lnTo>
-                    <a:cubicBezTo>
-                      <a:pt x="41" y="2"/>
-                      <a:pt x="50" y="0"/>
-                      <a:pt x="57" y="4"/>
-                    </a:cubicBezTo>
-                    <a:cubicBezTo>
-                      <a:pt x="65" y="8"/>
-                      <a:pt x="67" y="17"/>
-                      <a:pt x="63" y="24"/>
-                    </a:cubicBezTo>
-                    <a:lnTo>
-                      <a:pt x="30" y="81"/>
-                    </a:lnTo>
-                    <a:cubicBezTo>
-                      <a:pt x="28" y="85"/>
-                      <a:pt x="23" y="88"/>
-                      <a:pt x="17" y="88"/>
-                    </a:cubicBezTo>
-                    <a:close/>
-                  </a:path>
-                </a:pathLst>
-              </a:custGeom>
-              <a:grpFill/>
-              <a:ln>
-                <a:noFill/>
-              </a:ln>
-              <a:extLst>
-                <a:ext uri="{91240B29-F687-4F45-9708-019B960494DF}">
-                  <a14:hiddenLine xmlns:a14="http://schemas.microsoft.com/office/drawing/2010/main" w="9525">
-                    <a:solidFill>
-                      <a:srgbClr val="000000"/>
-                    </a:solidFill>
-                    <a:round/>
-                    <a:headEnd/>
-                    <a:tailEnd/>
-                  </a14:hiddenLine>
-                </a:ext>
-              </a:extLst>
-            </p:spPr>
-            <p:txBody>
-              <a:bodyPr vert="horz" wrap="square" lIns="91440" tIns="45720" rIns="91440" bIns="45720" numCol="1" anchor="t" anchorCtr="0" compatLnSpc="1">
-                <a:prstTxWarp prst="textNoShape">
-                  <a:avLst/>
-                </a:prstTxWarp>
-              </a:bodyPr>
-              <a:lstStyle/>
-              <a:p>
-                <a:endParaRPr lang="en-US"/>
-              </a:p>
-            </p:txBody>
-          </p:sp>
-          <p:sp>
-            <p:nvSpPr>
-              <p:cNvPr id="16" name="Freeform 178">
-                <a:extLst>
-                  <a:ext uri="{FF2B5EF4-FFF2-40B4-BE49-F238E27FC236}">
-                    <a16:creationId xmlns:a16="http://schemas.microsoft.com/office/drawing/2014/main" id="{F9F151F9-A34D-4166-B769-C43967695064}"/>
-                  </a:ext>
-                </a:extLst>
-              </p:cNvPr>
-              <p:cNvSpPr>
-                <a:spLocks/>
-              </p:cNvSpPr>
-              <p:nvPr/>
-            </p:nvSpPr>
-            <p:spPr bwMode="auto">
-              <a:xfrm>
-                <a:off x="3700463" y="1905001"/>
-                <a:ext cx="69850" cy="49213"/>
-              </a:xfrm>
-              <a:custGeom>
-                <a:avLst/>
-                <a:gdLst>
-                  <a:gd name="T0" fmla="*/ 17 w 91"/>
-                  <a:gd name="T1" fmla="*/ 65 h 65"/>
-                  <a:gd name="T2" fmla="*/ 4 w 91"/>
-                  <a:gd name="T3" fmla="*/ 58 h 65"/>
-                  <a:gd name="T4" fmla="*/ 10 w 91"/>
-                  <a:gd name="T5" fmla="*/ 37 h 65"/>
-                  <a:gd name="T6" fmla="*/ 66 w 91"/>
-                  <a:gd name="T7" fmla="*/ 5 h 65"/>
-                  <a:gd name="T8" fmla="*/ 87 w 91"/>
-                  <a:gd name="T9" fmla="*/ 10 h 65"/>
-                  <a:gd name="T10" fmla="*/ 81 w 91"/>
-                  <a:gd name="T11" fmla="*/ 31 h 65"/>
-                  <a:gd name="T12" fmla="*/ 25 w 91"/>
-                  <a:gd name="T13" fmla="*/ 63 h 65"/>
-                  <a:gd name="T14" fmla="*/ 17 w 91"/>
-                  <a:gd name="T15" fmla="*/ 65 h 65"/>
-                </a:gdLst>
-                <a:ahLst/>
-                <a:cxnLst>
-                  <a:cxn ang="0">
-                    <a:pos x="T0" y="T1"/>
-                  </a:cxn>
-                  <a:cxn ang="0">
-                    <a:pos x="T2" y="T3"/>
-                  </a:cxn>
-                  <a:cxn ang="0">
-                    <a:pos x="T4" y="T5"/>
-                  </a:cxn>
-                  <a:cxn ang="0">
-                    <a:pos x="T6" y="T7"/>
-                  </a:cxn>
-                  <a:cxn ang="0">
-                    <a:pos x="T8" y="T9"/>
-                  </a:cxn>
-                  <a:cxn ang="0">
-                    <a:pos x="T10" y="T11"/>
-                  </a:cxn>
-                  <a:cxn ang="0">
-                    <a:pos x="T12" y="T13"/>
-                  </a:cxn>
-                  <a:cxn ang="0">
-                    <a:pos x="T14" y="T15"/>
-                  </a:cxn>
-                </a:cxnLst>
-                <a:rect l="0" t="0" r="r" b="b"/>
-                <a:pathLst>
-                  <a:path w="91" h="65">
-                    <a:moveTo>
-                      <a:pt x="17" y="65"/>
-                    </a:moveTo>
-                    <a:cubicBezTo>
-                      <a:pt x="12" y="65"/>
-                      <a:pt x="7" y="62"/>
-                      <a:pt x="4" y="58"/>
-                    </a:cubicBezTo>
-                    <a:cubicBezTo>
-                      <a:pt x="0" y="50"/>
-                      <a:pt x="3" y="41"/>
-                      <a:pt x="10" y="37"/>
-                    </a:cubicBezTo>
-                    <a:lnTo>
-                      <a:pt x="66" y="5"/>
-                    </a:lnTo>
-                    <a:cubicBezTo>
-                      <a:pt x="73" y="0"/>
-                      <a:pt x="82" y="3"/>
-                      <a:pt x="87" y="10"/>
-                    </a:cubicBezTo>
-                    <a:cubicBezTo>
-                      <a:pt x="91" y="17"/>
-                      <a:pt x="88" y="26"/>
-                      <a:pt x="81" y="31"/>
-                    </a:cubicBezTo>
-                    <a:lnTo>
-                      <a:pt x="25" y="63"/>
-                    </a:lnTo>
-                    <a:cubicBezTo>
-                      <a:pt x="22" y="64"/>
-                      <a:pt x="20" y="65"/>
-                      <a:pt x="17" y="65"/>
-                    </a:cubicBezTo>
-                  </a:path>
-                </a:pathLst>
-              </a:custGeom>
-              <a:grpFill/>
-              <a:ln>
-                <a:noFill/>
-              </a:ln>
-              <a:extLst>
-                <a:ext uri="{91240B29-F687-4F45-9708-019B960494DF}">
-                  <a14:hiddenLine xmlns:a14="http://schemas.microsoft.com/office/drawing/2010/main" w="9525">
-                    <a:solidFill>
-                      <a:srgbClr val="000000"/>
-                    </a:solidFill>
-                    <a:round/>
-                    <a:headEnd/>
-                    <a:tailEnd/>
-                  </a14:hiddenLine>
-                </a:ext>
-              </a:extLst>
-            </p:spPr>
-            <p:txBody>
-              <a:bodyPr vert="horz" wrap="square" lIns="91440" tIns="45720" rIns="91440" bIns="45720" numCol="1" anchor="t" anchorCtr="0" compatLnSpc="1">
-                <a:prstTxWarp prst="textNoShape">
-                  <a:avLst/>
-                </a:prstTxWarp>
-              </a:bodyPr>
-              <a:lstStyle/>
-              <a:p>
-                <a:endParaRPr lang="en-US"/>
-              </a:p>
-            </p:txBody>
-          </p:sp>
-          <p:sp>
-            <p:nvSpPr>
-              <p:cNvPr id="17" name="Freeform 179">
-                <a:extLst>
-                  <a:ext uri="{FF2B5EF4-FFF2-40B4-BE49-F238E27FC236}">
-                    <a16:creationId xmlns:a16="http://schemas.microsoft.com/office/drawing/2014/main" id="{0FE31DC0-5460-4E7E-BA03-6529E2F8F655}"/>
-                  </a:ext>
-                </a:extLst>
-              </p:cNvPr>
-              <p:cNvSpPr>
-                <a:spLocks/>
-              </p:cNvSpPr>
-              <p:nvPr/>
-            </p:nvSpPr>
-            <p:spPr bwMode="auto">
-              <a:xfrm>
-                <a:off x="3733800" y="2051051"/>
-                <a:ext cx="73025" cy="23813"/>
-              </a:xfrm>
-              <a:custGeom>
-                <a:avLst/>
-                <a:gdLst>
-                  <a:gd name="T0" fmla="*/ 80 w 95"/>
-                  <a:gd name="T1" fmla="*/ 30 h 30"/>
-                  <a:gd name="T2" fmla="*/ 15 w 95"/>
-                  <a:gd name="T3" fmla="*/ 30 h 30"/>
-                  <a:gd name="T4" fmla="*/ 0 w 95"/>
-                  <a:gd name="T5" fmla="*/ 15 h 30"/>
-                  <a:gd name="T6" fmla="*/ 15 w 95"/>
-                  <a:gd name="T7" fmla="*/ 0 h 30"/>
-                  <a:gd name="T8" fmla="*/ 80 w 95"/>
-                  <a:gd name="T9" fmla="*/ 0 h 30"/>
-                  <a:gd name="T10" fmla="*/ 95 w 95"/>
-                  <a:gd name="T11" fmla="*/ 15 h 30"/>
-                  <a:gd name="T12" fmla="*/ 80 w 95"/>
-                  <a:gd name="T13" fmla="*/ 30 h 30"/>
-                </a:gdLst>
-                <a:ahLst/>
-                <a:cxnLst>
-                  <a:cxn ang="0">
-                    <a:pos x="T0" y="T1"/>
-                  </a:cxn>
-                  <a:cxn ang="0">
-                    <a:pos x="T2" y="T3"/>
-                  </a:cxn>
-                  <a:cxn ang="0">
-                    <a:pos x="T4" y="T5"/>
-                  </a:cxn>
-                  <a:cxn ang="0">
-                    <a:pos x="T6" y="T7"/>
-                  </a:cxn>
-                  <a:cxn ang="0">
-                    <a:pos x="T8" y="T9"/>
-                  </a:cxn>
-                  <a:cxn ang="0">
-                    <a:pos x="T10" y="T11"/>
-                  </a:cxn>
-                  <a:cxn ang="0">
-                    <a:pos x="T12" y="T13"/>
-                  </a:cxn>
-                </a:cxnLst>
-                <a:rect l="0" t="0" r="r" b="b"/>
-                <a:pathLst>
-                  <a:path w="95" h="30">
-                    <a:moveTo>
-                      <a:pt x="80" y="30"/>
-                    </a:moveTo>
-                    <a:lnTo>
-                      <a:pt x="15" y="30"/>
-                    </a:lnTo>
-                    <a:cubicBezTo>
-                      <a:pt x="7" y="30"/>
-                      <a:pt x="0" y="23"/>
-                      <a:pt x="0" y="15"/>
-                    </a:cubicBezTo>
-                    <a:cubicBezTo>
-                      <a:pt x="0" y="7"/>
-                      <a:pt x="7" y="0"/>
-                      <a:pt x="15" y="0"/>
-                    </a:cubicBezTo>
-                    <a:lnTo>
-                      <a:pt x="80" y="0"/>
-                    </a:lnTo>
-                    <a:cubicBezTo>
-                      <a:pt x="89" y="0"/>
-                      <a:pt x="95" y="7"/>
-                      <a:pt x="95" y="15"/>
-                    </a:cubicBezTo>
-                    <a:cubicBezTo>
-                      <a:pt x="95" y="23"/>
-                      <a:pt x="89" y="30"/>
-                      <a:pt x="80" y="30"/>
-                    </a:cubicBezTo>
-                    <a:close/>
-                  </a:path>
-                </a:pathLst>
-              </a:custGeom>
-              <a:grpFill/>
-              <a:ln>
-                <a:noFill/>
-              </a:ln>
-              <a:extLst>
-                <a:ext uri="{91240B29-F687-4F45-9708-019B960494DF}">
-                  <a14:hiddenLine xmlns:a14="http://schemas.microsoft.com/office/drawing/2010/main" w="9525">
-                    <a:solidFill>
-                      <a:srgbClr val="000000"/>
-                    </a:solidFill>
-                    <a:round/>
-                    <a:headEnd/>
-                    <a:tailEnd/>
-                  </a14:hiddenLine>
-                </a:ext>
-              </a:extLst>
-            </p:spPr>
-            <p:txBody>
-              <a:bodyPr vert="horz" wrap="square" lIns="91440" tIns="45720" rIns="91440" bIns="45720" numCol="1" anchor="t" anchorCtr="0" compatLnSpc="1">
-                <a:prstTxWarp prst="textNoShape">
-                  <a:avLst/>
-                </a:prstTxWarp>
-              </a:bodyPr>
-              <a:lstStyle/>
-              <a:p>
-                <a:endParaRPr lang="en-US"/>
-              </a:p>
-            </p:txBody>
-          </p:sp>
-          <p:sp>
-            <p:nvSpPr>
-              <p:cNvPr id="18" name="Freeform 180">
-                <a:extLst>
-                  <a:ext uri="{FF2B5EF4-FFF2-40B4-BE49-F238E27FC236}">
-                    <a16:creationId xmlns:a16="http://schemas.microsoft.com/office/drawing/2014/main" id="{45C5EC2F-59E5-41DB-8392-D65933BBB086}"/>
-                  </a:ext>
-                </a:extLst>
-              </p:cNvPr>
-              <p:cNvSpPr>
-                <a:spLocks/>
-              </p:cNvSpPr>
-              <p:nvPr/>
-            </p:nvSpPr>
-            <p:spPr bwMode="auto">
-              <a:xfrm>
-                <a:off x="3700463" y="2170113"/>
-                <a:ext cx="69850" cy="49213"/>
-              </a:xfrm>
-              <a:custGeom>
-                <a:avLst/>
-                <a:gdLst>
-                  <a:gd name="T0" fmla="*/ 73 w 91"/>
-                  <a:gd name="T1" fmla="*/ 65 h 65"/>
-                  <a:gd name="T2" fmla="*/ 66 w 91"/>
-                  <a:gd name="T3" fmla="*/ 62 h 65"/>
-                  <a:gd name="T4" fmla="*/ 10 w 91"/>
-                  <a:gd name="T5" fmla="*/ 30 h 65"/>
-                  <a:gd name="T6" fmla="*/ 4 w 91"/>
-                  <a:gd name="T7" fmla="*/ 9 h 65"/>
-                  <a:gd name="T8" fmla="*/ 25 w 91"/>
-                  <a:gd name="T9" fmla="*/ 4 h 65"/>
-                  <a:gd name="T10" fmla="*/ 81 w 91"/>
-                  <a:gd name="T11" fmla="*/ 36 h 65"/>
-                  <a:gd name="T12" fmla="*/ 87 w 91"/>
-                  <a:gd name="T13" fmla="*/ 57 h 65"/>
-                  <a:gd name="T14" fmla="*/ 73 w 91"/>
-                  <a:gd name="T15" fmla="*/ 65 h 65"/>
-                </a:gdLst>
-                <a:ahLst/>
-                <a:cxnLst>
-                  <a:cxn ang="0">
-                    <a:pos x="T0" y="T1"/>
-                  </a:cxn>
-                  <a:cxn ang="0">
-                    <a:pos x="T2" y="T3"/>
-                  </a:cxn>
-                  <a:cxn ang="0">
-                    <a:pos x="T4" y="T5"/>
-                  </a:cxn>
-                  <a:cxn ang="0">
-                    <a:pos x="T6" y="T7"/>
-                  </a:cxn>
-                  <a:cxn ang="0">
-                    <a:pos x="T8" y="T9"/>
-                  </a:cxn>
-                  <a:cxn ang="0">
-                    <a:pos x="T10" y="T11"/>
-                  </a:cxn>
-                  <a:cxn ang="0">
-                    <a:pos x="T12" y="T13"/>
-                  </a:cxn>
-                  <a:cxn ang="0">
-                    <a:pos x="T14" y="T15"/>
-                  </a:cxn>
-                </a:cxnLst>
-                <a:rect l="0" t="0" r="r" b="b"/>
-                <a:pathLst>
-                  <a:path w="91" h="65">
-                    <a:moveTo>
-                      <a:pt x="73" y="65"/>
-                    </a:moveTo>
-                    <a:cubicBezTo>
-                      <a:pt x="71" y="65"/>
-                      <a:pt x="68" y="64"/>
-                      <a:pt x="66" y="62"/>
-                    </a:cubicBezTo>
-                    <a:lnTo>
-                      <a:pt x="10" y="30"/>
-                    </a:lnTo>
-                    <a:cubicBezTo>
-                      <a:pt x="3" y="26"/>
-                      <a:pt x="0" y="17"/>
-                      <a:pt x="4" y="9"/>
-                    </a:cubicBezTo>
-                    <a:cubicBezTo>
-                      <a:pt x="8" y="2"/>
-                      <a:pt x="18" y="0"/>
-                      <a:pt x="25" y="4"/>
-                    </a:cubicBezTo>
-                    <a:lnTo>
-                      <a:pt x="81" y="36"/>
-                    </a:lnTo>
-                    <a:cubicBezTo>
-                      <a:pt x="88" y="41"/>
-                      <a:pt x="91" y="50"/>
-                      <a:pt x="87" y="57"/>
-                    </a:cubicBezTo>
-                    <a:cubicBezTo>
-                      <a:pt x="84" y="62"/>
-                      <a:pt x="79" y="65"/>
-                      <a:pt x="73" y="65"/>
-                    </a:cubicBezTo>
-                  </a:path>
-                </a:pathLst>
-              </a:custGeom>
-              <a:grpFill/>
-              <a:ln>
-                <a:noFill/>
-              </a:ln>
-              <a:extLst>
-                <a:ext uri="{91240B29-F687-4F45-9708-019B960494DF}">
-                  <a14:hiddenLine xmlns:a14="http://schemas.microsoft.com/office/drawing/2010/main" w="9525">
-                    <a:solidFill>
-                      <a:srgbClr val="000000"/>
-                    </a:solidFill>
-                    <a:round/>
-                    <a:headEnd/>
-                    <a:tailEnd/>
-                  </a14:hiddenLine>
-                </a:ext>
-              </a:extLst>
-            </p:spPr>
-            <p:txBody>
-              <a:bodyPr vert="horz" wrap="square" lIns="91440" tIns="45720" rIns="91440" bIns="45720" numCol="1" anchor="t" anchorCtr="0" compatLnSpc="1">
-                <a:prstTxWarp prst="textNoShape">
-                  <a:avLst/>
-                </a:prstTxWarp>
-              </a:bodyPr>
-              <a:lstStyle/>
-              <a:p>
-                <a:endParaRPr lang="en-US"/>
-              </a:p>
-            </p:txBody>
-          </p:sp>
-          <p:sp>
-            <p:nvSpPr>
-              <p:cNvPr id="19" name="Freeform 181">
-                <a:extLst>
-                  <a:ext uri="{FF2B5EF4-FFF2-40B4-BE49-F238E27FC236}">
-                    <a16:creationId xmlns:a16="http://schemas.microsoft.com/office/drawing/2014/main" id="{761B32DD-F2B2-4F0E-9541-F2A125513A0E}"/>
-                  </a:ext>
-                </a:extLst>
-              </p:cNvPr>
-              <p:cNvSpPr>
-                <a:spLocks/>
-              </p:cNvSpPr>
-              <p:nvPr/>
-            </p:nvSpPr>
-            <p:spPr bwMode="auto">
-              <a:xfrm>
-                <a:off x="3613150" y="2257426"/>
-                <a:ext cx="50800" cy="66675"/>
-              </a:xfrm>
-              <a:custGeom>
-                <a:avLst/>
-                <a:gdLst>
-                  <a:gd name="T0" fmla="*/ 50 w 67"/>
-                  <a:gd name="T1" fmla="*/ 88 h 88"/>
-                  <a:gd name="T2" fmla="*/ 37 w 67"/>
-                  <a:gd name="T3" fmla="*/ 81 h 88"/>
-                  <a:gd name="T4" fmla="*/ 4 w 67"/>
-                  <a:gd name="T5" fmla="*/ 24 h 88"/>
-                  <a:gd name="T6" fmla="*/ 10 w 67"/>
-                  <a:gd name="T7" fmla="*/ 4 h 88"/>
-                  <a:gd name="T8" fmla="*/ 30 w 67"/>
-                  <a:gd name="T9" fmla="*/ 9 h 88"/>
-                  <a:gd name="T10" fmla="*/ 63 w 67"/>
-                  <a:gd name="T11" fmla="*/ 66 h 88"/>
-                  <a:gd name="T12" fmla="*/ 57 w 67"/>
-                  <a:gd name="T13" fmla="*/ 86 h 88"/>
-                  <a:gd name="T14" fmla="*/ 50 w 67"/>
-                  <a:gd name="T15" fmla="*/ 88 h 88"/>
-                </a:gdLst>
-                <a:ahLst/>
-                <a:cxnLst>
-                  <a:cxn ang="0">
-                    <a:pos x="T0" y="T1"/>
-                  </a:cxn>
-                  <a:cxn ang="0">
-                    <a:pos x="T2" y="T3"/>
-                  </a:cxn>
-                  <a:cxn ang="0">
-                    <a:pos x="T4" y="T5"/>
-                  </a:cxn>
-                  <a:cxn ang="0">
-                    <a:pos x="T6" y="T7"/>
-                  </a:cxn>
-                  <a:cxn ang="0">
-                    <a:pos x="T8" y="T9"/>
-                  </a:cxn>
-                  <a:cxn ang="0">
-                    <a:pos x="T10" y="T11"/>
-                  </a:cxn>
-                  <a:cxn ang="0">
-                    <a:pos x="T12" y="T13"/>
-                  </a:cxn>
-                  <a:cxn ang="0">
-                    <a:pos x="T14" y="T15"/>
-                  </a:cxn>
-                </a:cxnLst>
-                <a:rect l="0" t="0" r="r" b="b"/>
-                <a:pathLst>
-                  <a:path w="67" h="88">
-                    <a:moveTo>
-                      <a:pt x="50" y="88"/>
-                    </a:moveTo>
-                    <a:cubicBezTo>
-                      <a:pt x="45" y="88"/>
-                      <a:pt x="40" y="85"/>
-                      <a:pt x="37" y="81"/>
-                    </a:cubicBezTo>
-                    <a:lnTo>
-                      <a:pt x="4" y="24"/>
-                    </a:lnTo>
-                    <a:cubicBezTo>
-                      <a:pt x="0" y="17"/>
-                      <a:pt x="3" y="8"/>
-                      <a:pt x="10" y="4"/>
-                    </a:cubicBezTo>
-                    <a:cubicBezTo>
-                      <a:pt x="17" y="0"/>
-                      <a:pt x="26" y="2"/>
-                      <a:pt x="30" y="9"/>
-                    </a:cubicBezTo>
-                    <a:lnTo>
-                      <a:pt x="63" y="66"/>
-                    </a:lnTo>
-                    <a:cubicBezTo>
-                      <a:pt x="67" y="73"/>
-                      <a:pt x="65" y="82"/>
-                      <a:pt x="57" y="86"/>
-                    </a:cubicBezTo>
-                    <a:cubicBezTo>
-                      <a:pt x="55" y="88"/>
-                      <a:pt x="52" y="88"/>
-                      <a:pt x="50" y="88"/>
-                    </a:cubicBezTo>
-                    <a:close/>
-                  </a:path>
-                </a:pathLst>
-              </a:custGeom>
-              <a:grpFill/>
-              <a:ln>
-                <a:noFill/>
-              </a:ln>
-              <a:extLst>
-                <a:ext uri="{91240B29-F687-4F45-9708-019B960494DF}">
-                  <a14:hiddenLine xmlns:a14="http://schemas.microsoft.com/office/drawing/2010/main" w="9525">
-                    <a:solidFill>
-                      <a:srgbClr val="000000"/>
-                    </a:solidFill>
-                    <a:round/>
-                    <a:headEnd/>
-                    <a:tailEnd/>
-                  </a14:hiddenLine>
-                </a:ext>
-              </a:extLst>
-            </p:spPr>
-            <p:txBody>
-              <a:bodyPr vert="horz" wrap="square" lIns="91440" tIns="45720" rIns="91440" bIns="45720" numCol="1" anchor="t" anchorCtr="0" compatLnSpc="1">
-                <a:prstTxWarp prst="textNoShape">
-                  <a:avLst/>
-                </a:prstTxWarp>
-              </a:bodyPr>
-              <a:lstStyle/>
-              <a:p>
-                <a:endParaRPr lang="en-US"/>
-              </a:p>
-            </p:txBody>
-          </p:sp>
-          <p:sp>
-            <p:nvSpPr>
-              <p:cNvPr id="20" name="Freeform 182">
-                <a:extLst>
-                  <a:ext uri="{FF2B5EF4-FFF2-40B4-BE49-F238E27FC236}">
-                    <a16:creationId xmlns:a16="http://schemas.microsoft.com/office/drawing/2014/main" id="{920E0E74-87E0-49FF-8047-18BC6DBBD26D}"/>
-                  </a:ext>
-                </a:extLst>
-              </p:cNvPr>
-              <p:cNvSpPr>
-                <a:spLocks/>
-              </p:cNvSpPr>
-              <p:nvPr/>
-            </p:nvSpPr>
-            <p:spPr bwMode="auto">
-              <a:xfrm>
-                <a:off x="3494088" y="2290763"/>
-                <a:ext cx="23813" cy="73025"/>
-              </a:xfrm>
-              <a:custGeom>
-                <a:avLst/>
-                <a:gdLst>
-                  <a:gd name="T0" fmla="*/ 15 w 30"/>
-                  <a:gd name="T1" fmla="*/ 95 h 95"/>
-                  <a:gd name="T2" fmla="*/ 0 w 30"/>
-                  <a:gd name="T3" fmla="*/ 80 h 95"/>
-                  <a:gd name="T4" fmla="*/ 0 w 30"/>
-                  <a:gd name="T5" fmla="*/ 15 h 95"/>
-                  <a:gd name="T6" fmla="*/ 15 w 30"/>
-                  <a:gd name="T7" fmla="*/ 0 h 95"/>
-                  <a:gd name="T8" fmla="*/ 30 w 30"/>
-                  <a:gd name="T9" fmla="*/ 15 h 95"/>
-                  <a:gd name="T10" fmla="*/ 30 w 30"/>
-                  <a:gd name="T11" fmla="*/ 80 h 95"/>
-                  <a:gd name="T12" fmla="*/ 15 w 30"/>
-                  <a:gd name="T13" fmla="*/ 95 h 95"/>
-                </a:gdLst>
-                <a:ahLst/>
-                <a:cxnLst>
-                  <a:cxn ang="0">
-                    <a:pos x="T0" y="T1"/>
-                  </a:cxn>
-                  <a:cxn ang="0">
-                    <a:pos x="T2" y="T3"/>
-                  </a:cxn>
-                  <a:cxn ang="0">
-                    <a:pos x="T4" y="T5"/>
-                  </a:cxn>
-                  <a:cxn ang="0">
-                    <a:pos x="T6" y="T7"/>
-                  </a:cxn>
-                  <a:cxn ang="0">
-                    <a:pos x="T8" y="T9"/>
-                  </a:cxn>
-                  <a:cxn ang="0">
-                    <a:pos x="T10" y="T11"/>
-                  </a:cxn>
-                  <a:cxn ang="0">
-                    <a:pos x="T12" y="T13"/>
-                  </a:cxn>
-                </a:cxnLst>
-                <a:rect l="0" t="0" r="r" b="b"/>
-                <a:pathLst>
-                  <a:path w="30" h="95">
-                    <a:moveTo>
-                      <a:pt x="15" y="95"/>
-                    </a:moveTo>
-                    <a:cubicBezTo>
-                      <a:pt x="7" y="95"/>
-                      <a:pt x="0" y="88"/>
-                      <a:pt x="0" y="80"/>
-                    </a:cubicBezTo>
-                    <a:lnTo>
-                      <a:pt x="0" y="15"/>
-                    </a:lnTo>
-                    <a:cubicBezTo>
-                      <a:pt x="0" y="7"/>
-                      <a:pt x="7" y="0"/>
-                      <a:pt x="15" y="0"/>
-                    </a:cubicBezTo>
-                    <a:cubicBezTo>
-                      <a:pt x="24" y="0"/>
-                      <a:pt x="30" y="7"/>
-                      <a:pt x="30" y="15"/>
-                    </a:cubicBezTo>
-                    <a:lnTo>
-                      <a:pt x="30" y="80"/>
-                    </a:lnTo>
-                    <a:cubicBezTo>
-                      <a:pt x="30" y="88"/>
-                      <a:pt x="24" y="95"/>
-                      <a:pt x="15" y="95"/>
-                    </a:cubicBezTo>
-                    <a:close/>
-                  </a:path>
-                </a:pathLst>
-              </a:custGeom>
-              <a:grpFill/>
-              <a:ln>
-                <a:noFill/>
-              </a:ln>
-              <a:extLst>
-                <a:ext uri="{91240B29-F687-4F45-9708-019B960494DF}">
-                  <a14:hiddenLine xmlns:a14="http://schemas.microsoft.com/office/drawing/2010/main" w="9525">
-                    <a:solidFill>
-                      <a:srgbClr val="000000"/>
-                    </a:solidFill>
-                    <a:round/>
-                    <a:headEnd/>
-                    <a:tailEnd/>
-                  </a14:hiddenLine>
-                </a:ext>
-              </a:extLst>
-            </p:spPr>
-            <p:txBody>
-              <a:bodyPr vert="horz" wrap="square" lIns="91440" tIns="45720" rIns="91440" bIns="45720" numCol="1" anchor="t" anchorCtr="0" compatLnSpc="1">
-                <a:prstTxWarp prst="textNoShape">
-                  <a:avLst/>
-                </a:prstTxWarp>
-              </a:bodyPr>
-              <a:lstStyle/>
-              <a:p>
-                <a:endParaRPr lang="en-US"/>
-              </a:p>
-            </p:txBody>
-          </p:sp>
-          <p:sp>
-            <p:nvSpPr>
-              <p:cNvPr id="21" name="Freeform 183">
-                <a:extLst>
-                  <a:ext uri="{FF2B5EF4-FFF2-40B4-BE49-F238E27FC236}">
-                    <a16:creationId xmlns:a16="http://schemas.microsoft.com/office/drawing/2014/main" id="{9BA46961-F11C-4516-B7FB-F126917809AC}"/>
-                  </a:ext>
-                </a:extLst>
-              </p:cNvPr>
-              <p:cNvSpPr>
-                <a:spLocks/>
-              </p:cNvSpPr>
-              <p:nvPr/>
-            </p:nvSpPr>
-            <p:spPr bwMode="auto">
-              <a:xfrm>
-                <a:off x="3349625" y="2257426"/>
-                <a:ext cx="50800" cy="66675"/>
-              </a:xfrm>
-              <a:custGeom>
-                <a:avLst/>
-                <a:gdLst>
-                  <a:gd name="T0" fmla="*/ 17 w 67"/>
-                  <a:gd name="T1" fmla="*/ 88 h 88"/>
-                  <a:gd name="T2" fmla="*/ 9 w 67"/>
-                  <a:gd name="T3" fmla="*/ 86 h 88"/>
-                  <a:gd name="T4" fmla="*/ 4 w 67"/>
-                  <a:gd name="T5" fmla="*/ 66 h 88"/>
-                  <a:gd name="T6" fmla="*/ 36 w 67"/>
-                  <a:gd name="T7" fmla="*/ 9 h 88"/>
-                  <a:gd name="T8" fmla="*/ 57 w 67"/>
-                  <a:gd name="T9" fmla="*/ 4 h 88"/>
-                  <a:gd name="T10" fmla="*/ 62 w 67"/>
-                  <a:gd name="T11" fmla="*/ 24 h 88"/>
-                  <a:gd name="T12" fmla="*/ 30 w 67"/>
-                  <a:gd name="T13" fmla="*/ 81 h 88"/>
-                  <a:gd name="T14" fmla="*/ 17 w 67"/>
-                  <a:gd name="T15" fmla="*/ 88 h 88"/>
-                </a:gdLst>
-                <a:ahLst/>
-                <a:cxnLst>
-                  <a:cxn ang="0">
-                    <a:pos x="T0" y="T1"/>
-                  </a:cxn>
-                  <a:cxn ang="0">
-                    <a:pos x="T2" y="T3"/>
-                  </a:cxn>
-                  <a:cxn ang="0">
-                    <a:pos x="T4" y="T5"/>
-                  </a:cxn>
-                  <a:cxn ang="0">
-                    <a:pos x="T6" y="T7"/>
-                  </a:cxn>
-                  <a:cxn ang="0">
-                    <a:pos x="T8" y="T9"/>
-                  </a:cxn>
-                  <a:cxn ang="0">
-                    <a:pos x="T10" y="T11"/>
-                  </a:cxn>
-                  <a:cxn ang="0">
-                    <a:pos x="T12" y="T13"/>
-                  </a:cxn>
-                  <a:cxn ang="0">
-                    <a:pos x="T14" y="T15"/>
-                  </a:cxn>
-                </a:cxnLst>
-                <a:rect l="0" t="0" r="r" b="b"/>
-                <a:pathLst>
-                  <a:path w="67" h="88">
-                    <a:moveTo>
-                      <a:pt x="17" y="88"/>
-                    </a:moveTo>
-                    <a:cubicBezTo>
-                      <a:pt x="14" y="88"/>
-                      <a:pt x="12" y="88"/>
-                      <a:pt x="9" y="86"/>
-                    </a:cubicBezTo>
-                    <a:cubicBezTo>
-                      <a:pt x="2" y="82"/>
-                      <a:pt x="0" y="73"/>
-                      <a:pt x="4" y="66"/>
-                    </a:cubicBezTo>
-                    <a:lnTo>
-                      <a:pt x="36" y="9"/>
-                    </a:lnTo>
-                    <a:cubicBezTo>
-                      <a:pt x="41" y="2"/>
-                      <a:pt x="50" y="0"/>
-                      <a:pt x="57" y="4"/>
-                    </a:cubicBezTo>
-                    <a:cubicBezTo>
-                      <a:pt x="64" y="8"/>
-                      <a:pt x="67" y="17"/>
-                      <a:pt x="62" y="24"/>
-                    </a:cubicBezTo>
-                    <a:lnTo>
-                      <a:pt x="30" y="81"/>
-                    </a:lnTo>
-                    <a:cubicBezTo>
-                      <a:pt x="27" y="85"/>
-                      <a:pt x="22" y="88"/>
-                      <a:pt x="17" y="88"/>
-                    </a:cubicBezTo>
-                    <a:close/>
-                  </a:path>
-                </a:pathLst>
-              </a:custGeom>
-              <a:grpFill/>
-              <a:ln>
-                <a:noFill/>
-              </a:ln>
-              <a:extLst>
-                <a:ext uri="{91240B29-F687-4F45-9708-019B960494DF}">
-                  <a14:hiddenLine xmlns:a14="http://schemas.microsoft.com/office/drawing/2010/main" w="9525">
-                    <a:solidFill>
-                      <a:srgbClr val="000000"/>
-                    </a:solidFill>
-                    <a:round/>
-                    <a:headEnd/>
-                    <a:tailEnd/>
-                  </a14:hiddenLine>
-                </a:ext>
-              </a:extLst>
-            </p:spPr>
-            <p:txBody>
-              <a:bodyPr vert="horz" wrap="square" lIns="91440" tIns="45720" rIns="91440" bIns="45720" numCol="1" anchor="t" anchorCtr="0" compatLnSpc="1">
-                <a:prstTxWarp prst="textNoShape">
-                  <a:avLst/>
-                </a:prstTxWarp>
-              </a:bodyPr>
-              <a:lstStyle/>
-              <a:p>
-                <a:endParaRPr lang="en-US"/>
-              </a:p>
-            </p:txBody>
-          </p:sp>
-          <p:sp>
-            <p:nvSpPr>
-              <p:cNvPr id="22" name="Freeform 184">
-                <a:extLst>
-                  <a:ext uri="{FF2B5EF4-FFF2-40B4-BE49-F238E27FC236}">
-                    <a16:creationId xmlns:a16="http://schemas.microsoft.com/office/drawing/2014/main" id="{B75E097C-13D1-4EA5-A3E6-0F0AE08EC90E}"/>
-                  </a:ext>
-                </a:extLst>
-              </p:cNvPr>
-              <p:cNvSpPr>
-                <a:spLocks/>
-              </p:cNvSpPr>
-              <p:nvPr/>
-            </p:nvSpPr>
-            <p:spPr bwMode="auto">
-              <a:xfrm>
-                <a:off x="3243263" y="2170113"/>
-                <a:ext cx="69850" cy="49213"/>
-              </a:xfrm>
-              <a:custGeom>
-                <a:avLst/>
-                <a:gdLst>
-                  <a:gd name="T0" fmla="*/ 17 w 91"/>
-                  <a:gd name="T1" fmla="*/ 65 h 65"/>
-                  <a:gd name="T2" fmla="*/ 4 w 91"/>
-                  <a:gd name="T3" fmla="*/ 57 h 65"/>
-                  <a:gd name="T4" fmla="*/ 10 w 91"/>
-                  <a:gd name="T5" fmla="*/ 36 h 65"/>
-                  <a:gd name="T6" fmla="*/ 66 w 91"/>
-                  <a:gd name="T7" fmla="*/ 4 h 65"/>
-                  <a:gd name="T8" fmla="*/ 87 w 91"/>
-                  <a:gd name="T9" fmla="*/ 9 h 65"/>
-                  <a:gd name="T10" fmla="*/ 81 w 91"/>
-                  <a:gd name="T11" fmla="*/ 30 h 65"/>
-                  <a:gd name="T12" fmla="*/ 25 w 91"/>
-                  <a:gd name="T13" fmla="*/ 62 h 65"/>
-                  <a:gd name="T14" fmla="*/ 17 w 91"/>
-                  <a:gd name="T15" fmla="*/ 65 h 65"/>
-                </a:gdLst>
-                <a:ahLst/>
-                <a:cxnLst>
-                  <a:cxn ang="0">
-                    <a:pos x="T0" y="T1"/>
-                  </a:cxn>
-                  <a:cxn ang="0">
-                    <a:pos x="T2" y="T3"/>
-                  </a:cxn>
-                  <a:cxn ang="0">
-                    <a:pos x="T4" y="T5"/>
-                  </a:cxn>
-                  <a:cxn ang="0">
-                    <a:pos x="T6" y="T7"/>
-                  </a:cxn>
-                  <a:cxn ang="0">
-                    <a:pos x="T8" y="T9"/>
-                  </a:cxn>
-                  <a:cxn ang="0">
-                    <a:pos x="T10" y="T11"/>
-                  </a:cxn>
-                  <a:cxn ang="0">
-                    <a:pos x="T12" y="T13"/>
-                  </a:cxn>
-                  <a:cxn ang="0">
-                    <a:pos x="T14" y="T15"/>
-                  </a:cxn>
-                </a:cxnLst>
-                <a:rect l="0" t="0" r="r" b="b"/>
-                <a:pathLst>
-                  <a:path w="91" h="65">
-                    <a:moveTo>
-                      <a:pt x="17" y="65"/>
-                    </a:moveTo>
-                    <a:cubicBezTo>
-                      <a:pt x="12" y="65"/>
-                      <a:pt x="7" y="62"/>
-                      <a:pt x="4" y="57"/>
-                    </a:cubicBezTo>
-                    <a:cubicBezTo>
-                      <a:pt x="0" y="50"/>
-                      <a:pt x="3" y="41"/>
-                      <a:pt x="10" y="36"/>
-                    </a:cubicBezTo>
-                    <a:lnTo>
-                      <a:pt x="66" y="4"/>
-                    </a:lnTo>
-                    <a:cubicBezTo>
-                      <a:pt x="73" y="0"/>
-                      <a:pt x="82" y="2"/>
-                      <a:pt x="87" y="9"/>
-                    </a:cubicBezTo>
-                    <a:cubicBezTo>
-                      <a:pt x="91" y="17"/>
-                      <a:pt x="88" y="26"/>
-                      <a:pt x="81" y="30"/>
-                    </a:cubicBezTo>
-                    <a:lnTo>
-                      <a:pt x="25" y="62"/>
-                    </a:lnTo>
-                    <a:cubicBezTo>
-                      <a:pt x="22" y="64"/>
-                      <a:pt x="20" y="65"/>
-                      <a:pt x="17" y="65"/>
-                    </a:cubicBezTo>
-                  </a:path>
-                </a:pathLst>
-              </a:custGeom>
-              <a:grpFill/>
-              <a:ln>
-                <a:noFill/>
-              </a:ln>
-              <a:extLst>
-                <a:ext uri="{91240B29-F687-4F45-9708-019B960494DF}">
-                  <a14:hiddenLine xmlns:a14="http://schemas.microsoft.com/office/drawing/2010/main" w="9525">
-                    <a:solidFill>
-                      <a:srgbClr val="000000"/>
-                    </a:solidFill>
-                    <a:round/>
-                    <a:headEnd/>
-                    <a:tailEnd/>
-                  </a14:hiddenLine>
-                </a:ext>
-              </a:extLst>
-            </p:spPr>
-            <p:txBody>
-              <a:bodyPr vert="horz" wrap="square" lIns="91440" tIns="45720" rIns="91440" bIns="45720" numCol="1" anchor="t" anchorCtr="0" compatLnSpc="1">
-                <a:prstTxWarp prst="textNoShape">
-                  <a:avLst/>
-                </a:prstTxWarp>
-              </a:bodyPr>
-              <a:lstStyle/>
-              <a:p>
-                <a:endParaRPr lang="en-US"/>
-              </a:p>
-            </p:txBody>
-          </p:sp>
-          <p:sp>
-            <p:nvSpPr>
-              <p:cNvPr id="23" name="Freeform 185">
-                <a:extLst>
-                  <a:ext uri="{FF2B5EF4-FFF2-40B4-BE49-F238E27FC236}">
-                    <a16:creationId xmlns:a16="http://schemas.microsoft.com/office/drawing/2014/main" id="{21B2D9A2-180B-48F3-8156-15DF330219BB}"/>
-                  </a:ext>
-                </a:extLst>
-              </p:cNvPr>
-              <p:cNvSpPr>
-                <a:spLocks/>
-              </p:cNvSpPr>
-              <p:nvPr/>
-            </p:nvSpPr>
-            <p:spPr bwMode="auto">
-              <a:xfrm>
-                <a:off x="3205163" y="2051051"/>
-                <a:ext cx="73025" cy="23813"/>
-              </a:xfrm>
-              <a:custGeom>
-                <a:avLst/>
-                <a:gdLst>
-                  <a:gd name="T0" fmla="*/ 80 w 96"/>
-                  <a:gd name="T1" fmla="*/ 30 h 30"/>
-                  <a:gd name="T2" fmla="*/ 16 w 96"/>
-                  <a:gd name="T3" fmla="*/ 30 h 30"/>
-                  <a:gd name="T4" fmla="*/ 0 w 96"/>
-                  <a:gd name="T5" fmla="*/ 15 h 30"/>
-                  <a:gd name="T6" fmla="*/ 16 w 96"/>
-                  <a:gd name="T7" fmla="*/ 0 h 30"/>
-                  <a:gd name="T8" fmla="*/ 80 w 96"/>
-                  <a:gd name="T9" fmla="*/ 0 h 30"/>
-                  <a:gd name="T10" fmla="*/ 96 w 96"/>
-                  <a:gd name="T11" fmla="*/ 15 h 30"/>
-                  <a:gd name="T12" fmla="*/ 80 w 96"/>
-                  <a:gd name="T13" fmla="*/ 30 h 30"/>
-                </a:gdLst>
-                <a:ahLst/>
-                <a:cxnLst>
-                  <a:cxn ang="0">
-                    <a:pos x="T0" y="T1"/>
-                  </a:cxn>
-                  <a:cxn ang="0">
-                    <a:pos x="T2" y="T3"/>
-                  </a:cxn>
-                  <a:cxn ang="0">
-                    <a:pos x="T4" y="T5"/>
-                  </a:cxn>
-                  <a:cxn ang="0">
-                    <a:pos x="T6" y="T7"/>
-                  </a:cxn>
-                  <a:cxn ang="0">
-                    <a:pos x="T8" y="T9"/>
-                  </a:cxn>
-                  <a:cxn ang="0">
-                    <a:pos x="T10" y="T11"/>
-                  </a:cxn>
-                  <a:cxn ang="0">
-                    <a:pos x="T12" y="T13"/>
-                  </a:cxn>
-                </a:cxnLst>
-                <a:rect l="0" t="0" r="r" b="b"/>
-                <a:pathLst>
-                  <a:path w="96" h="30">
-                    <a:moveTo>
-                      <a:pt x="80" y="30"/>
-                    </a:moveTo>
-                    <a:lnTo>
-                      <a:pt x="16" y="30"/>
-                    </a:lnTo>
-                    <a:cubicBezTo>
-                      <a:pt x="7" y="30"/>
-                      <a:pt x="0" y="23"/>
-                      <a:pt x="0" y="15"/>
-                    </a:cubicBezTo>
-                    <a:cubicBezTo>
-                      <a:pt x="0" y="7"/>
-                      <a:pt x="7" y="0"/>
-                      <a:pt x="16" y="0"/>
-                    </a:cubicBezTo>
-                    <a:lnTo>
-                      <a:pt x="80" y="0"/>
-                    </a:lnTo>
-                    <a:cubicBezTo>
-                      <a:pt x="89" y="0"/>
-                      <a:pt x="96" y="7"/>
-                      <a:pt x="96" y="15"/>
-                    </a:cubicBezTo>
-                    <a:cubicBezTo>
-                      <a:pt x="96" y="23"/>
-                      <a:pt x="89" y="30"/>
-                      <a:pt x="80" y="30"/>
-                    </a:cubicBezTo>
-                    <a:close/>
-                  </a:path>
-                </a:pathLst>
-              </a:custGeom>
-              <a:grpFill/>
-              <a:ln>
-                <a:noFill/>
-              </a:ln>
-              <a:extLst>
-                <a:ext uri="{91240B29-F687-4F45-9708-019B960494DF}">
-                  <a14:hiddenLine xmlns:a14="http://schemas.microsoft.com/office/drawing/2010/main" w="9525">
-                    <a:solidFill>
-                      <a:srgbClr val="000000"/>
-                    </a:solidFill>
-                    <a:round/>
-                    <a:headEnd/>
-                    <a:tailEnd/>
-                  </a14:hiddenLine>
-                </a:ext>
-              </a:extLst>
-            </p:spPr>
-            <p:txBody>
-              <a:bodyPr vert="horz" wrap="square" lIns="91440" tIns="45720" rIns="91440" bIns="45720" numCol="1" anchor="t" anchorCtr="0" compatLnSpc="1">
-                <a:prstTxWarp prst="textNoShape">
-                  <a:avLst/>
-                </a:prstTxWarp>
-              </a:bodyPr>
-              <a:lstStyle/>
-              <a:p>
-                <a:endParaRPr lang="en-US"/>
-              </a:p>
-            </p:txBody>
-          </p:sp>
-          <p:sp>
-            <p:nvSpPr>
-              <p:cNvPr id="24" name="Freeform 186">
-                <a:extLst>
-                  <a:ext uri="{FF2B5EF4-FFF2-40B4-BE49-F238E27FC236}">
-                    <a16:creationId xmlns:a16="http://schemas.microsoft.com/office/drawing/2014/main" id="{684B8A2F-E13C-4B0C-B49E-47CF6BCD886D}"/>
-                  </a:ext>
-                </a:extLst>
-              </p:cNvPr>
-              <p:cNvSpPr>
-                <a:spLocks/>
-              </p:cNvSpPr>
-              <p:nvPr/>
-            </p:nvSpPr>
-            <p:spPr bwMode="auto">
-              <a:xfrm>
-                <a:off x="3243263" y="1905001"/>
-                <a:ext cx="69850" cy="49213"/>
-              </a:xfrm>
-              <a:custGeom>
-                <a:avLst/>
-                <a:gdLst>
-                  <a:gd name="T0" fmla="*/ 73 w 91"/>
-                  <a:gd name="T1" fmla="*/ 65 h 65"/>
-                  <a:gd name="T2" fmla="*/ 66 w 91"/>
-                  <a:gd name="T3" fmla="*/ 63 h 65"/>
-                  <a:gd name="T4" fmla="*/ 10 w 91"/>
-                  <a:gd name="T5" fmla="*/ 31 h 65"/>
-                  <a:gd name="T6" fmla="*/ 4 w 91"/>
-                  <a:gd name="T7" fmla="*/ 10 h 65"/>
-                  <a:gd name="T8" fmla="*/ 25 w 91"/>
-                  <a:gd name="T9" fmla="*/ 5 h 65"/>
-                  <a:gd name="T10" fmla="*/ 81 w 91"/>
-                  <a:gd name="T11" fmla="*/ 37 h 65"/>
-                  <a:gd name="T12" fmla="*/ 87 w 91"/>
-                  <a:gd name="T13" fmla="*/ 58 h 65"/>
-                  <a:gd name="T14" fmla="*/ 73 w 91"/>
-                  <a:gd name="T15" fmla="*/ 65 h 65"/>
-                </a:gdLst>
-                <a:ahLst/>
-                <a:cxnLst>
-                  <a:cxn ang="0">
-                    <a:pos x="T0" y="T1"/>
-                  </a:cxn>
-                  <a:cxn ang="0">
-                    <a:pos x="T2" y="T3"/>
-                  </a:cxn>
-                  <a:cxn ang="0">
-                    <a:pos x="T4" y="T5"/>
-                  </a:cxn>
-                  <a:cxn ang="0">
-                    <a:pos x="T6" y="T7"/>
-                  </a:cxn>
-                  <a:cxn ang="0">
-                    <a:pos x="T8" y="T9"/>
-                  </a:cxn>
-                  <a:cxn ang="0">
-                    <a:pos x="T10" y="T11"/>
-                  </a:cxn>
-                  <a:cxn ang="0">
-                    <a:pos x="T12" y="T13"/>
-                  </a:cxn>
-                  <a:cxn ang="0">
-                    <a:pos x="T14" y="T15"/>
-                  </a:cxn>
-                </a:cxnLst>
-                <a:rect l="0" t="0" r="r" b="b"/>
-                <a:pathLst>
-                  <a:path w="91" h="65">
-                    <a:moveTo>
-                      <a:pt x="73" y="65"/>
-                    </a:moveTo>
-                    <a:cubicBezTo>
-                      <a:pt x="71" y="65"/>
-                      <a:pt x="68" y="64"/>
-                      <a:pt x="66" y="63"/>
-                    </a:cubicBezTo>
-                    <a:lnTo>
-                      <a:pt x="10" y="31"/>
-                    </a:lnTo>
-                    <a:cubicBezTo>
-                      <a:pt x="3" y="26"/>
-                      <a:pt x="0" y="17"/>
-                      <a:pt x="4" y="10"/>
-                    </a:cubicBezTo>
-                    <a:cubicBezTo>
-                      <a:pt x="8" y="3"/>
-                      <a:pt x="18" y="0"/>
-                      <a:pt x="25" y="5"/>
-                    </a:cubicBezTo>
-                    <a:lnTo>
-                      <a:pt x="81" y="37"/>
-                    </a:lnTo>
-                    <a:cubicBezTo>
-                      <a:pt x="88" y="41"/>
-                      <a:pt x="91" y="50"/>
-                      <a:pt x="87" y="58"/>
-                    </a:cubicBezTo>
-                    <a:cubicBezTo>
-                      <a:pt x="84" y="62"/>
-                      <a:pt x="79" y="65"/>
-                      <a:pt x="73" y="65"/>
-                    </a:cubicBezTo>
-                    <a:close/>
-                  </a:path>
-                </a:pathLst>
-              </a:custGeom>
-              <a:grpFill/>
-              <a:ln>
-                <a:noFill/>
-              </a:ln>
-              <a:extLst>
-                <a:ext uri="{91240B29-F687-4F45-9708-019B960494DF}">
-                  <a14:hiddenLine xmlns:a14="http://schemas.microsoft.com/office/drawing/2010/main" w="9525">
-                    <a:solidFill>
-                      <a:srgbClr val="000000"/>
-                    </a:solidFill>
-                    <a:round/>
-                    <a:headEnd/>
-                    <a:tailEnd/>
-                  </a14:hiddenLine>
-                </a:ext>
-              </a:extLst>
-            </p:spPr>
-            <p:txBody>
-              <a:bodyPr vert="horz" wrap="square" lIns="91440" tIns="45720" rIns="91440" bIns="45720" numCol="1" anchor="t" anchorCtr="0" compatLnSpc="1">
-                <a:prstTxWarp prst="textNoShape">
-                  <a:avLst/>
-                </a:prstTxWarp>
-              </a:bodyPr>
-              <a:lstStyle/>
-              <a:p>
-                <a:endParaRPr lang="en-US"/>
-              </a:p>
-            </p:txBody>
-          </p:sp>
-          <p:sp>
-            <p:nvSpPr>
-              <p:cNvPr id="25" name="Freeform 187">
-                <a:extLst>
-                  <a:ext uri="{FF2B5EF4-FFF2-40B4-BE49-F238E27FC236}">
-                    <a16:creationId xmlns:a16="http://schemas.microsoft.com/office/drawing/2014/main" id="{98471B3E-0489-4B91-A087-1AB3C93740BD}"/>
-                  </a:ext>
-                </a:extLst>
-              </p:cNvPr>
-              <p:cNvSpPr>
-                <a:spLocks/>
-              </p:cNvSpPr>
-              <p:nvPr/>
-            </p:nvSpPr>
-            <p:spPr bwMode="auto">
-              <a:xfrm>
-                <a:off x="3349625" y="1800226"/>
-                <a:ext cx="50800" cy="66675"/>
-              </a:xfrm>
-              <a:custGeom>
-                <a:avLst/>
-                <a:gdLst>
-                  <a:gd name="T0" fmla="*/ 49 w 67"/>
-                  <a:gd name="T1" fmla="*/ 88 h 88"/>
-                  <a:gd name="T2" fmla="*/ 36 w 67"/>
-                  <a:gd name="T3" fmla="*/ 81 h 88"/>
-                  <a:gd name="T4" fmla="*/ 4 w 67"/>
-                  <a:gd name="T5" fmla="*/ 24 h 88"/>
-                  <a:gd name="T6" fmla="*/ 9 w 67"/>
-                  <a:gd name="T7" fmla="*/ 4 h 88"/>
-                  <a:gd name="T8" fmla="*/ 30 w 67"/>
-                  <a:gd name="T9" fmla="*/ 9 h 88"/>
-                  <a:gd name="T10" fmla="*/ 62 w 67"/>
-                  <a:gd name="T11" fmla="*/ 66 h 88"/>
-                  <a:gd name="T12" fmla="*/ 57 w 67"/>
-                  <a:gd name="T13" fmla="*/ 86 h 88"/>
-                  <a:gd name="T14" fmla="*/ 49 w 67"/>
-                  <a:gd name="T15" fmla="*/ 88 h 88"/>
-                </a:gdLst>
-                <a:ahLst/>
-                <a:cxnLst>
-                  <a:cxn ang="0">
-                    <a:pos x="T0" y="T1"/>
-                  </a:cxn>
-                  <a:cxn ang="0">
-                    <a:pos x="T2" y="T3"/>
-                  </a:cxn>
-                  <a:cxn ang="0">
-                    <a:pos x="T4" y="T5"/>
-                  </a:cxn>
-                  <a:cxn ang="0">
-                    <a:pos x="T6" y="T7"/>
-                  </a:cxn>
-                  <a:cxn ang="0">
-                    <a:pos x="T8" y="T9"/>
-                  </a:cxn>
-                  <a:cxn ang="0">
-                    <a:pos x="T10" y="T11"/>
-                  </a:cxn>
-                  <a:cxn ang="0">
-                    <a:pos x="T12" y="T13"/>
-                  </a:cxn>
-                  <a:cxn ang="0">
-                    <a:pos x="T14" y="T15"/>
-                  </a:cxn>
-                </a:cxnLst>
-                <a:rect l="0" t="0" r="r" b="b"/>
-                <a:pathLst>
-                  <a:path w="67" h="88">
-                    <a:moveTo>
-                      <a:pt x="49" y="88"/>
-                    </a:moveTo>
-                    <a:cubicBezTo>
-                      <a:pt x="44" y="88"/>
-                      <a:pt x="39" y="85"/>
-                      <a:pt x="36" y="81"/>
-                    </a:cubicBezTo>
-                    <a:lnTo>
-                      <a:pt x="4" y="24"/>
-                    </a:lnTo>
-                    <a:cubicBezTo>
-                      <a:pt x="0" y="17"/>
-                      <a:pt x="2" y="8"/>
-                      <a:pt x="9" y="4"/>
-                    </a:cubicBezTo>
-                    <a:cubicBezTo>
-                      <a:pt x="17" y="0"/>
-                      <a:pt x="26" y="2"/>
-                      <a:pt x="30" y="9"/>
-                    </a:cubicBezTo>
-                    <a:lnTo>
-                      <a:pt x="62" y="66"/>
-                    </a:lnTo>
-                    <a:cubicBezTo>
-                      <a:pt x="67" y="73"/>
-                      <a:pt x="64" y="82"/>
-                      <a:pt x="57" y="86"/>
-                    </a:cubicBezTo>
-                    <a:cubicBezTo>
-                      <a:pt x="55" y="88"/>
-                      <a:pt x="52" y="88"/>
-                      <a:pt x="49" y="88"/>
-                    </a:cubicBezTo>
-                    <a:close/>
-                  </a:path>
-                </a:pathLst>
-              </a:custGeom>
-              <a:grpFill/>
-              <a:ln>
-                <a:noFill/>
-              </a:ln>
-              <a:extLst>
-                <a:ext uri="{91240B29-F687-4F45-9708-019B960494DF}">
-                  <a14:hiddenLine xmlns:a14="http://schemas.microsoft.com/office/drawing/2010/main" w="9525">
-                    <a:solidFill>
-                      <a:srgbClr val="000000"/>
-                    </a:solidFill>
-                    <a:round/>
-                    <a:headEnd/>
-                    <a:tailEnd/>
-                  </a14:hiddenLine>
-                </a:ext>
-              </a:extLst>
-            </p:spPr>
-            <p:txBody>
-              <a:bodyPr vert="horz" wrap="square" lIns="91440" tIns="45720" rIns="91440" bIns="45720" numCol="1" anchor="t" anchorCtr="0" compatLnSpc="1">
-                <a:prstTxWarp prst="textNoShape">
-                  <a:avLst/>
-                </a:prstTxWarp>
-              </a:bodyPr>
-              <a:lstStyle/>
-              <a:p>
-                <a:endParaRPr lang="en-US"/>
-              </a:p>
-            </p:txBody>
-          </p:sp>
-        </p:grpSp>
-        <p:sp>
-          <p:nvSpPr>
-            <p:cNvPr id="10" name="Circle: Hollow 9">
-              <a:extLst>
-                <a:ext uri="{FF2B5EF4-FFF2-40B4-BE49-F238E27FC236}">
-                  <a16:creationId xmlns:a16="http://schemas.microsoft.com/office/drawing/2014/main" id="{E53742D0-E5F3-4A18-BCE5-FFC36B7B44AC}"/>
-                </a:ext>
-              </a:extLst>
-            </p:cNvPr>
-            <p:cNvSpPr/>
-            <p:nvPr/>
-          </p:nvSpPr>
-          <p:spPr>
-            <a:xfrm>
-              <a:off x="4995674" y="4044712"/>
-              <a:ext cx="848364" cy="848364"/>
-            </a:xfrm>
-            <a:prstGeom prst="donut">
-              <a:avLst>
-                <a:gd name="adj" fmla="val 3945"/>
-              </a:avLst>
-            </a:prstGeom>
-            <a:grpFill/>
-            <a:ln>
-              <a:noFill/>
-            </a:ln>
-          </p:spPr>
-          <p:style>
-            <a:lnRef idx="2">
-              <a:schemeClr val="accent1">
-                <a:shade val="50000"/>
-              </a:schemeClr>
-            </a:lnRef>
-            <a:fillRef idx="1">
-              <a:schemeClr val="accent1"/>
-            </a:fillRef>
-            <a:effectRef idx="0">
-              <a:schemeClr val="accent1"/>
-            </a:effectRef>
-            <a:fontRef idx="minor">
-              <a:schemeClr val="lt1"/>
-            </a:fontRef>
-          </p:style>
-          <p:txBody>
-            <a:bodyPr rtlCol="0" anchor="ctr"/>
-            <a:lstStyle/>
-            <a:p>
-              <a:pPr algn="ctr"/>
-              <a:endParaRPr lang="en-US" dirty="0">
-                <a:solidFill>
-                  <a:schemeClr val="tx1"/>
-                </a:solidFill>
-              </a:endParaRPr>
-            </a:p>
-          </p:txBody>
-        </p:sp>
-        <p:sp>
-          <p:nvSpPr>
-            <p:cNvPr id="11" name="Circle: Hollow 10">
-              <a:extLst>
-                <a:ext uri="{FF2B5EF4-FFF2-40B4-BE49-F238E27FC236}">
-                  <a16:creationId xmlns:a16="http://schemas.microsoft.com/office/drawing/2014/main" id="{E7B92A74-5B21-4959-B4B6-1A223A319783}"/>
-                </a:ext>
-              </a:extLst>
-            </p:cNvPr>
-            <p:cNvSpPr/>
-            <p:nvPr/>
-          </p:nvSpPr>
-          <p:spPr>
-            <a:xfrm>
-              <a:off x="5348489" y="4397528"/>
-              <a:ext cx="142736" cy="142734"/>
-            </a:xfrm>
-            <a:prstGeom prst="donut">
-              <a:avLst>
-                <a:gd name="adj" fmla="val 22633"/>
-              </a:avLst>
-            </a:prstGeom>
-            <a:grpFill/>
-            <a:ln>
-              <a:noFill/>
-            </a:ln>
-          </p:spPr>
-          <p:style>
-            <a:lnRef idx="2">
-              <a:schemeClr val="accent1">
-                <a:shade val="50000"/>
-              </a:schemeClr>
-            </a:lnRef>
-            <a:fillRef idx="1">
-              <a:schemeClr val="accent1"/>
-            </a:fillRef>
-            <a:effectRef idx="0">
-              <a:schemeClr val="accent1"/>
-            </a:effectRef>
-            <a:fontRef idx="minor">
-              <a:schemeClr val="lt1"/>
-            </a:fontRef>
-          </p:style>
-          <p:txBody>
-            <a:bodyPr rtlCol="0" anchor="ctr"/>
-            <a:lstStyle/>
-            <a:p>
-              <a:pPr algn="ctr"/>
-              <a:endParaRPr lang="en-US" dirty="0">
-                <a:solidFill>
-                  <a:schemeClr val="tx1"/>
-                </a:solidFill>
-              </a:endParaRPr>
-            </a:p>
-          </p:txBody>
-        </p:sp>
-        <p:sp>
-          <p:nvSpPr>
-            <p:cNvPr id="12" name="Rectangle: Top Corners Rounded 11">
-              <a:extLst>
-                <a:ext uri="{FF2B5EF4-FFF2-40B4-BE49-F238E27FC236}">
-                  <a16:creationId xmlns:a16="http://schemas.microsoft.com/office/drawing/2014/main" id="{40549C97-17BD-488D-A497-EE9ED7E416CB}"/>
-                </a:ext>
-              </a:extLst>
-            </p:cNvPr>
-            <p:cNvSpPr/>
-            <p:nvPr/>
-          </p:nvSpPr>
-          <p:spPr>
-            <a:xfrm rot="14339270">
-              <a:off x="5285405" y="4456369"/>
-              <a:ext cx="36576" cy="173654"/>
-            </a:xfrm>
-            <a:prstGeom prst="round2SameRect">
-              <a:avLst>
-                <a:gd name="adj1" fmla="val 50000"/>
-                <a:gd name="adj2" fmla="val 0"/>
-              </a:avLst>
-            </a:prstGeom>
-            <a:grpFill/>
-            <a:ln>
-              <a:noFill/>
-            </a:ln>
-          </p:spPr>
-          <p:style>
-            <a:lnRef idx="2">
-              <a:schemeClr val="accent1">
-                <a:shade val="50000"/>
-              </a:schemeClr>
-            </a:lnRef>
-            <a:fillRef idx="1">
-              <a:schemeClr val="accent1"/>
-            </a:fillRef>
-            <a:effectRef idx="0">
-              <a:schemeClr val="accent1"/>
-            </a:effectRef>
-            <a:fontRef idx="minor">
-              <a:schemeClr val="lt1"/>
-            </a:fontRef>
-          </p:style>
-          <p:txBody>
-            <a:bodyPr rtlCol="0" anchor="ctr"/>
-            <a:lstStyle/>
-            <a:p>
-              <a:pPr algn="ctr"/>
-              <a:endParaRPr lang="en-US"/>
-            </a:p>
-          </p:txBody>
-        </p:sp>
-        <p:sp>
-          <p:nvSpPr>
-            <p:cNvPr id="13" name="Rectangle: Top Corners Rounded 12">
-              <a:extLst>
-                <a:ext uri="{FF2B5EF4-FFF2-40B4-BE49-F238E27FC236}">
-                  <a16:creationId xmlns:a16="http://schemas.microsoft.com/office/drawing/2014/main" id="{38AAC12A-59E4-4B46-B493-4B7472352CE2}"/>
-                </a:ext>
-              </a:extLst>
-            </p:cNvPr>
-            <p:cNvSpPr/>
-            <p:nvPr/>
-          </p:nvSpPr>
-          <p:spPr>
-            <a:xfrm>
-              <a:off x="5400584" y="4207394"/>
-              <a:ext cx="36576" cy="204418"/>
-            </a:xfrm>
-            <a:prstGeom prst="round2SameRect">
-              <a:avLst>
-                <a:gd name="adj1" fmla="val 50000"/>
-                <a:gd name="adj2" fmla="val 0"/>
-              </a:avLst>
-            </a:prstGeom>
-            <a:grpFill/>
-            <a:ln>
-              <a:noFill/>
-            </a:ln>
-          </p:spPr>
-          <p:style>
-            <a:lnRef idx="2">
-              <a:schemeClr val="accent1">
-                <a:shade val="50000"/>
-              </a:schemeClr>
-            </a:lnRef>
-            <a:fillRef idx="1">
-              <a:schemeClr val="accent1"/>
-            </a:fillRef>
-            <a:effectRef idx="0">
-              <a:schemeClr val="accent1"/>
-            </a:effectRef>
-            <a:fontRef idx="minor">
-              <a:schemeClr val="lt1"/>
-            </a:fontRef>
-          </p:style>
-          <p:txBody>
-            <a:bodyPr rtlCol="0" anchor="ctr"/>
-            <a:lstStyle/>
-            <a:p>
-              <a:pPr algn="ctr"/>
-              <a:endParaRPr lang="en-US"/>
-            </a:p>
-          </p:txBody>
-        </p:sp>
-      </p:grpSp>
-    </p:spTree>
-    <p:extLst>
-      <p:ext uri="{BB962C8B-B14F-4D97-AF65-F5344CB8AC3E}">
-        <p14:creationId xmlns:p14="http://schemas.microsoft.com/office/powerpoint/2010/main" val="1005974514"/>
-      </p:ext>
-    </p:extLst>
-  </p:cSld>
-  <p:clrMapOvr>
-    <a:masterClrMapping/>
-  </p:clrMapOvr>
-  <p:timing>
-    <p:tnLst>
-      <p:par>
-        <p:cTn id="1" dur="indefinite" restart="never" nodeType="tmRoot">
-          <p:childTnLst>
-            <p:seq concurrent="1" nextAc="seek">
-              <p:cTn id="2" dur="indefinite" nodeType="mainSeq">
-                <p:childTnLst>
-                  <p:par>
-                    <p:cTn id="3" fill="hold">
-                      <p:stCondLst>
-                        <p:cond delay="indefinite"/>
-                      </p:stCondLst>
-                      <p:childTnLst>
-                        <p:par>
-                          <p:cTn id="4" fill="hold">
-                            <p:stCondLst>
-                              <p:cond delay="0"/>
-                            </p:stCondLst>
-                            <p:childTnLst>
-                              <p:par>
-                                <p:cTn id="5" presetID="10" presetClass="entr" presetSubtype="0" fill="hold" nodeType="clickEffect">
-                                  <p:stCondLst>
-                                    <p:cond delay="0"/>
-                                  </p:stCondLst>
-                                  <p:childTnLst>
-                                    <p:set>
-                                      <p:cBhvr>
-                                        <p:cTn id="6" dur="1" fill="hold">
-                                          <p:stCondLst>
-                                            <p:cond delay="0"/>
-                                          </p:stCondLst>
-                                        </p:cTn>
-                                        <p:tgtEl>
-                                          <p:spTgt spid="2"/>
-                                        </p:tgtEl>
-                                        <p:attrNameLst>
-                                          <p:attrName>style.visibility</p:attrName>
-                                        </p:attrNameLst>
-                                      </p:cBhvr>
-                                      <p:to>
-                                        <p:strVal val="visible"/>
-                                      </p:to>
-                                    </p:set>
-                                    <p:animEffect transition="in" filter="fade">
-                                      <p:cBhvr>
-                                        <p:cTn id="7" dur="500"/>
-                                        <p:tgtEl>
-                                          <p:spTgt spid="2"/>
-                                        </p:tgtEl>
-                                      </p:cBhvr>
-                                    </p:animEffect>
-                                  </p:childTnLst>
-                                </p:cTn>
-                              </p:par>
-                              <p:par>
-                                <p:cTn id="8" presetID="53" presetClass="entr" presetSubtype="16" fill="hold" grpId="0" nodeType="withEffect">
-                                  <p:stCondLst>
-                                    <p:cond delay="0"/>
-                                  </p:stCondLst>
-                                  <p:childTnLst>
-                                    <p:set>
-                                      <p:cBhvr>
-                                        <p:cTn id="9" dur="1" fill="hold">
-                                          <p:stCondLst>
-                                            <p:cond delay="0"/>
-                                          </p:stCondLst>
-                                        </p:cTn>
-                                        <p:tgtEl>
-                                          <p:spTgt spid="5"/>
-                                        </p:tgtEl>
-                                        <p:attrNameLst>
-                                          <p:attrName>style.visibility</p:attrName>
-                                        </p:attrNameLst>
-                                      </p:cBhvr>
-                                      <p:to>
-                                        <p:strVal val="visible"/>
-                                      </p:to>
-                                    </p:set>
-                                    <p:anim calcmode="lin" valueType="num">
-                                      <p:cBhvr>
-                                        <p:cTn id="10" dur="500" fill="hold"/>
-                                        <p:tgtEl>
-                                          <p:spTgt spid="5"/>
-                                        </p:tgtEl>
-                                        <p:attrNameLst>
-                                          <p:attrName>ppt_w</p:attrName>
-                                        </p:attrNameLst>
-                                      </p:cBhvr>
-                                      <p:tavLst>
-                                        <p:tav tm="0">
-                                          <p:val>
-                                            <p:fltVal val="0"/>
-                                          </p:val>
-                                        </p:tav>
-                                        <p:tav tm="100000">
-                                          <p:val>
-                                            <p:strVal val="#ppt_w"/>
-                                          </p:val>
-                                        </p:tav>
-                                      </p:tavLst>
-                                    </p:anim>
-                                    <p:anim calcmode="lin" valueType="num">
-                                      <p:cBhvr>
-                                        <p:cTn id="11" dur="500" fill="hold"/>
-                                        <p:tgtEl>
-                                          <p:spTgt spid="5"/>
-                                        </p:tgtEl>
-                                        <p:attrNameLst>
-                                          <p:attrName>ppt_h</p:attrName>
-                                        </p:attrNameLst>
-                                      </p:cBhvr>
-                                      <p:tavLst>
-                                        <p:tav tm="0">
-                                          <p:val>
-                                            <p:fltVal val="0"/>
-                                          </p:val>
-                                        </p:tav>
-                                        <p:tav tm="100000">
-                                          <p:val>
-                                            <p:strVal val="#ppt_h"/>
-                                          </p:val>
-                                        </p:tav>
-                                      </p:tavLst>
-                                    </p:anim>
-                                    <p:animEffect transition="in" filter="fade">
-                                      <p:cBhvr>
-                                        <p:cTn id="12" dur="500"/>
-                                        <p:tgtEl>
-                                          <p:spTgt spid="5"/>
-                                        </p:tgtEl>
-                                      </p:cBhvr>
-                                    </p:animEffect>
-                                  </p:childTnLst>
-                                </p:cTn>
-                              </p:par>
-                              <p:par>
-                                <p:cTn id="13" presetID="53" presetClass="entr" presetSubtype="16" fill="hold" grpId="0" nodeType="withEffect">
-                                  <p:stCondLst>
-                                    <p:cond delay="250"/>
-                                  </p:stCondLst>
-                                  <p:childTnLst>
-                                    <p:set>
-                                      <p:cBhvr>
-                                        <p:cTn id="14" dur="1" fill="hold">
-                                          <p:stCondLst>
-                                            <p:cond delay="0"/>
-                                          </p:stCondLst>
-                                        </p:cTn>
-                                        <p:tgtEl>
-                                          <p:spTgt spid="6"/>
-                                        </p:tgtEl>
-                                        <p:attrNameLst>
-                                          <p:attrName>style.visibility</p:attrName>
-                                        </p:attrNameLst>
-                                      </p:cBhvr>
-                                      <p:to>
-                                        <p:strVal val="visible"/>
-                                      </p:to>
-                                    </p:set>
-                                    <p:anim calcmode="lin" valueType="num">
-                                      <p:cBhvr>
-                                        <p:cTn id="15" dur="500" fill="hold"/>
-                                        <p:tgtEl>
-                                          <p:spTgt spid="6"/>
-                                        </p:tgtEl>
-                                        <p:attrNameLst>
-                                          <p:attrName>ppt_w</p:attrName>
-                                        </p:attrNameLst>
-                                      </p:cBhvr>
-                                      <p:tavLst>
-                                        <p:tav tm="0">
-                                          <p:val>
-                                            <p:fltVal val="0"/>
-                                          </p:val>
-                                        </p:tav>
-                                        <p:tav tm="100000">
-                                          <p:val>
-                                            <p:strVal val="#ppt_w"/>
-                                          </p:val>
-                                        </p:tav>
-                                      </p:tavLst>
-                                    </p:anim>
-                                    <p:anim calcmode="lin" valueType="num">
-                                      <p:cBhvr>
-                                        <p:cTn id="16" dur="500" fill="hold"/>
-                                        <p:tgtEl>
-                                          <p:spTgt spid="6"/>
-                                        </p:tgtEl>
-                                        <p:attrNameLst>
-                                          <p:attrName>ppt_h</p:attrName>
-                                        </p:attrNameLst>
-                                      </p:cBhvr>
-                                      <p:tavLst>
-                                        <p:tav tm="0">
-                                          <p:val>
-                                            <p:fltVal val="0"/>
-                                          </p:val>
-                                        </p:tav>
-                                        <p:tav tm="100000">
-                                          <p:val>
-                                            <p:strVal val="#ppt_h"/>
-                                          </p:val>
-                                        </p:tav>
-                                      </p:tavLst>
-                                    </p:anim>
-                                    <p:animEffect transition="in" filter="fade">
-                                      <p:cBhvr>
-                                        <p:cTn id="17" dur="500"/>
-                                        <p:tgtEl>
-                                          <p:spTgt spid="6"/>
-                                        </p:tgtEl>
-                                      </p:cBhvr>
-                                    </p:animEffect>
-                                  </p:childTnLst>
-                                </p:cTn>
-                              </p:par>
-                              <p:par>
-                                <p:cTn id="18" presetID="53" presetClass="entr" presetSubtype="16" fill="hold" grpId="0" nodeType="withEffect">
-                                  <p:stCondLst>
-                                    <p:cond delay="500"/>
-                                  </p:stCondLst>
-                                  <p:childTnLst>
-                                    <p:set>
-                                      <p:cBhvr>
-                                        <p:cTn id="19" dur="1" fill="hold">
-                                          <p:stCondLst>
-                                            <p:cond delay="0"/>
-                                          </p:stCondLst>
-                                        </p:cTn>
-                                        <p:tgtEl>
-                                          <p:spTgt spid="7"/>
-                                        </p:tgtEl>
-                                        <p:attrNameLst>
-                                          <p:attrName>style.visibility</p:attrName>
-                                        </p:attrNameLst>
-                                      </p:cBhvr>
-                                      <p:to>
-                                        <p:strVal val="visible"/>
-                                      </p:to>
-                                    </p:set>
-                                    <p:anim calcmode="lin" valueType="num">
-                                      <p:cBhvr>
-                                        <p:cTn id="20" dur="500" fill="hold"/>
-                                        <p:tgtEl>
-                                          <p:spTgt spid="7"/>
-                                        </p:tgtEl>
-                                        <p:attrNameLst>
-                                          <p:attrName>ppt_w</p:attrName>
-                                        </p:attrNameLst>
-                                      </p:cBhvr>
-                                      <p:tavLst>
-                                        <p:tav tm="0">
-                                          <p:val>
-                                            <p:fltVal val="0"/>
-                                          </p:val>
-                                        </p:tav>
-                                        <p:tav tm="100000">
-                                          <p:val>
-                                            <p:strVal val="#ppt_w"/>
-                                          </p:val>
-                                        </p:tav>
-                                      </p:tavLst>
-                                    </p:anim>
-                                    <p:anim calcmode="lin" valueType="num">
-                                      <p:cBhvr>
-                                        <p:cTn id="21" dur="500" fill="hold"/>
-                                        <p:tgtEl>
-                                          <p:spTgt spid="7"/>
-                                        </p:tgtEl>
-                                        <p:attrNameLst>
-                                          <p:attrName>ppt_h</p:attrName>
-                                        </p:attrNameLst>
-                                      </p:cBhvr>
-                                      <p:tavLst>
-                                        <p:tav tm="0">
-                                          <p:val>
-                                            <p:fltVal val="0"/>
-                                          </p:val>
-                                        </p:tav>
-                                        <p:tav tm="100000">
-                                          <p:val>
-                                            <p:strVal val="#ppt_h"/>
-                                          </p:val>
-                                        </p:tav>
-                                      </p:tavLst>
-                                    </p:anim>
-                                    <p:animEffect transition="in" filter="fade">
-                                      <p:cBhvr>
-                                        <p:cTn id="22" dur="500"/>
-                                        <p:tgtEl>
-                                          <p:spTgt spid="7"/>
-                                        </p:tgtEl>
-                                      </p:cBhvr>
-                                    </p:animEffect>
-                                  </p:childTnLst>
-                                </p:cTn>
-                              </p:par>
-                              <p:par>
-                                <p:cTn id="23" presetID="53" presetClass="entr" presetSubtype="16" fill="hold" nodeType="withEffect">
-                                  <p:stCondLst>
-                                    <p:cond delay="750"/>
-                                  </p:stCondLst>
-                                  <p:childTnLst>
-                                    <p:set>
-                                      <p:cBhvr>
-                                        <p:cTn id="24" dur="1" fill="hold">
-                                          <p:stCondLst>
-                                            <p:cond delay="0"/>
-                                          </p:stCondLst>
-                                        </p:cTn>
-                                        <p:tgtEl>
-                                          <p:spTgt spid="8"/>
-                                        </p:tgtEl>
-                                        <p:attrNameLst>
-                                          <p:attrName>style.visibility</p:attrName>
-                                        </p:attrNameLst>
-                                      </p:cBhvr>
-                                      <p:to>
-                                        <p:strVal val="visible"/>
-                                      </p:to>
-                                    </p:set>
-                                    <p:anim calcmode="lin" valueType="num">
-                                      <p:cBhvr>
-                                        <p:cTn id="25" dur="500" fill="hold"/>
-                                        <p:tgtEl>
-                                          <p:spTgt spid="8"/>
-                                        </p:tgtEl>
-                                        <p:attrNameLst>
-                                          <p:attrName>ppt_w</p:attrName>
-                                        </p:attrNameLst>
-                                      </p:cBhvr>
-                                      <p:tavLst>
-                                        <p:tav tm="0">
-                                          <p:val>
-                                            <p:fltVal val="0"/>
-                                          </p:val>
-                                        </p:tav>
-                                        <p:tav tm="100000">
-                                          <p:val>
-                                            <p:strVal val="#ppt_w"/>
-                                          </p:val>
-                                        </p:tav>
-                                      </p:tavLst>
-                                    </p:anim>
-                                    <p:anim calcmode="lin" valueType="num">
-                                      <p:cBhvr>
-                                        <p:cTn id="26" dur="500" fill="hold"/>
-                                        <p:tgtEl>
-                                          <p:spTgt spid="8"/>
-                                        </p:tgtEl>
-                                        <p:attrNameLst>
-                                          <p:attrName>ppt_h</p:attrName>
-                                        </p:attrNameLst>
-                                      </p:cBhvr>
-                                      <p:tavLst>
-                                        <p:tav tm="0">
-                                          <p:val>
-                                            <p:fltVal val="0"/>
-                                          </p:val>
-                                        </p:tav>
-                                        <p:tav tm="100000">
-                                          <p:val>
-                                            <p:strVal val="#ppt_h"/>
-                                          </p:val>
-                                        </p:tav>
-                                      </p:tavLst>
-                                    </p:anim>
-                                    <p:animEffect transition="in" filter="fade">
-                                      <p:cBhvr>
-                                        <p:cTn id="27" dur="500"/>
-                                        <p:tgtEl>
-                                          <p:spTgt spid="8"/>
-                                        </p:tgtEl>
-                                      </p:cBhvr>
-                                    </p:animEffect>
-                                  </p:childTnLst>
-                                </p:cTn>
-                              </p:par>
-                            </p:childTnLst>
-                          </p:cTn>
-                        </p:par>
-                      </p:childTnLst>
-                    </p:cTn>
-                  </p:par>
-                </p:childTnLst>
-              </p:cTn>
-              <p:prevCondLst>
-                <p:cond evt="onPrev" delay="0">
-                  <p:tgtEl>
-                    <p:sldTgt/>
-                  </p:tgtEl>
-                </p:cond>
-              </p:prevCondLst>
-              <p:nextCondLst>
-                <p:cond evt="onNext" delay="0">
-                  <p:tgtEl>
-                    <p:sldTgt/>
-                  </p:tgtEl>
-                </p:cond>
-              </p:nextCondLst>
-            </p:seq>
-          </p:childTnLst>
-        </p:cTn>
-      </p:par>
-    </p:tnLst>
-    <p:bldLst>
-      <p:bldP spid="5" grpId="0" animBg="1"/>
-      <p:bldP spid="6" grpId="0" animBg="1"/>
-      <p:bldP spid="7" grpId="0" animBg="1"/>
-    </p:bldLst>
-  </p:timing>
-</p:sld>
-</file>
-
-<file path=ppt/slides/slide2.xml><?xml version="1.0" encoding="utf-8"?>
 <p:sld xmlns:a="http://schemas.openxmlformats.org/drawingml/2006/main" xmlns:r="http://schemas.openxmlformats.org/officeDocument/2006/relationships" xmlns:p="http://schemas.openxmlformats.org/presentationml/2006/main">
   <p:cSld>
     <p:spTree>
@@ -6356,7 +3767,7 @@
         </p:nvSpPr>
         <p:spPr>
           <a:xfrm>
-            <a:off x="2148556" y="2743782"/>
+            <a:off x="1816679" y="2730493"/>
             <a:ext cx="3002449" cy="1077218"/>
           </a:xfrm>
           <a:prstGeom prst="rect">
@@ -6421,7 +3832,7 @@
         </p:nvSpPr>
         <p:spPr>
           <a:xfrm>
-            <a:off x="2647861" y="5623023"/>
+            <a:off x="2304874" y="6177128"/>
             <a:ext cx="3201043" cy="584775"/>
           </a:xfrm>
           <a:prstGeom prst="rect">
@@ -6521,7 +3932,7 @@
                 </a:solidFill>
                 <a:latin typeface="Tw Cen MT" panose="020B0602020104020603" pitchFamily="34" charset="0"/>
               </a:rPr>
-              <a:t>électronnique</a:t>
+              <a:t>électronique</a:t>
             </a:r>
             <a:r>
               <a:rPr lang="en-US" sz="1600" dirty="0">
@@ -6919,7 +4330,7 @@
                 </a:solidFill>
                 <a:latin typeface="Tw Cen MT" panose="020B0602020104020603" pitchFamily="34" charset="0"/>
               </a:rPr>
-              <a:t>HEADING</a:t>
+              <a:t>2</a:t>
             </a:r>
           </a:p>
         </p:txBody>
@@ -7265,7 +4676,7 @@
         </p:nvSpPr>
         <p:spPr>
           <a:xfrm>
-            <a:off x="6501778" y="2571805"/>
+            <a:off x="6848724" y="2585648"/>
             <a:ext cx="3171931" cy="1077218"/>
           </a:xfrm>
           <a:prstGeom prst="rect">
@@ -7469,11 +4880,11 @@
           <a:p>
             <a:pPr algn="ctr"/>
             <a:r>
-              <a:rPr lang="en-US" sz="3600" b="1" dirty="0">
+              <a:rPr lang="en-US" sz="3600" b="1" u="sng" dirty="0">
                 <a:solidFill>
-                  <a:srgbClr val="FF5969"/>
+                  <a:schemeClr val="accent1"/>
                 </a:solidFill>
-                <a:latin typeface="Tw Cen MT" panose="020B0602020104020603" pitchFamily="34" charset="0"/>
+                <a:latin typeface=""/>
               </a:rPr>
               <a:t>Timeline des slides</a:t>
             </a:r>
@@ -7494,8 +4905,8 @@
         </p:nvSpPr>
         <p:spPr>
           <a:xfrm>
-            <a:off x="4137323" y="931570"/>
-            <a:ext cx="3002449" cy="2062103"/>
+            <a:off x="4144264" y="847127"/>
+            <a:ext cx="3171931" cy="1569660"/>
           </a:xfrm>
           <a:prstGeom prst="rect">
             <a:avLst/>
@@ -7533,6 +4944,88 @@
               </a:solidFill>
               <a:latin typeface="Tw Cen MT" panose="020B0602020104020603" pitchFamily="34" charset="0"/>
             </a:endParaRPr>
+          </a:p>
+        </p:txBody>
+      </p:sp>
+      <p:sp>
+        <p:nvSpPr>
+          <p:cNvPr id="3" name="TextBox 19">
+            <a:extLst>
+              <a:ext uri="{FF2B5EF4-FFF2-40B4-BE49-F238E27FC236}">
+                <a16:creationId xmlns:a16="http://schemas.microsoft.com/office/drawing/2014/main" id="{9271F1C8-7CC9-D612-DA07-7E4503C3A395}"/>
+              </a:ext>
+            </a:extLst>
+          </p:cNvPr>
+          <p:cNvSpPr txBox="1"/>
+          <p:nvPr/>
+        </p:nvSpPr>
+        <p:spPr>
+          <a:xfrm>
+            <a:off x="2631668" y="5592353"/>
+            <a:ext cx="2091967" cy="584775"/>
+          </a:xfrm>
+          <a:prstGeom prst="rect">
+            <a:avLst/>
+          </a:prstGeom>
+          <a:noFill/>
+        </p:spPr>
+        <p:txBody>
+          <a:bodyPr wrap="square" rtlCol="0">
+            <a:spAutoFit/>
+          </a:bodyPr>
+          <a:lstStyle/>
+          <a:p>
+            <a:pPr algn="ctr"/>
+            <a:r>
+              <a:rPr lang="en-US" sz="3200" b="1" dirty="0">
+                <a:solidFill>
+                  <a:srgbClr val="52C9BE"/>
+                </a:solidFill>
+                <a:latin typeface="Tw Cen MT" panose="020B0602020104020603" pitchFamily="34" charset="0"/>
+              </a:rPr>
+              <a:t>1</a:t>
+            </a:r>
+          </a:p>
+        </p:txBody>
+      </p:sp>
+      <p:sp>
+        <p:nvSpPr>
+          <p:cNvPr id="21" name="TextBox 19">
+            <a:extLst>
+              <a:ext uri="{FF2B5EF4-FFF2-40B4-BE49-F238E27FC236}">
+                <a16:creationId xmlns:a16="http://schemas.microsoft.com/office/drawing/2014/main" id="{C2C1AF9D-2B89-1D00-3BDA-7B34C9181BD8}"/>
+              </a:ext>
+            </a:extLst>
+          </p:cNvPr>
+          <p:cNvSpPr txBox="1"/>
+          <p:nvPr/>
+        </p:nvSpPr>
+        <p:spPr>
+          <a:xfrm>
+            <a:off x="7137010" y="5647639"/>
+            <a:ext cx="2091967" cy="584775"/>
+          </a:xfrm>
+          <a:prstGeom prst="rect">
+            <a:avLst/>
+          </a:prstGeom>
+          <a:noFill/>
+        </p:spPr>
+        <p:txBody>
+          <a:bodyPr wrap="square" rtlCol="0">
+            <a:spAutoFit/>
+          </a:bodyPr>
+          <a:lstStyle/>
+          <a:p>
+            <a:pPr algn="ctr"/>
+            <a:r>
+              <a:rPr lang="en-US" sz="3200" b="1" dirty="0">
+                <a:solidFill>
+                  <a:srgbClr val="FF5969"/>
+                </a:solidFill>
+                <a:latin typeface="Tw Cen MT" panose="020B0602020104020603" pitchFamily="34" charset="0"/>
+              </a:rPr>
+              <a:t>3</a:t>
+            </a:r>
           </a:p>
         </p:txBody>
       </p:sp>
@@ -9655,6 +7148,168 @@
                                         <p:tav tm="0">
                                           <p:val>
                                             <p:strVal val="#ppt_y-.1"/>
+                                          </p:val>
+                                        </p:tav>
+                                        <p:tav tm="100000">
+                                          <p:val>
+                                            <p:strVal val="#ppt_y"/>
+                                          </p:val>
+                                        </p:tav>
+                                      </p:tavLst>
+                                    </p:anim>
+                                  </p:childTnLst>
+                                </p:cTn>
+                              </p:par>
+                              <p:par>
+                                <p:cTn id="151" presetID="42" presetClass="entr" presetSubtype="0" fill="hold" grpId="0" nodeType="withEffect">
+                                  <p:stCondLst>
+                                    <p:cond delay="0"/>
+                                  </p:stCondLst>
+                                  <p:childTnLst>
+                                    <p:set>
+                                      <p:cBhvr>
+                                        <p:cTn id="152" dur="1" fill="hold">
+                                          <p:stCondLst>
+                                            <p:cond delay="0"/>
+                                          </p:stCondLst>
+                                        </p:cTn>
+                                        <p:tgtEl>
+                                          <p:spTgt spid="3"/>
+                                        </p:tgtEl>
+                                        <p:attrNameLst>
+                                          <p:attrName>style.visibility</p:attrName>
+                                        </p:attrNameLst>
+                                      </p:cBhvr>
+                                      <p:to>
+                                        <p:strVal val="visible"/>
+                                      </p:to>
+                                    </p:set>
+                                    <p:animEffect transition="in" filter="fade">
+                                      <p:cBhvr>
+                                        <p:cTn id="153" dur="500"/>
+                                        <p:tgtEl>
+                                          <p:spTgt spid="3"/>
+                                        </p:tgtEl>
+                                      </p:cBhvr>
+                                    </p:animEffect>
+                                    <p:anim calcmode="lin" valueType="num">
+                                      <p:cBhvr>
+                                        <p:cTn id="154" dur="500" fill="hold"/>
+                                        <p:tgtEl>
+                                          <p:spTgt spid="3"/>
+                                        </p:tgtEl>
+                                        <p:attrNameLst>
+                                          <p:attrName>ppt_x</p:attrName>
+                                        </p:attrNameLst>
+                                      </p:cBhvr>
+                                      <p:tavLst>
+                                        <p:tav tm="0">
+                                          <p:val>
+                                            <p:strVal val="#ppt_x"/>
+                                          </p:val>
+                                        </p:tav>
+                                        <p:tav tm="100000">
+                                          <p:val>
+                                            <p:strVal val="#ppt_x"/>
+                                          </p:val>
+                                        </p:tav>
+                                      </p:tavLst>
+                                    </p:anim>
+                                    <p:anim calcmode="lin" valueType="num">
+                                      <p:cBhvr>
+                                        <p:cTn id="155" dur="500" fill="hold"/>
+                                        <p:tgtEl>
+                                          <p:spTgt spid="3"/>
+                                        </p:tgtEl>
+                                        <p:attrNameLst>
+                                          <p:attrName>ppt_y</p:attrName>
+                                        </p:attrNameLst>
+                                      </p:cBhvr>
+                                      <p:tavLst>
+                                        <p:tav tm="0">
+                                          <p:val>
+                                            <p:strVal val="#ppt_y+.1"/>
+                                          </p:val>
+                                        </p:tav>
+                                        <p:tav tm="100000">
+                                          <p:val>
+                                            <p:strVal val="#ppt_y"/>
+                                          </p:val>
+                                        </p:tav>
+                                      </p:tavLst>
+                                    </p:anim>
+                                  </p:childTnLst>
+                                </p:cTn>
+                              </p:par>
+                              <p:par>
+                                <p:cTn id="156" presetID="42" presetClass="entr" presetSubtype="0" fill="hold" grpId="0" nodeType="withEffect">
+                                  <p:stCondLst>
+                                    <p:cond delay="0"/>
+                                  </p:stCondLst>
+                                  <p:childTnLst>
+                                    <p:set>
+                                      <p:cBhvr>
+                                        <p:cTn id="157" dur="1" fill="hold">
+                                          <p:stCondLst>
+                                            <p:cond delay="0"/>
+                                          </p:stCondLst>
+                                        </p:cTn>
+                                        <p:tgtEl>
+                                          <p:spTgt spid="21"/>
+                                        </p:tgtEl>
+                                        <p:attrNameLst>
+                                          <p:attrName>style.visibility</p:attrName>
+                                        </p:attrNameLst>
+                                      </p:cBhvr>
+                                      <p:to>
+                                        <p:strVal val="visible"/>
+                                      </p:to>
+                                    </p:set>
+                                    <p:animEffect transition="in" filter="fade">
+                                      <p:cBhvr>
+                                        <p:cTn id="158" dur="500"/>
+                                        <p:tgtEl>
+                                          <p:spTgt spid="21"/>
+                                        </p:tgtEl>
+                                      </p:cBhvr>
+                                    </p:animEffect>
+                                    <p:anim calcmode="lin" valueType="num">
+                                      <p:cBhvr>
+                                        <p:cTn id="159" dur="500" fill="hold"/>
+                                        <p:tgtEl>
+                                          <p:spTgt spid="21"/>
+                                        </p:tgtEl>
+                                        <p:attrNameLst>
+                                          <p:attrName>ppt_x</p:attrName>
+                                        </p:attrNameLst>
+                                      </p:cBhvr>
+                                      <p:tavLst>
+                                        <p:tav tm="0">
+                                          <p:val>
+                                            <p:strVal val="#ppt_x"/>
+                                          </p:val>
+                                        </p:tav>
+                                        <p:tav tm="100000">
+                                          <p:val>
+                                            <p:strVal val="#ppt_x"/>
+                                          </p:val>
+                                        </p:tav>
+                                      </p:tavLst>
+                                    </p:anim>
+                                    <p:anim calcmode="lin" valueType="num">
+                                      <p:cBhvr>
+                                        <p:cTn id="160" dur="500" fill="hold"/>
+                                        <p:tgtEl>
+                                          <p:spTgt spid="21"/>
+                                        </p:tgtEl>
+                                        <p:attrNameLst>
+                                          <p:attrName>ppt_y</p:attrName>
+                                        </p:attrNameLst>
+                                      </p:cBhvr>
+                                      <p:tavLst>
+                                        <p:tav tm="0">
+                                          <p:val>
+                                            <p:strVal val="#ppt_y+.1"/>
                                           </p:val>
                                         </p:tav>
                                         <p:tav tm="100000">
@@ -9715,12 +7370,14 @@
       <p:bldP spid="27" grpId="0" animBg="1"/>
       <p:bldP spid="28" grpId="0"/>
       <p:bldP spid="2" grpId="0"/>
+      <p:bldP spid="3" grpId="0"/>
+      <p:bldP spid="21" grpId="0"/>
     </p:bldLst>
   </p:timing>
 </p:sld>
 </file>
 
-<file path=ppt/slides/slide3.xml><?xml version="1.0" encoding="utf-8"?>
+<file path=ppt/slides/slide2.xml><?xml version="1.0" encoding="utf-8"?>
 <p:sld xmlns:a="http://schemas.openxmlformats.org/drawingml/2006/main" xmlns:r="http://schemas.openxmlformats.org/officeDocument/2006/relationships" xmlns:p="http://schemas.openxmlformats.org/presentationml/2006/main">
   <p:cSld>
     <p:spTree>
@@ -9769,7 +7426,7 @@
             <a:r>
               <a:rPr lang="en-US" sz="3600" b="1" dirty="0" err="1">
                 <a:solidFill>
-                  <a:srgbClr val="FF5969"/>
+                  <a:srgbClr val="52C9BE"/>
                 </a:solidFill>
                 <a:latin typeface="Tw Cen MT" panose="020B0602020104020603" pitchFamily="34" charset="0"/>
               </a:rPr>
@@ -9778,7 +7435,7 @@
             <a:r>
               <a:rPr lang="en-US" sz="3600" b="1" dirty="0">
                 <a:solidFill>
-                  <a:srgbClr val="FF5969"/>
+                  <a:srgbClr val="52C9BE"/>
                 </a:solidFill>
                 <a:latin typeface="Tw Cen MT" panose="020B0602020104020603" pitchFamily="34" charset="0"/>
               </a:rPr>
@@ -9787,7 +7444,7 @@
             <a:r>
               <a:rPr lang="en-US" sz="3600" b="1" dirty="0" err="1">
                 <a:solidFill>
-                  <a:srgbClr val="FF5969"/>
+                  <a:srgbClr val="52C9BE"/>
                 </a:solidFill>
                 <a:latin typeface="Tw Cen MT" panose="020B0602020104020603" pitchFamily="34" charset="0"/>
               </a:rPr>
@@ -9796,7 +7453,7 @@
             <a:r>
               <a:rPr lang="en-US" sz="3600" b="1" dirty="0">
                 <a:solidFill>
-                  <a:srgbClr val="FF5969"/>
+                  <a:srgbClr val="52C9BE"/>
                 </a:solidFill>
                 <a:latin typeface="Tw Cen MT" panose="020B0602020104020603" pitchFamily="34" charset="0"/>
               </a:rPr>
@@ -9805,7 +7462,7 @@
             <a:r>
               <a:rPr lang="en-US" sz="3600" b="1" dirty="0" err="1">
                 <a:solidFill>
-                  <a:srgbClr val="FF5969"/>
+                  <a:srgbClr val="52C9BE"/>
                 </a:solidFill>
                 <a:latin typeface="Tw Cen MT" panose="020B0602020104020603" pitchFamily="34" charset="0"/>
               </a:rPr>
@@ -9814,7 +7471,7 @@
             <a:r>
               <a:rPr lang="en-US" sz="3600" b="1" dirty="0">
                 <a:solidFill>
-                  <a:srgbClr val="FF5969"/>
+                  <a:srgbClr val="52C9BE"/>
                 </a:solidFill>
                 <a:latin typeface="Tw Cen MT" panose="020B0602020104020603" pitchFamily="34" charset="0"/>
               </a:rPr>
@@ -9823,7 +7480,7 @@
             <a:r>
               <a:rPr lang="en-US" sz="3600" b="1" dirty="0" err="1">
                 <a:solidFill>
-                  <a:srgbClr val="FF5969"/>
+                  <a:srgbClr val="52C9BE"/>
                 </a:solidFill>
                 <a:latin typeface="Tw Cen MT" panose="020B0602020104020603" pitchFamily="34" charset="0"/>
               </a:rPr>
@@ -9831,7 +7488,7 @@
             </a:r>
             <a:endParaRPr lang="en-US" sz="3600" b="1" dirty="0">
               <a:solidFill>
-                <a:srgbClr val="FF5969"/>
+                <a:srgbClr val="52C9BE"/>
               </a:solidFill>
               <a:latin typeface="Tw Cen MT" panose="020B0602020104020603" pitchFamily="34" charset="0"/>
             </a:endParaRPr>
@@ -10995,6 +8652,99 @@
           </p:spPr>
         </p:pic>
       </p:grpSp>
+      <p:sp>
+        <p:nvSpPr>
+          <p:cNvPr id="7" name="Rectangle 6">
+            <a:extLst>
+              <a:ext uri="{FF2B5EF4-FFF2-40B4-BE49-F238E27FC236}">
+                <a16:creationId xmlns:a16="http://schemas.microsoft.com/office/drawing/2014/main" id="{EF2E18A5-23A3-6C8C-927B-ACF8A92D8DA7}"/>
+              </a:ext>
+            </a:extLst>
+          </p:cNvPr>
+          <p:cNvSpPr/>
+          <p:nvPr/>
+        </p:nvSpPr>
+        <p:spPr>
+          <a:xfrm>
+            <a:off x="16754" y="5306002"/>
+            <a:ext cx="1351722" cy="1583635"/>
+          </a:xfrm>
+          <a:prstGeom prst="rect">
+            <a:avLst/>
+          </a:prstGeom>
+        </p:spPr>
+        <p:style>
+          <a:lnRef idx="2">
+            <a:schemeClr val="accent1">
+              <a:shade val="50000"/>
+            </a:schemeClr>
+          </a:lnRef>
+          <a:fillRef idx="1">
+            <a:schemeClr val="accent1"/>
+          </a:fillRef>
+          <a:effectRef idx="0">
+            <a:schemeClr val="accent1"/>
+          </a:effectRef>
+          <a:fontRef idx="minor">
+            <a:schemeClr val="lt1"/>
+          </a:fontRef>
+        </p:style>
+        <p:txBody>
+          <a:bodyPr rtlCol="0" anchor="ctr"/>
+          <a:lstStyle/>
+          <a:p>
+            <a:pPr algn="ctr"/>
+            <a:endParaRPr lang="fr-FR"/>
+          </a:p>
+        </p:txBody>
+      </p:sp>
+      <p:sp>
+        <p:nvSpPr>
+          <p:cNvPr id="8" name="ZoneTexte 7">
+            <a:extLst>
+              <a:ext uri="{FF2B5EF4-FFF2-40B4-BE49-F238E27FC236}">
+                <a16:creationId xmlns:a16="http://schemas.microsoft.com/office/drawing/2014/main" id="{311588E6-8519-6691-C246-C1CAEB2A34B7}"/>
+              </a:ext>
+            </a:extLst>
+          </p:cNvPr>
+          <p:cNvSpPr txBox="1"/>
+          <p:nvPr/>
+        </p:nvSpPr>
+        <p:spPr>
+          <a:xfrm>
+            <a:off x="185548" y="5573801"/>
+            <a:ext cx="1014135" cy="1200329"/>
+          </a:xfrm>
+          <a:prstGeom prst="rect">
+            <a:avLst/>
+          </a:prstGeom>
+          <a:noFill/>
+        </p:spPr>
+        <p:txBody>
+          <a:bodyPr wrap="square" rtlCol="0">
+            <a:spAutoFit/>
+          </a:bodyPr>
+          <a:lstStyle/>
+          <a:p>
+            <a:r>
+              <a:rPr lang="fr-FR" sz="7200" dirty="0">
+                <a:solidFill>
+                  <a:srgbClr val="52C9BE"/>
+                </a:solidFill>
+              </a:rPr>
+              <a:t>-</a:t>
+            </a:r>
+            <a:r>
+              <a:rPr lang="fr-FR" sz="7200" u="sng" dirty="0">
+                <a:solidFill>
+                  <a:srgbClr val="52C9BE"/>
+                </a:solidFill>
+              </a:rPr>
+              <a:t>2</a:t>
+            </a:r>
+          </a:p>
+        </p:txBody>
+      </p:sp>
     </p:spTree>
     <p:extLst>
       <p:ext uri="{BB962C8B-B14F-4D97-AF65-F5344CB8AC3E}">
@@ -11728,7 +9478,7 @@
 </p:sld>
 </file>
 
-<file path=ppt/slides/slide4.xml><?xml version="1.0" encoding="utf-8"?>
+<file path=ppt/slides/slide3.xml><?xml version="1.0" encoding="utf-8"?>
 <p:sld xmlns:a="http://schemas.openxmlformats.org/drawingml/2006/main" xmlns:r="http://schemas.openxmlformats.org/officeDocument/2006/relationships" xmlns:p="http://schemas.openxmlformats.org/presentationml/2006/main">
   <p:cSld>
     <p:spTree>
@@ -11797,7 +9547,7 @@
               <a:r>
                 <a:rPr lang="en-US" sz="3600" b="1" dirty="0" err="1">
                   <a:solidFill>
-                    <a:srgbClr val="FF5969"/>
+                    <a:srgbClr val="FFC000"/>
                   </a:solidFill>
                   <a:latin typeface="Tw Cen MT" panose="020B0602020104020603" pitchFamily="34" charset="0"/>
                 </a:rPr>
@@ -11806,7 +9556,7 @@
               <a:r>
                 <a:rPr lang="en-US" sz="3600" b="1" dirty="0">
                   <a:solidFill>
-                    <a:srgbClr val="FF5969"/>
+                    <a:srgbClr val="FFC000"/>
                   </a:solidFill>
                   <a:latin typeface="Tw Cen MT" panose="020B0602020104020603" pitchFamily="34" charset="0"/>
                 </a:rPr>
@@ -11815,7 +9565,7 @@
               <a:r>
                 <a:rPr lang="en-US" sz="3600" b="1" dirty="0" err="1">
                   <a:solidFill>
-                    <a:srgbClr val="FF5969"/>
+                    <a:srgbClr val="FFC000"/>
                   </a:solidFill>
                   <a:latin typeface="Tw Cen MT" panose="020B0602020104020603" pitchFamily="34" charset="0"/>
                 </a:rPr>
@@ -11824,7 +9574,7 @@
               <a:r>
                 <a:rPr lang="en-US" sz="3600" b="1" dirty="0">
                   <a:solidFill>
-                    <a:srgbClr val="FF5969"/>
+                    <a:srgbClr val="FFC000"/>
                   </a:solidFill>
                   <a:latin typeface="Tw Cen MT" panose="020B0602020104020603" pitchFamily="34" charset="0"/>
                 </a:rPr>
@@ -11833,7 +9583,7 @@
               <a:r>
                 <a:rPr lang="en-US" sz="3600" b="1" dirty="0" err="1">
                   <a:solidFill>
-                    <a:srgbClr val="FF5969"/>
+                    <a:srgbClr val="FFC000"/>
                   </a:solidFill>
                   <a:latin typeface="Tw Cen MT" panose="020B0602020104020603" pitchFamily="34" charset="0"/>
                 </a:rPr>
@@ -11842,7 +9592,7 @@
               <a:r>
                 <a:rPr lang="en-US" sz="3600" b="1" dirty="0">
                   <a:solidFill>
-                    <a:srgbClr val="FF5969"/>
+                    <a:srgbClr val="FFC000"/>
                   </a:solidFill>
                   <a:latin typeface="Tw Cen MT" panose="020B0602020104020603" pitchFamily="34" charset="0"/>
                 </a:rPr>
@@ -11851,7 +9601,7 @@
               <a:r>
                 <a:rPr lang="en-US" sz="3600" b="1" dirty="0" err="1">
                   <a:solidFill>
-                    <a:srgbClr val="FF5969"/>
+                    <a:srgbClr val="FFC000"/>
                   </a:solidFill>
                   <a:latin typeface="Tw Cen MT" panose="020B0602020104020603" pitchFamily="34" charset="0"/>
                 </a:rPr>
@@ -11860,7 +9610,7 @@
               <a:r>
                 <a:rPr lang="en-US" sz="3600" b="1" dirty="0">
                   <a:solidFill>
-                    <a:srgbClr val="FF5969"/>
+                    <a:srgbClr val="FFC000"/>
                   </a:solidFill>
                   <a:latin typeface="Tw Cen MT" panose="020B0602020104020603" pitchFamily="34" charset="0"/>
                 </a:rPr>
@@ -12141,8 +9891,8 @@
         </p:nvGrpSpPr>
         <p:grpSpPr>
           <a:xfrm>
-            <a:off x="2334655" y="2086355"/>
-            <a:ext cx="2017224" cy="2017224"/>
+            <a:off x="1708364" y="1455383"/>
+            <a:ext cx="3048141" cy="2639679"/>
             <a:chOff x="1466851" y="1754971"/>
             <a:chExt cx="2362200" cy="2362200"/>
           </a:xfrm>
@@ -12213,7 +9963,7 @@
             </p:cNvPicPr>
             <p:nvPr/>
           </p:nvPicPr>
-          <p:blipFill rotWithShape="1">
+          <p:blipFill>
             <a:blip r:embed="rId2">
               <a:extLst>
                 <a:ext uri="{28A0092B-C50C-407E-A947-70E740481C1C}">
@@ -12221,12 +9971,12 @@
                 </a:ext>
               </a:extLst>
             </a:blip>
-            <a:srcRect l="26698" r="1156"/>
+            <a:srcRect l="12500" r="12500"/>
             <a:stretch/>
           </p:blipFill>
           <p:spPr>
             <a:xfrm>
-              <a:off x="1619252" y="1907373"/>
+              <a:off x="1659542" y="1937014"/>
               <a:ext cx="2057398" cy="2057396"/>
             </a:xfrm>
             <a:prstGeom prst="ellipse">
@@ -12249,7 +9999,7 @@
         </p:nvGrpSpPr>
         <p:grpSpPr>
           <a:xfrm>
-            <a:off x="5032316" y="2057292"/>
+            <a:off x="5005150" y="1739065"/>
             <a:ext cx="2075350" cy="2075350"/>
             <a:chOff x="4388156" y="1754971"/>
             <a:chExt cx="2362200" cy="2362200"/>
@@ -12324,7 +10074,7 @@
             </p:cNvPicPr>
             <p:nvPr/>
           </p:nvPicPr>
-          <p:blipFill rotWithShape="1">
+          <p:blipFill>
             <a:blip r:embed="rId3">
               <a:extLst>
                 <a:ext uri="{28A0092B-C50C-407E-A947-70E740481C1C}">
@@ -12332,7 +10082,7 @@
                 </a:ext>
               </a:extLst>
             </a:blip>
-            <a:srcRect l="36178" t="16519" r="9615" b="1982"/>
+            <a:srcRect l="16625" r="16625"/>
             <a:stretch/>
           </p:blipFill>
           <p:spPr>
@@ -12361,7 +10111,7 @@
         </p:nvGrpSpPr>
         <p:grpSpPr>
           <a:xfrm>
-            <a:off x="7801749" y="2052141"/>
+            <a:off x="7801522" y="1872229"/>
             <a:ext cx="2085652" cy="2085652"/>
             <a:chOff x="7245656" y="1754971"/>
             <a:chExt cx="2362200" cy="2362200"/>
@@ -12436,7 +10186,7 @@
             </p:cNvPicPr>
             <p:nvPr/>
           </p:nvPicPr>
-          <p:blipFill rotWithShape="1">
+          <p:blipFill>
             <a:blip r:embed="rId4">
               <a:extLst>
                 <a:ext uri="{28A0092B-C50C-407E-A947-70E740481C1C}">
@@ -12444,7 +10194,7 @@
                 </a:ext>
               </a:extLst>
             </a:blip>
-            <a:srcRect l="16615" r="16615"/>
+            <a:srcRect l="16684" r="16684"/>
             <a:stretch/>
           </p:blipFill>
           <p:spPr>
@@ -12815,10 +10565,10 @@
         </p:nvGrpSpPr>
         <p:grpSpPr>
           <a:xfrm>
-            <a:off x="1834302" y="4575032"/>
-            <a:ext cx="3048141" cy="1729553"/>
-            <a:chOff x="264581" y="4416136"/>
-            <a:chExt cx="3048141" cy="1729553"/>
+            <a:off x="0" y="3988658"/>
+            <a:ext cx="4711347" cy="2987031"/>
+            <a:chOff x="-1398625" y="3823880"/>
+            <a:chExt cx="4711347" cy="2987031"/>
           </a:xfrm>
         </p:grpSpPr>
         <p:sp>
@@ -12835,8 +10585,8 @@
           </p:nvSpPr>
           <p:spPr>
             <a:xfrm>
-              <a:off x="466266" y="4416136"/>
-              <a:ext cx="2644771" cy="461665"/>
+              <a:off x="213181" y="3823880"/>
+              <a:ext cx="2932851" cy="1200329"/>
             </a:xfrm>
             <a:prstGeom prst="rect">
               <a:avLst/>
@@ -12857,7 +10607,61 @@
                   </a:solidFill>
                   <a:latin typeface="Tw Cen MT" panose="020B0602020104020603" pitchFamily="34" charset="0"/>
                 </a:rPr>
-                <a:t>1-Meilleur </a:t>
+                <a:t>1-Rapidité </a:t>
+              </a:r>
+              <a:r>
+                <a:rPr lang="en-US" sz="2400" dirty="0" err="1">
+                  <a:solidFill>
+                    <a:srgbClr val="FF5969"/>
+                  </a:solidFill>
+                  <a:latin typeface="Tw Cen MT" panose="020B0602020104020603" pitchFamily="34" charset="0"/>
+                </a:rPr>
+                <a:t>lors</a:t>
+              </a:r>
+              <a:r>
+                <a:rPr lang="en-US" sz="2400" dirty="0">
+                  <a:solidFill>
+                    <a:srgbClr val="FF5969"/>
+                  </a:solidFill>
+                  <a:latin typeface="Tw Cen MT" panose="020B0602020104020603" pitchFamily="34" charset="0"/>
+                </a:rPr>
+                <a:t> de </a:t>
+              </a:r>
+              <a:r>
+                <a:rPr lang="en-US" sz="2400" dirty="0" err="1">
+                  <a:solidFill>
+                    <a:srgbClr val="FF5969"/>
+                  </a:solidFill>
+                  <a:latin typeface="Tw Cen MT" panose="020B0602020104020603" pitchFamily="34" charset="0"/>
+                </a:rPr>
+                <a:t>l’enregistrement</a:t>
+              </a:r>
+              <a:r>
+                <a:rPr lang="en-US" sz="2400" dirty="0">
+                  <a:solidFill>
+                    <a:srgbClr val="FF5969"/>
+                  </a:solidFill>
+                  <a:latin typeface="Tw Cen MT" panose="020B0602020104020603" pitchFamily="34" charset="0"/>
+                </a:rPr>
+                <a:t> et </a:t>
+              </a:r>
+              <a:r>
+                <a:rPr lang="en-US" sz="2400" dirty="0" err="1">
+                  <a:solidFill>
+                    <a:srgbClr val="FF5969"/>
+                  </a:solidFill>
+                  <a:latin typeface="Tw Cen MT" panose="020B0602020104020603" pitchFamily="34" charset="0"/>
+                </a:rPr>
+                <a:t>meilleur</a:t>
+              </a:r>
+              <a:r>
+                <a:rPr lang="en-US" sz="2400" dirty="0">
+                  <a:solidFill>
+                    <a:srgbClr val="FF5969"/>
+                  </a:solidFill>
+                  <a:latin typeface="Tw Cen MT" panose="020B0602020104020603" pitchFamily="34" charset="0"/>
+                </a:rPr>
+                <a:t> </a:t>
               </a:r>
               <a:r>
                 <a:rPr lang="en-US" sz="2400" dirty="0" err="1">
@@ -12891,8 +10695,8 @@
           </p:nvSpPr>
           <p:spPr>
             <a:xfrm>
-              <a:off x="264581" y="5222359"/>
-              <a:ext cx="3048141" cy="923330"/>
+              <a:off x="-1398625" y="4871919"/>
+              <a:ext cx="4711347" cy="1938992"/>
             </a:xfrm>
             <a:prstGeom prst="rect">
               <a:avLst/>
@@ -12907,165 +10711,228 @@
             <a:p>
               <a:pPr algn="ctr"/>
               <a:r>
-                <a:rPr lang="en-US" dirty="0">
-                  <a:solidFill>
-                    <a:schemeClr val="bg1">
-                      <a:lumMod val="65000"/>
-                    </a:schemeClr>
-                  </a:solidFill>
-                  <a:latin typeface="Tw Cen MT" panose="020B0602020104020603" pitchFamily="34" charset="0"/>
-                </a:rPr>
-                <a:t>Le </a:t>
-              </a:r>
-              <a:r>
-                <a:rPr lang="en-US" dirty="0" err="1">
-                  <a:solidFill>
-                    <a:schemeClr val="bg1">
-                      <a:lumMod val="65000"/>
-                    </a:schemeClr>
-                  </a:solidFill>
+                <a:rPr lang="en-US" sz="2000" dirty="0" err="1">
+                  <a:latin typeface="Tw Cen MT" panose="020B0602020104020603" pitchFamily="34" charset="0"/>
+                </a:rPr>
+                <a:t>L’enregistrement</a:t>
+              </a:r>
+              <a:r>
+                <a:rPr lang="en-US" sz="2000" dirty="0">
+                  <a:latin typeface="Tw Cen MT" panose="020B0602020104020603" pitchFamily="34" charset="0"/>
+                </a:rPr>
+                <a:t> </a:t>
+              </a:r>
+              <a:r>
+                <a:rPr lang="en-US" sz="2000" dirty="0" err="1">
+                  <a:latin typeface="Tw Cen MT" panose="020B0602020104020603" pitchFamily="34" charset="0"/>
+                </a:rPr>
+                <a:t>pouvant</a:t>
+              </a:r>
+              <a:r>
+                <a:rPr lang="en-US" sz="2000" dirty="0">
+                  <a:latin typeface="Tw Cen MT" panose="020B0602020104020603" pitchFamily="34" charset="0"/>
+                </a:rPr>
+                <a:t> se faire </a:t>
+              </a:r>
+              <a:r>
+                <a:rPr lang="en-US" sz="2000" dirty="0" err="1">
+                  <a:latin typeface="Tw Cen MT" panose="020B0602020104020603" pitchFamily="34" charset="0"/>
+                </a:rPr>
+                <a:t>depuis</a:t>
+              </a:r>
+              <a:r>
+                <a:rPr lang="en-US" sz="2000" dirty="0">
+                  <a:latin typeface="Tw Cen MT" panose="020B0602020104020603" pitchFamily="34" charset="0"/>
+                </a:rPr>
+                <a:t> </a:t>
+              </a:r>
+              <a:r>
+                <a:rPr lang="en-US" sz="2000" dirty="0" err="1">
+                  <a:latin typeface="Tw Cen MT" panose="020B0602020104020603" pitchFamily="34" charset="0"/>
+                </a:rPr>
+                <a:t>n’importe</a:t>
+              </a:r>
+              <a:r>
+                <a:rPr lang="en-US" sz="2000" dirty="0">
+                  <a:latin typeface="Tw Cen MT" panose="020B0602020104020603" pitchFamily="34" charset="0"/>
+                </a:rPr>
+                <a:t> </a:t>
+              </a:r>
+              <a:r>
+                <a:rPr lang="en-US" sz="2000" dirty="0" err="1">
+                  <a:latin typeface="Tw Cen MT" panose="020B0602020104020603" pitchFamily="34" charset="0"/>
+                </a:rPr>
+                <a:t>où</a:t>
+              </a:r>
+              <a:r>
+                <a:rPr lang="en-US" sz="2000" dirty="0">
+                  <a:latin typeface="Tw Cen MT" panose="020B0602020104020603" pitchFamily="34" charset="0"/>
+                </a:rPr>
+                <a:t> </a:t>
+              </a:r>
+              <a:r>
+                <a:rPr lang="en-US" sz="2000" dirty="0" err="1">
+                  <a:latin typeface="Tw Cen MT" panose="020B0602020104020603" pitchFamily="34" charset="0"/>
+                </a:rPr>
+                <a:t>avant</a:t>
+              </a:r>
+              <a:r>
+                <a:rPr lang="en-US" sz="2000" dirty="0">
+                  <a:latin typeface="Tw Cen MT" panose="020B0602020104020603" pitchFamily="34" charset="0"/>
+                </a:rPr>
+                <a:t> le vol inutile </a:t>
+              </a:r>
+              <a:r>
+                <a:rPr lang="en-US" sz="2000" dirty="0" err="1">
+                  <a:latin typeface="Tw Cen MT" panose="020B0602020104020603" pitchFamily="34" charset="0"/>
+                </a:rPr>
+                <a:t>d’attendre</a:t>
+              </a:r>
+              <a:r>
+                <a:rPr lang="en-US" sz="2000" dirty="0">
+                  <a:latin typeface="Tw Cen MT" panose="020B0602020104020603" pitchFamily="34" charset="0"/>
+                </a:rPr>
+                <a:t> </a:t>
+              </a:r>
+              <a:r>
+                <a:rPr lang="en-US" sz="2000" dirty="0" err="1">
+                  <a:latin typeface="Tw Cen MT" panose="020B0602020104020603" pitchFamily="34" charset="0"/>
+                </a:rPr>
+                <a:t>devant</a:t>
+              </a:r>
+              <a:r>
+                <a:rPr lang="en-US" sz="2000" dirty="0">
+                  <a:latin typeface="Tw Cen MT" panose="020B0602020104020603" pitchFamily="34" charset="0"/>
+                </a:rPr>
+                <a:t> les </a:t>
+              </a:r>
+              <a:r>
+                <a:rPr lang="en-US" sz="2000" dirty="0" err="1">
+                  <a:latin typeface="Tw Cen MT" panose="020B0602020104020603" pitchFamily="34" charset="0"/>
+                </a:rPr>
+                <a:t>bornes</a:t>
+              </a:r>
+              <a:r>
+                <a:rPr lang="en-US" sz="2000" dirty="0">
+                  <a:latin typeface="Tw Cen MT" panose="020B0602020104020603" pitchFamily="34" charset="0"/>
+                </a:rPr>
+                <a:t> pour </a:t>
+              </a:r>
+              <a:r>
+                <a:rPr lang="en-US" sz="2000" dirty="0" err="1">
+                  <a:latin typeface="Tw Cen MT" panose="020B0602020104020603" pitchFamily="34" charset="0"/>
+                </a:rPr>
+                <a:t>imprimer</a:t>
+              </a:r>
+              <a:r>
+                <a:rPr lang="en-US" sz="2000" dirty="0">
+                  <a:latin typeface="Tw Cen MT" panose="020B0602020104020603" pitchFamily="34" charset="0"/>
+                </a:rPr>
+                <a:t> </a:t>
+              </a:r>
+              <a:r>
+                <a:rPr lang="en-US" sz="2000" dirty="0" err="1">
+                  <a:latin typeface="Tw Cen MT" panose="020B0602020104020603" pitchFamily="34" charset="0"/>
+                </a:rPr>
+                <a:t>ses</a:t>
+              </a:r>
+              <a:r>
+                <a:rPr lang="en-US" sz="2000" dirty="0">
+                  <a:latin typeface="Tw Cen MT" panose="020B0602020104020603" pitchFamily="34" charset="0"/>
+                </a:rPr>
+                <a:t> </a:t>
+              </a:r>
+              <a:r>
+                <a:rPr lang="en-US" sz="2000" dirty="0" err="1">
+                  <a:latin typeface="Tw Cen MT" panose="020B0602020104020603" pitchFamily="34" charset="0"/>
+                </a:rPr>
+                <a:t>étiquettes</a:t>
+              </a:r>
+              <a:r>
+                <a:rPr lang="en-US" sz="2000" dirty="0">
+                  <a:latin typeface="Tw Cen MT" panose="020B0602020104020603" pitchFamily="34" charset="0"/>
+                </a:rPr>
+                <a:t> papier. Le </a:t>
+              </a:r>
+              <a:r>
+                <a:rPr lang="en-US" sz="2000" dirty="0" err="1">
                   <a:latin typeface="Tw Cen MT" panose="020B0602020104020603" pitchFamily="34" charset="0"/>
                 </a:rPr>
                 <a:t>dispositif</a:t>
               </a:r>
               <a:r>
-                <a:rPr lang="en-US" dirty="0">
-                  <a:solidFill>
-                    <a:schemeClr val="bg1">
-                      <a:lumMod val="65000"/>
-                    </a:schemeClr>
-                  </a:solidFill>
+                <a:rPr lang="en-US" sz="2000" dirty="0">
                   <a:latin typeface="Tw Cen MT" panose="020B0602020104020603" pitchFamily="34" charset="0"/>
                 </a:rPr>
                 <a:t> evite les </a:t>
               </a:r>
               <a:r>
-                <a:rPr lang="en-US" dirty="0" err="1">
-                  <a:solidFill>
-                    <a:schemeClr val="bg1">
-                      <a:lumMod val="65000"/>
-                    </a:schemeClr>
-                  </a:solidFill>
+                <a:rPr lang="en-US" sz="2000" dirty="0" err="1">
                   <a:latin typeface="Tw Cen MT" panose="020B0602020104020603" pitchFamily="34" charset="0"/>
                 </a:rPr>
                 <a:t>erreurs</a:t>
               </a:r>
               <a:r>
-                <a:rPr lang="en-US" dirty="0">
-                  <a:solidFill>
-                    <a:schemeClr val="bg1">
-                      <a:lumMod val="65000"/>
-                    </a:schemeClr>
-                  </a:solidFill>
+                <a:rPr lang="en-US" sz="2000" dirty="0">
                   <a:latin typeface="Tw Cen MT" panose="020B0602020104020603" pitchFamily="34" charset="0"/>
                 </a:rPr>
                 <a:t> de </a:t>
               </a:r>
               <a:r>
-                <a:rPr lang="en-US" dirty="0" err="1">
-                  <a:solidFill>
-                    <a:schemeClr val="bg1">
-                      <a:lumMod val="65000"/>
-                    </a:schemeClr>
-                  </a:solidFill>
+                <a:rPr lang="en-US" sz="2000" dirty="0" err="1">
                   <a:latin typeface="Tw Cen MT" panose="020B0602020104020603" pitchFamily="34" charset="0"/>
                 </a:rPr>
                 <a:t>suivi</a:t>
               </a:r>
               <a:r>
-                <a:rPr lang="en-US" dirty="0">
-                  <a:solidFill>
-                    <a:schemeClr val="bg1">
-                      <a:lumMod val="65000"/>
-                    </a:schemeClr>
-                  </a:solidFill>
+                <a:rPr lang="en-US" sz="2000" dirty="0">
                   <a:latin typeface="Tw Cen MT" panose="020B0602020104020603" pitchFamily="34" charset="0"/>
                 </a:rPr>
                 <a:t> dues aux </a:t>
               </a:r>
               <a:r>
-                <a:rPr lang="en-US" dirty="0" err="1">
-                  <a:solidFill>
-                    <a:schemeClr val="bg1">
-                      <a:lumMod val="65000"/>
-                    </a:schemeClr>
-                  </a:solidFill>
+                <a:rPr lang="en-US" sz="2000" dirty="0" err="1">
                   <a:latin typeface="Tw Cen MT" panose="020B0602020104020603" pitchFamily="34" charset="0"/>
                 </a:rPr>
                 <a:t>étiquettes</a:t>
               </a:r>
               <a:r>
-                <a:rPr lang="en-US" dirty="0">
-                  <a:solidFill>
-                    <a:schemeClr val="bg1">
-                      <a:lumMod val="65000"/>
-                    </a:schemeClr>
-                  </a:solidFill>
+                <a:rPr lang="en-US" sz="2000" dirty="0">
                   <a:latin typeface="Tw Cen MT" panose="020B0602020104020603" pitchFamily="34" charset="0"/>
                 </a:rPr>
                 <a:t> papier </a:t>
               </a:r>
               <a:r>
-                <a:rPr lang="en-US" dirty="0" err="1">
-                  <a:solidFill>
-                    <a:schemeClr val="bg1">
-                      <a:lumMod val="65000"/>
-                    </a:schemeClr>
-                  </a:solidFill>
+                <a:rPr lang="en-US" sz="2000" dirty="0" err="1">
                   <a:latin typeface="Tw Cen MT" panose="020B0602020104020603" pitchFamily="34" charset="0"/>
                 </a:rPr>
                 <a:t>déchirées</a:t>
               </a:r>
               <a:r>
-                <a:rPr lang="en-US" dirty="0">
-                  <a:solidFill>
-                    <a:schemeClr val="bg1">
-                      <a:lumMod val="65000"/>
-                    </a:schemeClr>
-                  </a:solidFill>
+                <a:rPr lang="en-US" sz="2000" dirty="0">
                   <a:latin typeface="Tw Cen MT" panose="020B0602020104020603" pitchFamily="34" charset="0"/>
                 </a:rPr>
                 <a:t> </a:t>
               </a:r>
               <a:r>
-                <a:rPr lang="en-US" dirty="0" err="1">
-                  <a:solidFill>
-                    <a:schemeClr val="bg1">
-                      <a:lumMod val="65000"/>
-                    </a:schemeClr>
-                  </a:solidFill>
+                <a:rPr lang="en-US" sz="2000" dirty="0" err="1">
                   <a:latin typeface="Tw Cen MT" panose="020B0602020104020603" pitchFamily="34" charset="0"/>
                 </a:rPr>
                 <a:t>ou</a:t>
               </a:r>
               <a:r>
-                <a:rPr lang="en-US" dirty="0">
-                  <a:solidFill>
-                    <a:schemeClr val="bg1">
-                      <a:lumMod val="65000"/>
-                    </a:schemeClr>
-                  </a:solidFill>
+                <a:rPr lang="en-US" sz="2000" dirty="0">
                   <a:latin typeface="Tw Cen MT" panose="020B0602020104020603" pitchFamily="34" charset="0"/>
                 </a:rPr>
                 <a:t> </a:t>
               </a:r>
               <a:r>
-                <a:rPr lang="en-US" dirty="0" err="1">
-                  <a:solidFill>
-                    <a:schemeClr val="bg1">
-                      <a:lumMod val="65000"/>
-                    </a:schemeClr>
-                  </a:solidFill>
+                <a:rPr lang="en-US" sz="2000" dirty="0" err="1">
                   <a:latin typeface="Tw Cen MT" panose="020B0602020104020603" pitchFamily="34" charset="0"/>
                 </a:rPr>
                 <a:t>ilisibles</a:t>
               </a:r>
-              <a:endParaRPr lang="en-US" dirty="0">
-                <a:solidFill>
-                  <a:schemeClr val="bg1">
-                    <a:lumMod val="65000"/>
-                  </a:schemeClr>
-                </a:solidFill>
+              <a:endParaRPr lang="en-US" sz="2000" dirty="0">
                 <a:latin typeface="Tw Cen MT" panose="020B0602020104020603" pitchFamily="34" charset="0"/>
               </a:endParaRPr>
             </a:p>
@@ -13086,10 +10953,10 @@
         </p:nvGrpSpPr>
         <p:grpSpPr>
           <a:xfrm>
-            <a:off x="4544657" y="4575032"/>
-            <a:ext cx="3048141" cy="2283551"/>
+            <a:off x="4499211" y="4026337"/>
+            <a:ext cx="3048141" cy="2437439"/>
             <a:chOff x="3137096" y="4416136"/>
-            <a:chExt cx="3048141" cy="2283551"/>
+            <a:chExt cx="3048141" cy="2437439"/>
           </a:xfrm>
         </p:grpSpPr>
         <p:sp>
@@ -13163,7 +11030,7 @@
           <p:spPr>
             <a:xfrm>
               <a:off x="3137096" y="5222359"/>
-              <a:ext cx="3048141" cy="1477328"/>
+              <a:ext cx="3048141" cy="1631216"/>
             </a:xfrm>
             <a:prstGeom prst="rect">
               <a:avLst/>
@@ -13178,188 +11045,121 @@
             <a:p>
               <a:pPr algn="ctr"/>
               <a:r>
-                <a:rPr lang="en-US" dirty="0">
-                  <a:solidFill>
-                    <a:schemeClr val="bg1">
-                      <a:lumMod val="65000"/>
-                    </a:schemeClr>
-                  </a:solidFill>
+                <a:rPr lang="en-US" sz="2000" dirty="0">
                   <a:latin typeface="Tw Cen MT" panose="020B0602020104020603" pitchFamily="34" charset="0"/>
                 </a:rPr>
                 <a:t>Avec les futures generation et </a:t>
               </a:r>
               <a:r>
-                <a:rPr lang="en-US" dirty="0" err="1">
-                  <a:solidFill>
-                    <a:schemeClr val="bg1">
-                      <a:lumMod val="65000"/>
-                    </a:schemeClr>
-                  </a:solidFill>
+                <a:rPr lang="en-US" sz="2000" dirty="0" err="1">
                   <a:latin typeface="Tw Cen MT" panose="020B0602020104020603" pitchFamily="34" charset="0"/>
                 </a:rPr>
                 <a:t>leur</a:t>
               </a:r>
               <a:r>
-                <a:rPr lang="en-US" dirty="0">
-                  <a:solidFill>
-                    <a:schemeClr val="bg1">
-                      <a:lumMod val="65000"/>
-                    </a:schemeClr>
-                  </a:solidFill>
+                <a:rPr lang="en-US" sz="2000" dirty="0">
                   <a:latin typeface="Tw Cen MT" panose="020B0602020104020603" pitchFamily="34" charset="0"/>
                 </a:rPr>
                 <a:t> </a:t>
               </a:r>
               <a:r>
-                <a:rPr lang="en-US" dirty="0" err="1">
-                  <a:solidFill>
-                    <a:schemeClr val="bg1">
-                      <a:lumMod val="65000"/>
-                    </a:schemeClr>
-                  </a:solidFill>
+                <a:rPr lang="en-US" sz="2000" dirty="0" err="1">
+                  <a:highlight>
+                    <a:srgbClr val="FFFF00"/>
+                  </a:highlight>
                   <a:latin typeface="Tw Cen MT" panose="020B0602020104020603" pitchFamily="34" charset="0"/>
                 </a:rPr>
                 <a:t>balise</a:t>
               </a:r>
               <a:r>
-                <a:rPr lang="en-US" dirty="0">
-                  <a:solidFill>
-                    <a:schemeClr val="bg1">
-                      <a:lumMod val="65000"/>
-                    </a:schemeClr>
-                  </a:solidFill>
+                <a:rPr lang="en-US" sz="2000" dirty="0">
+                  <a:highlight>
+                    <a:srgbClr val="FFFF00"/>
+                  </a:highlight>
                   <a:latin typeface="Tw Cen MT" panose="020B0602020104020603" pitchFamily="34" charset="0"/>
                 </a:rPr>
                 <a:t> GPS </a:t>
               </a:r>
               <a:r>
-                <a:rPr lang="en-US" dirty="0" err="1">
-                  <a:solidFill>
-                    <a:schemeClr val="bg1">
-                      <a:lumMod val="65000"/>
-                    </a:schemeClr>
-                  </a:solidFill>
+                <a:rPr lang="en-US" sz="2000" dirty="0" err="1">
+                  <a:highlight>
+                    <a:srgbClr val="FFFF00"/>
+                  </a:highlight>
                   <a:latin typeface="Tw Cen MT" panose="020B0602020104020603" pitchFamily="34" charset="0"/>
                 </a:rPr>
                 <a:t>intégrée</a:t>
               </a:r>
               <a:r>
-                <a:rPr lang="en-US" dirty="0">
-                  <a:solidFill>
-                    <a:schemeClr val="bg1">
-                      <a:lumMod val="65000"/>
-                    </a:schemeClr>
-                  </a:solidFill>
-                  <a:latin typeface="Tw Cen MT" panose="020B0602020104020603" pitchFamily="34" charset="0"/>
-                </a:rPr>
-                <a:t> un baggage </a:t>
-              </a:r>
-              <a:r>
-                <a:rPr lang="en-US" dirty="0" err="1">
-                  <a:solidFill>
-                    <a:schemeClr val="bg1">
-                      <a:lumMod val="65000"/>
-                    </a:schemeClr>
-                  </a:solidFill>
+                <a:rPr lang="en-US" sz="2000" dirty="0">
+                  <a:highlight>
+                    <a:srgbClr val="FFFF00"/>
+                  </a:highlight>
+                  <a:latin typeface="Tw Cen MT" panose="020B0602020104020603" pitchFamily="34" charset="0"/>
+                </a:rPr>
+                <a:t> </a:t>
+              </a:r>
+              <a:r>
+                <a:rPr lang="en-US" sz="2000" dirty="0">
+                  <a:latin typeface="Tw Cen MT" panose="020B0602020104020603" pitchFamily="34" charset="0"/>
+                </a:rPr>
+                <a:t>un baggage </a:t>
+              </a:r>
+              <a:r>
+                <a:rPr lang="en-US" sz="2000" dirty="0" err="1">
                   <a:latin typeface="Tw Cen MT" panose="020B0602020104020603" pitchFamily="34" charset="0"/>
                 </a:rPr>
                 <a:t>déclaré</a:t>
               </a:r>
               <a:r>
-                <a:rPr lang="en-US" dirty="0">
-                  <a:solidFill>
-                    <a:schemeClr val="bg1">
-                      <a:lumMod val="65000"/>
-                    </a:schemeClr>
-                  </a:solidFill>
+                <a:rPr lang="en-US" sz="2000" dirty="0">
                   <a:latin typeface="Tw Cen MT" panose="020B0602020104020603" pitchFamily="34" charset="0"/>
                 </a:rPr>
                 <a:t> suspect </a:t>
               </a:r>
               <a:r>
-                <a:rPr lang="en-US" dirty="0" err="1">
-                  <a:solidFill>
-                    <a:schemeClr val="bg1">
-                      <a:lumMod val="65000"/>
-                    </a:schemeClr>
-                  </a:solidFill>
+                <a:rPr lang="en-US" sz="2000" dirty="0" err="1">
                   <a:latin typeface="Tw Cen MT" panose="020B0602020104020603" pitchFamily="34" charset="0"/>
                 </a:rPr>
                 <a:t>pourra</a:t>
               </a:r>
               <a:r>
-                <a:rPr lang="en-US" dirty="0">
-                  <a:solidFill>
-                    <a:schemeClr val="bg1">
-                      <a:lumMod val="65000"/>
-                    </a:schemeClr>
-                  </a:solidFill>
+                <a:rPr lang="en-US" sz="2000" dirty="0">
                   <a:latin typeface="Tw Cen MT" panose="020B0602020104020603" pitchFamily="34" charset="0"/>
                 </a:rPr>
                 <a:t> </a:t>
               </a:r>
               <a:r>
-                <a:rPr lang="en-US" dirty="0" err="1">
-                  <a:solidFill>
-                    <a:schemeClr val="bg1">
-                      <a:lumMod val="65000"/>
-                    </a:schemeClr>
-                  </a:solidFill>
+                <a:rPr lang="en-US" sz="2000" dirty="0" err="1">
                   <a:latin typeface="Tw Cen MT" panose="020B0602020104020603" pitchFamily="34" charset="0"/>
                 </a:rPr>
                 <a:t>être</a:t>
               </a:r>
               <a:r>
-                <a:rPr lang="en-US" dirty="0">
-                  <a:solidFill>
-                    <a:schemeClr val="bg1">
-                      <a:lumMod val="65000"/>
-                    </a:schemeClr>
-                  </a:solidFill>
+                <a:rPr lang="en-US" sz="2000" dirty="0">
                   <a:latin typeface="Tw Cen MT" panose="020B0602020104020603" pitchFamily="34" charset="0"/>
                 </a:rPr>
                 <a:t> </a:t>
               </a:r>
               <a:r>
-                <a:rPr lang="en-US" dirty="0" err="1">
-                  <a:solidFill>
-                    <a:schemeClr val="bg1">
-                      <a:lumMod val="65000"/>
-                    </a:schemeClr>
-                  </a:solidFill>
+                <a:rPr lang="en-US" sz="2000" dirty="0" err="1">
                   <a:latin typeface="Tw Cen MT" panose="020B0602020104020603" pitchFamily="34" charset="0"/>
                 </a:rPr>
                 <a:t>localisé</a:t>
               </a:r>
               <a:r>
-                <a:rPr lang="en-US" dirty="0">
-                  <a:solidFill>
-                    <a:schemeClr val="bg1">
-                      <a:lumMod val="65000"/>
-                    </a:schemeClr>
-                  </a:solidFill>
+                <a:rPr lang="en-US" sz="2000" dirty="0">
                   <a:latin typeface="Tw Cen MT" panose="020B0602020104020603" pitchFamily="34" charset="0"/>
                 </a:rPr>
                 <a:t> </a:t>
               </a:r>
               <a:r>
-                <a:rPr lang="en-US" dirty="0" err="1">
-                  <a:solidFill>
-                    <a:schemeClr val="bg1">
-                      <a:lumMod val="65000"/>
-                    </a:schemeClr>
-                  </a:solidFill>
+                <a:rPr lang="en-US" sz="2000" dirty="0" err="1">
                   <a:latin typeface="Tw Cen MT" panose="020B0602020104020603" pitchFamily="34" charset="0"/>
                 </a:rPr>
                 <a:t>rapidement</a:t>
               </a:r>
               <a:r>
-                <a:rPr lang="en-US" dirty="0">
-                  <a:solidFill>
-                    <a:schemeClr val="bg1">
-                      <a:lumMod val="65000"/>
-                    </a:schemeClr>
-                  </a:solidFill>
+                <a:rPr lang="en-US" sz="2000" dirty="0">
                   <a:latin typeface="Tw Cen MT" panose="020B0602020104020603" pitchFamily="34" charset="0"/>
                 </a:rPr>
                 <a:t>.</a:t>
@@ -13382,10 +11182,10 @@
         </p:nvGrpSpPr>
         <p:grpSpPr>
           <a:xfrm>
-            <a:off x="7301436" y="4566037"/>
-            <a:ext cx="4207392" cy="2282909"/>
+            <a:off x="7106862" y="4099276"/>
+            <a:ext cx="4207392" cy="2744573"/>
             <a:chOff x="6170109" y="4407141"/>
-            <a:chExt cx="4207392" cy="2282909"/>
+            <a:chExt cx="4207392" cy="2744573"/>
           </a:xfrm>
         </p:grpSpPr>
         <p:sp>
@@ -13433,7 +11233,7 @@
                   </a:solidFill>
                   <a:latin typeface="Tw Cen MT" panose="020B0602020104020603" pitchFamily="34" charset="0"/>
                 </a:rPr>
-                <a:t>planète</a:t>
+                <a:t>planete</a:t>
               </a:r>
               <a:endParaRPr lang="en-US" sz="2400" dirty="0">
                 <a:solidFill>
@@ -13459,7 +11259,7 @@
           <p:spPr>
             <a:xfrm>
               <a:off x="6370867" y="5212722"/>
-              <a:ext cx="3048141" cy="1477328"/>
+              <a:ext cx="3048141" cy="1938992"/>
             </a:xfrm>
             <a:prstGeom prst="rect">
               <a:avLst/>
@@ -13474,155 +11274,121 @@
             <a:p>
               <a:pPr algn="ctr"/>
               <a:r>
-                <a:rPr lang="en-US" dirty="0" err="1">
-                  <a:solidFill>
-                    <a:schemeClr val="bg1">
-                      <a:lumMod val="65000"/>
-                    </a:schemeClr>
-                  </a:solidFill>
+                <a:rPr lang="en-US" sz="2000" dirty="0" err="1">
                   <a:latin typeface="Tw Cen MT" panose="020B0602020104020603" pitchFamily="34" charset="0"/>
                 </a:rPr>
                 <a:t>Economie</a:t>
               </a:r>
               <a:r>
-                <a:rPr lang="en-US" dirty="0">
-                  <a:solidFill>
-                    <a:schemeClr val="bg1">
-                      <a:lumMod val="65000"/>
-                    </a:schemeClr>
-                  </a:solidFill>
+                <a:rPr lang="en-US" sz="2000" dirty="0">
                   <a:latin typeface="Tw Cen MT" panose="020B0602020104020603" pitchFamily="34" charset="0"/>
                 </a:rPr>
                 <a:t> de papier </a:t>
               </a:r>
               <a:r>
-                <a:rPr lang="en-US" dirty="0" err="1">
-                  <a:solidFill>
-                    <a:schemeClr val="bg1">
-                      <a:lumMod val="65000"/>
-                    </a:schemeClr>
-                  </a:solidFill>
+                <a:rPr lang="en-US" sz="2000" dirty="0" err="1">
                   <a:latin typeface="Tw Cen MT" panose="020B0602020104020603" pitchFamily="34" charset="0"/>
                 </a:rPr>
                 <a:t>ni</a:t>
               </a:r>
               <a:r>
-                <a:rPr lang="en-US" dirty="0">
-                  <a:solidFill>
-                    <a:schemeClr val="bg1">
-                      <a:lumMod val="65000"/>
-                    </a:schemeClr>
-                  </a:solidFill>
+                <a:rPr lang="en-US" sz="2000" dirty="0">
                   <a:latin typeface="Tw Cen MT" panose="020B0602020104020603" pitchFamily="34" charset="0"/>
                 </a:rPr>
                 <a:t> recyclable </a:t>
               </a:r>
               <a:r>
-                <a:rPr lang="en-US" dirty="0" err="1">
-                  <a:solidFill>
-                    <a:schemeClr val="bg1">
-                      <a:lumMod val="65000"/>
-                    </a:schemeClr>
-                  </a:solidFill>
+                <a:rPr lang="en-US" sz="2000" dirty="0" err="1">
                   <a:latin typeface="Tw Cen MT" panose="020B0602020104020603" pitchFamily="34" charset="0"/>
                 </a:rPr>
                 <a:t>ni</a:t>
               </a:r>
               <a:r>
-                <a:rPr lang="en-US" dirty="0">
-                  <a:solidFill>
-                    <a:schemeClr val="bg1">
-                      <a:lumMod val="65000"/>
-                    </a:schemeClr>
-                  </a:solidFill>
-                  <a:latin typeface="Tw Cen MT" panose="020B0602020104020603" pitchFamily="34" charset="0"/>
-                </a:rPr>
-                <a:t> compostable (trois milliards </a:t>
-              </a:r>
-              <a:r>
-                <a:rPr lang="en-US" dirty="0" err="1">
-                  <a:solidFill>
-                    <a:schemeClr val="bg1">
-                      <a:lumMod val="65000"/>
-                    </a:schemeClr>
-                  </a:solidFill>
+                <a:rPr lang="en-US" sz="2000" dirty="0">
+                  <a:latin typeface="Tw Cen MT" panose="020B0602020104020603" pitchFamily="34" charset="0"/>
+                </a:rPr>
+                <a:t> compostable (</a:t>
+              </a:r>
+              <a:r>
+                <a:rPr lang="en-US" sz="2000" dirty="0">
+                  <a:highlight>
+                    <a:srgbClr val="FFFF00"/>
+                  </a:highlight>
+                  <a:latin typeface="Tw Cen MT" panose="020B0602020104020603" pitchFamily="34" charset="0"/>
+                </a:rPr>
+                <a:t>trois milliards </a:t>
+              </a:r>
+              <a:r>
+                <a:rPr lang="en-US" sz="2000" dirty="0" err="1">
+                  <a:highlight>
+                    <a:srgbClr val="FFFF00"/>
+                  </a:highlight>
                   <a:latin typeface="Tw Cen MT" panose="020B0602020104020603" pitchFamily="34" charset="0"/>
                 </a:rPr>
                 <a:t>d’étiquettes</a:t>
               </a:r>
               <a:r>
-                <a:rPr lang="en-US" dirty="0">
-                  <a:solidFill>
-                    <a:schemeClr val="bg1">
-                      <a:lumMod val="65000"/>
-                    </a:schemeClr>
-                  </a:solidFill>
+                <a:rPr lang="en-US" sz="2000" dirty="0">
+                  <a:highlight>
+                    <a:srgbClr val="FFFF00"/>
+                  </a:highlight>
                   <a:latin typeface="Tw Cen MT" panose="020B0602020104020603" pitchFamily="34" charset="0"/>
                 </a:rPr>
                 <a:t> par an </a:t>
               </a:r>
               <a:r>
-                <a:rPr lang="en-US" dirty="0" err="1">
-                  <a:solidFill>
-                    <a:schemeClr val="bg1">
-                      <a:lumMod val="65000"/>
-                    </a:schemeClr>
-                  </a:solidFill>
+                <a:rPr lang="en-US" sz="2000" dirty="0" err="1">
                   <a:latin typeface="Tw Cen MT" panose="020B0602020104020603" pitchFamily="34" charset="0"/>
                 </a:rPr>
                 <a:t>soit</a:t>
               </a:r>
               <a:r>
-                <a:rPr lang="en-US" dirty="0">
-                  <a:solidFill>
-                    <a:schemeClr val="bg1">
-                      <a:lumMod val="65000"/>
-                    </a:schemeClr>
-                  </a:solidFill>
-                  <a:latin typeface="Tw Cen MT" panose="020B0602020104020603" pitchFamily="34" charset="0"/>
-                </a:rPr>
-                <a:t> trois </a:t>
-              </a:r>
-              <a:r>
-                <a:rPr lang="en-US" dirty="0" err="1">
-                  <a:solidFill>
-                    <a:schemeClr val="bg1">
-                      <a:lumMod val="65000"/>
-                    </a:schemeClr>
-                  </a:solidFill>
-                  <a:latin typeface="Tw Cen MT" panose="020B0602020104020603" pitchFamily="34" charset="0"/>
-                </a:rPr>
-                <a:t>fis</a:t>
-              </a:r>
-              <a:r>
-                <a:rPr lang="en-US" dirty="0">
-                  <a:solidFill>
-                    <a:schemeClr val="bg1">
-                      <a:lumMod val="65000"/>
-                    </a:schemeClr>
-                  </a:solidFill>
-                  <a:latin typeface="Tw Cen MT" panose="020B0602020104020603" pitchFamily="34" charset="0"/>
-                </a:rPr>
-                <a:t> le tour de la Terre mises bout </a:t>
-              </a:r>
-              <a:r>
-                <a:rPr lang="en-US" dirty="0" err="1">
-                  <a:solidFill>
-                    <a:schemeClr val="bg1">
-                      <a:lumMod val="65000"/>
-                    </a:schemeClr>
-                  </a:solidFill>
+                <a:rPr lang="en-US" sz="2000" dirty="0">
+                  <a:latin typeface="Tw Cen MT" panose="020B0602020104020603" pitchFamily="34" charset="0"/>
+                </a:rPr>
+                <a:t> </a:t>
+              </a:r>
+              <a:r>
+                <a:rPr lang="en-US" sz="2000" dirty="0">
+                  <a:highlight>
+                    <a:srgbClr val="FFFF00"/>
+                  </a:highlight>
+                  <a:latin typeface="Tw Cen MT" panose="020B0602020104020603" pitchFamily="34" charset="0"/>
+                </a:rPr>
+                <a:t>trois </a:t>
+              </a:r>
+              <a:r>
+                <a:rPr lang="en-US" sz="2000" dirty="0" err="1">
+                  <a:highlight>
+                    <a:srgbClr val="FFFF00"/>
+                  </a:highlight>
+                  <a:latin typeface="Tw Cen MT" panose="020B0602020104020603" pitchFamily="34" charset="0"/>
+                </a:rPr>
+                <a:t>fois</a:t>
+              </a:r>
+              <a:r>
+                <a:rPr lang="en-US" sz="2000" dirty="0">
+                  <a:highlight>
+                    <a:srgbClr val="FFFF00"/>
+                  </a:highlight>
+                  <a:latin typeface="Tw Cen MT" panose="020B0602020104020603" pitchFamily="34" charset="0"/>
+                </a:rPr>
+                <a:t> le tour de la Terre</a:t>
+              </a:r>
+              <a:r>
+                <a:rPr lang="en-US" sz="2000" dirty="0">
+                  <a:latin typeface="Tw Cen MT" panose="020B0602020104020603" pitchFamily="34" charset="0"/>
+                </a:rPr>
+                <a:t> mises bout </a:t>
+              </a:r>
+              <a:r>
+                <a:rPr lang="en-US" sz="2000" dirty="0" err="1">
                   <a:latin typeface="Tw Cen MT" panose="020B0602020104020603" pitchFamily="34" charset="0"/>
                 </a:rPr>
                 <a:t>à</a:t>
               </a:r>
               <a:r>
-                <a:rPr lang="en-US" dirty="0">
-                  <a:solidFill>
-                    <a:schemeClr val="bg1">
-                      <a:lumMod val="65000"/>
-                    </a:schemeClr>
-                  </a:solidFill>
+                <a:rPr lang="en-US" sz="2000" dirty="0">
                   <a:latin typeface="Tw Cen MT" panose="020B0602020104020603" pitchFamily="34" charset="0"/>
                 </a:rPr>
                 <a:t> bout.</a:t>
@@ -13631,6 +11397,189 @@
           </p:txBody>
         </p:sp>
       </p:grpSp>
+      <p:sp>
+        <p:nvSpPr>
+          <p:cNvPr id="2" name="Rectangle 1">
+            <a:extLst>
+              <a:ext uri="{FF2B5EF4-FFF2-40B4-BE49-F238E27FC236}">
+                <a16:creationId xmlns:a16="http://schemas.microsoft.com/office/drawing/2014/main" id="{C15A5BBF-A314-5254-69E1-60C6620169CE}"/>
+              </a:ext>
+            </a:extLst>
+          </p:cNvPr>
+          <p:cNvSpPr/>
+          <p:nvPr/>
+        </p:nvSpPr>
+        <p:spPr>
+          <a:xfrm>
+            <a:off x="10843590" y="5274365"/>
+            <a:ext cx="1351722" cy="1583635"/>
+          </a:xfrm>
+          <a:prstGeom prst="rect">
+            <a:avLst/>
+          </a:prstGeom>
+        </p:spPr>
+        <p:style>
+          <a:lnRef idx="2">
+            <a:schemeClr val="accent1">
+              <a:shade val="50000"/>
+            </a:schemeClr>
+          </a:lnRef>
+          <a:fillRef idx="1">
+            <a:schemeClr val="accent1"/>
+          </a:fillRef>
+          <a:effectRef idx="0">
+            <a:schemeClr val="accent1"/>
+          </a:effectRef>
+          <a:fontRef idx="minor">
+            <a:schemeClr val="lt1"/>
+          </a:fontRef>
+        </p:style>
+        <p:txBody>
+          <a:bodyPr rtlCol="0" anchor="ctr"/>
+          <a:lstStyle/>
+          <a:p>
+            <a:pPr algn="ctr"/>
+            <a:endParaRPr lang="fr-FR"/>
+          </a:p>
+        </p:txBody>
+      </p:sp>
+      <p:sp>
+        <p:nvSpPr>
+          <p:cNvPr id="3" name="ZoneTexte 2">
+            <a:extLst>
+              <a:ext uri="{FF2B5EF4-FFF2-40B4-BE49-F238E27FC236}">
+                <a16:creationId xmlns:a16="http://schemas.microsoft.com/office/drawing/2014/main" id="{ED69B675-3A63-3E2E-78F2-28C7F0B4F0BA}"/>
+              </a:ext>
+            </a:extLst>
+          </p:cNvPr>
+          <p:cNvSpPr txBox="1"/>
+          <p:nvPr/>
+        </p:nvSpPr>
+        <p:spPr>
+          <a:xfrm>
+            <a:off x="11012384" y="5542164"/>
+            <a:ext cx="1014135" cy="1200329"/>
+          </a:xfrm>
+          <a:prstGeom prst="rect">
+            <a:avLst/>
+          </a:prstGeom>
+          <a:noFill/>
+        </p:spPr>
+        <p:txBody>
+          <a:bodyPr wrap="square" rtlCol="0">
+            <a:spAutoFit/>
+          </a:bodyPr>
+          <a:lstStyle/>
+          <a:p>
+            <a:r>
+              <a:rPr lang="fr-FR" sz="7200" dirty="0">
+                <a:solidFill>
+                  <a:srgbClr val="FFC000"/>
+                </a:solidFill>
+              </a:rPr>
+              <a:t>-</a:t>
+            </a:r>
+            <a:r>
+              <a:rPr lang="fr-FR" sz="7200" u="sng" dirty="0">
+                <a:solidFill>
+                  <a:srgbClr val="FFC000"/>
+                </a:solidFill>
+              </a:rPr>
+              <a:t>3</a:t>
+            </a:r>
+          </a:p>
+        </p:txBody>
+      </p:sp>
+      <p:sp>
+        <p:nvSpPr>
+          <p:cNvPr id="4" name="Rectangle 3">
+            <a:extLst>
+              <a:ext uri="{FF2B5EF4-FFF2-40B4-BE49-F238E27FC236}">
+                <a16:creationId xmlns:a16="http://schemas.microsoft.com/office/drawing/2014/main" id="{8F7DCA3D-E966-0C20-9AC3-BB66622706FA}"/>
+              </a:ext>
+            </a:extLst>
+          </p:cNvPr>
+          <p:cNvSpPr/>
+          <p:nvPr/>
+        </p:nvSpPr>
+        <p:spPr>
+          <a:xfrm>
+            <a:off x="1408" y="76018"/>
+            <a:ext cx="1351722" cy="1583635"/>
+          </a:xfrm>
+          <a:prstGeom prst="rect">
+            <a:avLst/>
+          </a:prstGeom>
+        </p:spPr>
+        <p:style>
+          <a:lnRef idx="2">
+            <a:schemeClr val="accent1">
+              <a:shade val="50000"/>
+            </a:schemeClr>
+          </a:lnRef>
+          <a:fillRef idx="1">
+            <a:schemeClr val="accent1"/>
+          </a:fillRef>
+          <a:effectRef idx="0">
+            <a:schemeClr val="accent1"/>
+          </a:effectRef>
+          <a:fontRef idx="minor">
+            <a:schemeClr val="lt1"/>
+          </a:fontRef>
+        </p:style>
+        <p:txBody>
+          <a:bodyPr rtlCol="0" anchor="ctr"/>
+          <a:lstStyle/>
+          <a:p>
+            <a:pPr algn="ctr"/>
+            <a:endParaRPr lang="fr-FR"/>
+          </a:p>
+        </p:txBody>
+      </p:sp>
+      <p:sp>
+        <p:nvSpPr>
+          <p:cNvPr id="5" name="ZoneTexte 4">
+            <a:extLst>
+              <a:ext uri="{FF2B5EF4-FFF2-40B4-BE49-F238E27FC236}">
+                <a16:creationId xmlns:a16="http://schemas.microsoft.com/office/drawing/2014/main" id="{E1E9EB48-E57C-4783-C4A4-9028CC307FC8}"/>
+              </a:ext>
+            </a:extLst>
+          </p:cNvPr>
+          <p:cNvSpPr txBox="1"/>
+          <p:nvPr/>
+        </p:nvSpPr>
+        <p:spPr>
+          <a:xfrm>
+            <a:off x="170202" y="343817"/>
+            <a:ext cx="1014135" cy="1200329"/>
+          </a:xfrm>
+          <a:prstGeom prst="rect">
+            <a:avLst/>
+          </a:prstGeom>
+          <a:noFill/>
+        </p:spPr>
+        <p:txBody>
+          <a:bodyPr wrap="square" rtlCol="0">
+            <a:spAutoFit/>
+          </a:bodyPr>
+          <a:lstStyle/>
+          <a:p>
+            <a:r>
+              <a:rPr lang="fr-FR" sz="7200" dirty="0">
+                <a:solidFill>
+                  <a:srgbClr val="FFC000"/>
+                </a:solidFill>
+              </a:rPr>
+              <a:t>2</a:t>
+            </a:r>
+            <a:endParaRPr lang="fr-FR" sz="7200" u="sng" dirty="0">
+              <a:solidFill>
+                <a:srgbClr val="FFC000"/>
+              </a:solidFill>
+            </a:endParaRPr>
+          </a:p>
+        </p:txBody>
+      </p:sp>
     </p:spTree>
     <p:extLst>
       <p:ext uri="{BB962C8B-B14F-4D97-AF65-F5344CB8AC3E}">
@@ -14546,7 +12495,7 @@
 </p:sld>
 </file>
 
-<file path=ppt/slides/slide5.xml><?xml version="1.0" encoding="utf-8"?>
+<file path=ppt/slides/slide4.xml><?xml version="1.0" encoding="utf-8"?>
 <p:sld xmlns:a="http://schemas.openxmlformats.org/drawingml/2006/main" xmlns:r="http://schemas.openxmlformats.org/officeDocument/2006/relationships" xmlns:p="http://schemas.openxmlformats.org/presentationml/2006/main">
   <p:cSld>
     <p:bg>
@@ -14726,6 +12675,96 @@
           </a:prstGeom>
         </p:spPr>
       </p:pic>
+      <p:sp>
+        <p:nvSpPr>
+          <p:cNvPr id="2" name="Rectangle 1">
+            <a:extLst>
+              <a:ext uri="{FF2B5EF4-FFF2-40B4-BE49-F238E27FC236}">
+                <a16:creationId xmlns:a16="http://schemas.microsoft.com/office/drawing/2014/main" id="{3FACE241-E2A2-CB30-D5A2-B73BCA43FC2A}"/>
+              </a:ext>
+            </a:extLst>
+          </p:cNvPr>
+          <p:cNvSpPr/>
+          <p:nvPr/>
+        </p:nvSpPr>
+        <p:spPr>
+          <a:xfrm>
+            <a:off x="10843590" y="5510907"/>
+            <a:ext cx="1351722" cy="1347093"/>
+          </a:xfrm>
+          <a:prstGeom prst="rect">
+            <a:avLst/>
+          </a:prstGeom>
+        </p:spPr>
+        <p:style>
+          <a:lnRef idx="2">
+            <a:schemeClr val="accent1">
+              <a:shade val="50000"/>
+            </a:schemeClr>
+          </a:lnRef>
+          <a:fillRef idx="1">
+            <a:schemeClr val="accent1"/>
+          </a:fillRef>
+          <a:effectRef idx="0">
+            <a:schemeClr val="accent1"/>
+          </a:effectRef>
+          <a:fontRef idx="minor">
+            <a:schemeClr val="lt1"/>
+          </a:fontRef>
+        </p:style>
+        <p:txBody>
+          <a:bodyPr rtlCol="0" anchor="ctr"/>
+          <a:lstStyle/>
+          <a:p>
+            <a:pPr algn="ctr"/>
+            <a:endParaRPr lang="fr-FR"/>
+          </a:p>
+        </p:txBody>
+      </p:sp>
+      <p:sp>
+        <p:nvSpPr>
+          <p:cNvPr id="4" name="ZoneTexte 3">
+            <a:extLst>
+              <a:ext uri="{FF2B5EF4-FFF2-40B4-BE49-F238E27FC236}">
+                <a16:creationId xmlns:a16="http://schemas.microsoft.com/office/drawing/2014/main" id="{82809BEF-8942-17AD-A45D-1A149DB34FE3}"/>
+              </a:ext>
+            </a:extLst>
+          </p:cNvPr>
+          <p:cNvSpPr txBox="1"/>
+          <p:nvPr/>
+        </p:nvSpPr>
+        <p:spPr>
+          <a:xfrm>
+            <a:off x="11012384" y="5542164"/>
+            <a:ext cx="1014135" cy="1200329"/>
+          </a:xfrm>
+          <a:prstGeom prst="rect">
+            <a:avLst/>
+          </a:prstGeom>
+          <a:noFill/>
+        </p:spPr>
+        <p:txBody>
+          <a:bodyPr wrap="square" rtlCol="0">
+            <a:spAutoFit/>
+          </a:bodyPr>
+          <a:lstStyle/>
+          <a:p>
+            <a:r>
+              <a:rPr lang="fr-FR" sz="7200" dirty="0">
+                <a:solidFill>
+                  <a:srgbClr val="FF5969"/>
+                </a:solidFill>
+              </a:rPr>
+              <a:t>-5</a:t>
+            </a:r>
+            <a:endParaRPr lang="fr-FR" sz="7200" u="sng" dirty="0">
+              <a:solidFill>
+                <a:srgbClr val="FF5969"/>
+              </a:solidFill>
+            </a:endParaRPr>
+          </a:p>
+        </p:txBody>
+      </p:sp>
     </p:spTree>
     <p:extLst>
       <p:ext uri="{BB962C8B-B14F-4D97-AF65-F5344CB8AC3E}">
@@ -14739,7 +12778,7 @@
 </p:sld>
 </file>
 
-<file path=ppt/slides/slide6.xml><?xml version="1.0" encoding="utf-8"?>
+<file path=ppt/slides/slide5.xml><?xml version="1.0" encoding="utf-8"?>
 <p:sld xmlns:a="http://schemas.openxmlformats.org/drawingml/2006/main" xmlns:r="http://schemas.openxmlformats.org/officeDocument/2006/relationships" xmlns:p="http://schemas.openxmlformats.org/presentationml/2006/main">
   <p:cSld>
     <p:spTree>
@@ -15753,6 +13792,189 @@
           </a:p>
         </p:txBody>
       </p:sp>
+      <p:sp>
+        <p:nvSpPr>
+          <p:cNvPr id="2" name="Rectangle 1">
+            <a:extLst>
+              <a:ext uri="{FF2B5EF4-FFF2-40B4-BE49-F238E27FC236}">
+                <a16:creationId xmlns:a16="http://schemas.microsoft.com/office/drawing/2014/main" id="{3BDD01E5-3C3D-289D-BDEA-F160E35FAB09}"/>
+              </a:ext>
+            </a:extLst>
+          </p:cNvPr>
+          <p:cNvSpPr/>
+          <p:nvPr/>
+        </p:nvSpPr>
+        <p:spPr>
+          <a:xfrm>
+            <a:off x="10818293" y="40110"/>
+            <a:ext cx="1351722" cy="1583635"/>
+          </a:xfrm>
+          <a:prstGeom prst="rect">
+            <a:avLst/>
+          </a:prstGeom>
+        </p:spPr>
+        <p:style>
+          <a:lnRef idx="2">
+            <a:schemeClr val="accent1">
+              <a:shade val="50000"/>
+            </a:schemeClr>
+          </a:lnRef>
+          <a:fillRef idx="1">
+            <a:schemeClr val="accent1"/>
+          </a:fillRef>
+          <a:effectRef idx="0">
+            <a:schemeClr val="accent1"/>
+          </a:effectRef>
+          <a:fontRef idx="minor">
+            <a:schemeClr val="lt1"/>
+          </a:fontRef>
+        </p:style>
+        <p:txBody>
+          <a:bodyPr rtlCol="0" anchor="ctr"/>
+          <a:lstStyle/>
+          <a:p>
+            <a:pPr algn="ctr"/>
+            <a:endParaRPr lang="fr-FR"/>
+          </a:p>
+        </p:txBody>
+      </p:sp>
+      <p:sp>
+        <p:nvSpPr>
+          <p:cNvPr id="3" name="ZoneTexte 2">
+            <a:extLst>
+              <a:ext uri="{FF2B5EF4-FFF2-40B4-BE49-F238E27FC236}">
+                <a16:creationId xmlns:a16="http://schemas.microsoft.com/office/drawing/2014/main" id="{1284C824-C1AC-9254-CC5A-F5ECCACB369F}"/>
+              </a:ext>
+            </a:extLst>
+          </p:cNvPr>
+          <p:cNvSpPr txBox="1"/>
+          <p:nvPr/>
+        </p:nvSpPr>
+        <p:spPr>
+          <a:xfrm>
+            <a:off x="10987087" y="307909"/>
+            <a:ext cx="1014135" cy="1200329"/>
+          </a:xfrm>
+          <a:prstGeom prst="rect">
+            <a:avLst/>
+          </a:prstGeom>
+          <a:noFill/>
+        </p:spPr>
+        <p:txBody>
+          <a:bodyPr wrap="square" rtlCol="0">
+            <a:spAutoFit/>
+          </a:bodyPr>
+          <a:lstStyle/>
+          <a:p>
+            <a:r>
+              <a:rPr lang="fr-FR" sz="7200" dirty="0">
+                <a:solidFill>
+                  <a:srgbClr val="FF5969"/>
+                </a:solidFill>
+              </a:rPr>
+              <a:t>-</a:t>
+            </a:r>
+            <a:r>
+              <a:rPr lang="fr-FR" sz="7200" u="sng" dirty="0">
+                <a:solidFill>
+                  <a:srgbClr val="FF5969"/>
+                </a:solidFill>
+              </a:rPr>
+              <a:t>6</a:t>
+            </a:r>
+          </a:p>
+        </p:txBody>
+      </p:sp>
+      <p:sp>
+        <p:nvSpPr>
+          <p:cNvPr id="4" name="Rectangle 3">
+            <a:extLst>
+              <a:ext uri="{FF2B5EF4-FFF2-40B4-BE49-F238E27FC236}">
+                <a16:creationId xmlns:a16="http://schemas.microsoft.com/office/drawing/2014/main" id="{B2348E72-74E8-799A-16C1-B7CAD24767D3}"/>
+              </a:ext>
+            </a:extLst>
+          </p:cNvPr>
+          <p:cNvSpPr/>
+          <p:nvPr/>
+        </p:nvSpPr>
+        <p:spPr>
+          <a:xfrm>
+            <a:off x="-235333" y="0"/>
+            <a:ext cx="1351722" cy="1583635"/>
+          </a:xfrm>
+          <a:prstGeom prst="rect">
+            <a:avLst/>
+          </a:prstGeom>
+        </p:spPr>
+        <p:style>
+          <a:lnRef idx="2">
+            <a:schemeClr val="accent1">
+              <a:shade val="50000"/>
+            </a:schemeClr>
+          </a:lnRef>
+          <a:fillRef idx="1">
+            <a:schemeClr val="accent1"/>
+          </a:fillRef>
+          <a:effectRef idx="0">
+            <a:schemeClr val="accent1"/>
+          </a:effectRef>
+          <a:fontRef idx="minor">
+            <a:schemeClr val="lt1"/>
+          </a:fontRef>
+        </p:style>
+        <p:txBody>
+          <a:bodyPr rtlCol="0" anchor="ctr"/>
+          <a:lstStyle/>
+          <a:p>
+            <a:pPr algn="ctr"/>
+            <a:endParaRPr lang="fr-FR"/>
+          </a:p>
+        </p:txBody>
+      </p:sp>
+      <p:sp>
+        <p:nvSpPr>
+          <p:cNvPr id="5" name="ZoneTexte 4">
+            <a:extLst>
+              <a:ext uri="{FF2B5EF4-FFF2-40B4-BE49-F238E27FC236}">
+                <a16:creationId xmlns:a16="http://schemas.microsoft.com/office/drawing/2014/main" id="{E7B0E3BF-E145-D856-8324-4982E0323FE9}"/>
+              </a:ext>
+            </a:extLst>
+          </p:cNvPr>
+          <p:cNvSpPr txBox="1"/>
+          <p:nvPr/>
+        </p:nvSpPr>
+        <p:spPr>
+          <a:xfrm>
+            <a:off x="-66539" y="267799"/>
+            <a:ext cx="1014135" cy="1200329"/>
+          </a:xfrm>
+          <a:prstGeom prst="rect">
+            <a:avLst/>
+          </a:prstGeom>
+          <a:noFill/>
+        </p:spPr>
+        <p:txBody>
+          <a:bodyPr wrap="square" rtlCol="0">
+            <a:spAutoFit/>
+          </a:bodyPr>
+          <a:lstStyle/>
+          <a:p>
+            <a:r>
+              <a:rPr lang="fr-FR" sz="7200" dirty="0">
+                <a:solidFill>
+                  <a:srgbClr val="FF5969"/>
+                </a:solidFill>
+              </a:rPr>
+              <a:t>3</a:t>
+            </a:r>
+            <a:endParaRPr lang="fr-FR" sz="7200" u="sng" dirty="0">
+              <a:solidFill>
+                <a:srgbClr val="FF5969"/>
+              </a:solidFill>
+            </a:endParaRPr>
+          </a:p>
+        </p:txBody>
+      </p:sp>
     </p:spTree>
     <p:extLst>
       <p:ext uri="{BB962C8B-B14F-4D97-AF65-F5344CB8AC3E}">
@@ -16253,7 +14475,7 @@
 </p:sld>
 </file>
 
-<file path=ppt/slides/slide7.xml><?xml version="1.0" encoding="utf-8"?>
+<file path=ppt/slides/slide6.xml><?xml version="1.0" encoding="utf-8"?>
 <p:sld xmlns:a="http://schemas.openxmlformats.org/drawingml/2006/main" xmlns:r="http://schemas.openxmlformats.org/officeDocument/2006/relationships" xmlns:p="http://schemas.openxmlformats.org/presentationml/2006/main">
   <p:cSld>
     <p:spTree>
@@ -16285,9 +14507,9 @@
         <p:grpSpPr>
           <a:xfrm>
             <a:off x="5759631" y="2105561"/>
-            <a:ext cx="4408966" cy="2646878"/>
+            <a:ext cx="4408966" cy="3262431"/>
             <a:chOff x="4136103" y="2121039"/>
-            <a:chExt cx="4408966" cy="2646878"/>
+            <a:chExt cx="4408966" cy="3262431"/>
           </a:xfrm>
         </p:grpSpPr>
         <p:sp>
@@ -16396,7 +14618,7 @@
           <p:spPr>
             <a:xfrm>
               <a:off x="4136103" y="4060031"/>
-              <a:ext cx="4408966" cy="707886"/>
+              <a:ext cx="4408966" cy="1323439"/>
             </a:xfrm>
             <a:prstGeom prst="rect">
               <a:avLst/>
@@ -16419,177 +14641,228 @@
                   </a:solidFill>
                   <a:latin typeface="Tw Cen MT" panose="020B0602020104020603" pitchFamily="34" charset="0"/>
                 </a:rPr>
-                <a:t>Here You can Add Some Brief Text That will Explain Your Subtitle</a:t>
+                <a:t>Les </a:t>
+              </a:r>
+              <a:r>
+                <a:rPr lang="en-US" sz="2000" b="1" dirty="0" err="1">
+                  <a:solidFill>
+                    <a:schemeClr val="tx1">
+                      <a:lumMod val="65000"/>
+                      <a:lumOff val="35000"/>
+                    </a:schemeClr>
+                  </a:solidFill>
+                  <a:latin typeface="Tw Cen MT" panose="020B0602020104020603" pitchFamily="34" charset="0"/>
+                </a:rPr>
+                <a:t>informations</a:t>
+              </a:r>
+              <a:r>
+                <a:rPr lang="en-US" sz="2000" b="1" dirty="0">
+                  <a:solidFill>
+                    <a:schemeClr val="tx1">
+                      <a:lumMod val="65000"/>
+                      <a:lumOff val="35000"/>
+                    </a:schemeClr>
+                  </a:solidFill>
+                  <a:latin typeface="Tw Cen MT" panose="020B0602020104020603" pitchFamily="34" charset="0"/>
+                </a:rPr>
+                <a:t> </a:t>
+              </a:r>
+              <a:r>
+                <a:rPr lang="en-US" sz="2000" b="1" dirty="0" err="1">
+                  <a:solidFill>
+                    <a:schemeClr val="tx1">
+                      <a:lumMod val="65000"/>
+                      <a:lumOff val="35000"/>
+                    </a:schemeClr>
+                  </a:solidFill>
+                  <a:latin typeface="Tw Cen MT" panose="020B0602020104020603" pitchFamily="34" charset="0"/>
+                </a:rPr>
+                <a:t>exposées</a:t>
+              </a:r>
+              <a:r>
+                <a:rPr lang="en-US" sz="2000" b="1" dirty="0">
+                  <a:solidFill>
+                    <a:schemeClr val="tx1">
+                      <a:lumMod val="65000"/>
+                      <a:lumOff val="35000"/>
+                    </a:schemeClr>
+                  </a:solidFill>
+                  <a:latin typeface="Tw Cen MT" panose="020B0602020104020603" pitchFamily="34" charset="0"/>
+                </a:rPr>
+                <a:t> dans les slides </a:t>
+              </a:r>
+              <a:r>
+                <a:rPr lang="en-US" sz="2000" b="1" dirty="0" err="1">
+                  <a:solidFill>
+                    <a:schemeClr val="tx1">
+                      <a:lumMod val="65000"/>
+                      <a:lumOff val="35000"/>
+                    </a:schemeClr>
+                  </a:solidFill>
+                  <a:latin typeface="Tw Cen MT" panose="020B0602020104020603" pitchFamily="34" charset="0"/>
+                </a:rPr>
+                <a:t>peuvent</a:t>
+              </a:r>
+              <a:r>
+                <a:rPr lang="en-US" sz="2000" b="1" dirty="0">
+                  <a:solidFill>
+                    <a:schemeClr val="tx1">
+                      <a:lumMod val="65000"/>
+                      <a:lumOff val="35000"/>
+                    </a:schemeClr>
+                  </a:solidFill>
+                  <a:latin typeface="Tw Cen MT" panose="020B0602020104020603" pitchFamily="34" charset="0"/>
+                </a:rPr>
+                <a:t> </a:t>
+              </a:r>
+              <a:r>
+                <a:rPr lang="en-US" sz="2000" b="1" dirty="0" err="1">
+                  <a:solidFill>
+                    <a:schemeClr val="tx1">
+                      <a:lumMod val="65000"/>
+                      <a:lumOff val="35000"/>
+                    </a:schemeClr>
+                  </a:solidFill>
+                  <a:latin typeface="Tw Cen MT" panose="020B0602020104020603" pitchFamily="34" charset="0"/>
+                </a:rPr>
+                <a:t>être</a:t>
+              </a:r>
+              <a:r>
+                <a:rPr lang="en-US" sz="2000" b="1" dirty="0">
+                  <a:solidFill>
+                    <a:schemeClr val="tx1">
+                      <a:lumMod val="65000"/>
+                      <a:lumOff val="35000"/>
+                    </a:schemeClr>
+                  </a:solidFill>
+                  <a:latin typeface="Tw Cen MT" panose="020B0602020104020603" pitchFamily="34" charset="0"/>
+                </a:rPr>
+                <a:t> </a:t>
+              </a:r>
+              <a:r>
+                <a:rPr lang="en-US" sz="2000" b="1" dirty="0" err="1">
+                  <a:solidFill>
+                    <a:schemeClr val="tx1">
+                      <a:lumMod val="65000"/>
+                      <a:lumOff val="35000"/>
+                    </a:schemeClr>
+                  </a:solidFill>
+                  <a:latin typeface="Tw Cen MT" panose="020B0602020104020603" pitchFamily="34" charset="0"/>
+                </a:rPr>
+                <a:t>retrouvées</a:t>
+              </a:r>
+              <a:r>
+                <a:rPr lang="en-US" sz="2000" b="1" dirty="0">
+                  <a:solidFill>
+                    <a:schemeClr val="tx1">
+                      <a:lumMod val="65000"/>
+                      <a:lumOff val="35000"/>
+                    </a:schemeClr>
+                  </a:solidFill>
+                  <a:latin typeface="Tw Cen MT" panose="020B0602020104020603" pitchFamily="34" charset="0"/>
+                </a:rPr>
+                <a:t> dans le document </a:t>
+              </a:r>
+              <a:r>
+                <a:rPr lang="en-US" sz="2000" b="1" dirty="0" err="1">
+                  <a:solidFill>
+                    <a:schemeClr val="tx1">
+                      <a:lumMod val="65000"/>
+                      <a:lumOff val="35000"/>
+                    </a:schemeClr>
+                  </a:solidFill>
+                  <a:latin typeface="Tw Cen MT" panose="020B0602020104020603" pitchFamily="34" charset="0"/>
+                </a:rPr>
+                <a:t>texte</a:t>
+              </a:r>
+              <a:r>
+                <a:rPr lang="en-US" sz="2000" b="1" dirty="0">
+                  <a:solidFill>
+                    <a:schemeClr val="tx1">
+                      <a:lumMod val="65000"/>
+                      <a:lumOff val="35000"/>
+                    </a:schemeClr>
+                  </a:solidFill>
+                  <a:latin typeface="Tw Cen MT" panose="020B0602020104020603" pitchFamily="34" charset="0"/>
+                </a:rPr>
+                <a:t> </a:t>
+              </a:r>
+              <a:r>
+                <a:rPr lang="en-US" sz="2000" b="1" dirty="0" err="1">
+                  <a:solidFill>
+                    <a:schemeClr val="tx1">
+                      <a:lumMod val="65000"/>
+                      <a:lumOff val="35000"/>
+                    </a:schemeClr>
+                  </a:solidFill>
+                  <a:latin typeface="Tw Cen MT" panose="020B0602020104020603" pitchFamily="34" charset="0"/>
+                </a:rPr>
+                <a:t>distribué</a:t>
+              </a:r>
+              <a:r>
+                <a:rPr lang="en-US" sz="2000" b="1" dirty="0">
+                  <a:solidFill>
+                    <a:schemeClr val="tx1">
+                      <a:lumMod val="65000"/>
+                      <a:lumOff val="35000"/>
+                    </a:schemeClr>
+                  </a:solidFill>
+                  <a:latin typeface="Tw Cen MT" panose="020B0602020104020603" pitchFamily="34" charset="0"/>
+                </a:rPr>
+                <a:t> </a:t>
+              </a:r>
+              <a:r>
+                <a:rPr lang="en-US" sz="2000" b="1" dirty="0" err="1">
+                  <a:solidFill>
+                    <a:schemeClr val="tx1">
+                      <a:lumMod val="65000"/>
+                      <a:lumOff val="35000"/>
+                    </a:schemeClr>
+                  </a:solidFill>
+                  <a:latin typeface="Tw Cen MT" panose="020B0602020104020603" pitchFamily="34" charset="0"/>
+                </a:rPr>
+                <a:t>ou</a:t>
+              </a:r>
+              <a:r>
+                <a:rPr lang="en-US" sz="2000" b="1" dirty="0">
+                  <a:solidFill>
+                    <a:schemeClr val="tx1">
+                      <a:lumMod val="65000"/>
+                      <a:lumOff val="35000"/>
+                    </a:schemeClr>
+                  </a:solidFill>
+                  <a:latin typeface="Tw Cen MT" panose="020B0602020104020603" pitchFamily="34" charset="0"/>
+                </a:rPr>
+                <a:t> sur le site internet de </a:t>
+              </a:r>
+              <a:r>
+                <a:rPr lang="en-US" sz="2000" b="1" dirty="0" err="1">
+                  <a:solidFill>
+                    <a:schemeClr val="tx1">
+                      <a:lumMod val="65000"/>
+                      <a:lumOff val="35000"/>
+                    </a:schemeClr>
+                  </a:solidFill>
+                  <a:latin typeface="Tw Cen MT" panose="020B0602020104020603" pitchFamily="34" charset="0"/>
+                </a:rPr>
+                <a:t>Netcost</a:t>
+              </a:r>
+              <a:r>
+                <a:rPr lang="en-US" sz="2000" b="1" dirty="0">
+                  <a:solidFill>
+                    <a:schemeClr val="tx1">
+                      <a:lumMod val="65000"/>
+                      <a:lumOff val="35000"/>
+                    </a:schemeClr>
+                  </a:solidFill>
+                  <a:latin typeface="Tw Cen MT" panose="020B0602020104020603" pitchFamily="34" charset="0"/>
+                </a:rPr>
+                <a:t> security.</a:t>
               </a:r>
             </a:p>
           </p:txBody>
         </p:sp>
       </p:grpSp>
-      <p:sp>
-        <p:nvSpPr>
-          <p:cNvPr id="5" name="Oval 4">
-            <a:extLst>
-              <a:ext uri="{FF2B5EF4-FFF2-40B4-BE49-F238E27FC236}">
-                <a16:creationId xmlns:a16="http://schemas.microsoft.com/office/drawing/2014/main" id="{E7D60E91-209D-4CBF-8DF6-B3DF8FCDF71C}"/>
-              </a:ext>
-            </a:extLst>
-          </p:cNvPr>
-          <p:cNvSpPr/>
-          <p:nvPr/>
-        </p:nvSpPr>
-        <p:spPr>
-          <a:xfrm>
-            <a:off x="2351556" y="1854584"/>
-            <a:ext cx="3117876" cy="3117876"/>
-          </a:xfrm>
-          <a:prstGeom prst="ellipse">
-            <a:avLst/>
-          </a:prstGeom>
-          <a:solidFill>
-            <a:schemeClr val="bg1">
-              <a:lumMod val="95000"/>
-            </a:schemeClr>
-          </a:solidFill>
-          <a:ln>
-            <a:noFill/>
-          </a:ln>
-          <a:effectLst>
-            <a:outerShdw blurRad="101600" sx="102000" sy="102000" algn="ctr" rotWithShape="0">
-              <a:prstClr val="black">
-                <a:alpha val="20000"/>
-              </a:prstClr>
-            </a:outerShdw>
-          </a:effectLst>
-        </p:spPr>
-        <p:style>
-          <a:lnRef idx="2">
-            <a:schemeClr val="accent1">
-              <a:shade val="50000"/>
-            </a:schemeClr>
-          </a:lnRef>
-          <a:fillRef idx="1">
-            <a:schemeClr val="accent1"/>
-          </a:fillRef>
-          <a:effectRef idx="0">
-            <a:schemeClr val="accent1"/>
-          </a:effectRef>
-          <a:fontRef idx="minor">
-            <a:schemeClr val="lt1"/>
-          </a:fontRef>
-        </p:style>
-        <p:txBody>
-          <a:bodyPr rtlCol="0" anchor="ctr"/>
-          <a:lstStyle/>
-          <a:p>
-            <a:pPr algn="ctr"/>
-            <a:endParaRPr lang="en-US"/>
-          </a:p>
-        </p:txBody>
-      </p:sp>
-      <p:sp>
-        <p:nvSpPr>
-          <p:cNvPr id="6" name="Oval 5">
-            <a:extLst>
-              <a:ext uri="{FF2B5EF4-FFF2-40B4-BE49-F238E27FC236}">
-                <a16:creationId xmlns:a16="http://schemas.microsoft.com/office/drawing/2014/main" id="{4D40EED6-8763-41F4-BE96-42FF881BFC09}"/>
-              </a:ext>
-            </a:extLst>
-          </p:cNvPr>
-          <p:cNvSpPr/>
-          <p:nvPr/>
-        </p:nvSpPr>
-        <p:spPr>
-          <a:xfrm>
-            <a:off x="2690517" y="2193545"/>
-            <a:ext cx="2439954" cy="2439954"/>
-          </a:xfrm>
-          <a:prstGeom prst="ellipse">
-            <a:avLst/>
-          </a:prstGeom>
-          <a:solidFill>
-            <a:srgbClr val="FF5969"/>
-          </a:solidFill>
-          <a:ln>
-            <a:noFill/>
-          </a:ln>
-        </p:spPr>
-        <p:style>
-          <a:lnRef idx="2">
-            <a:schemeClr val="accent1">
-              <a:shade val="50000"/>
-            </a:schemeClr>
-          </a:lnRef>
-          <a:fillRef idx="1">
-            <a:schemeClr val="accent1"/>
-          </a:fillRef>
-          <a:effectRef idx="0">
-            <a:schemeClr val="accent1"/>
-          </a:effectRef>
-          <a:fontRef idx="minor">
-            <a:schemeClr val="lt1"/>
-          </a:fontRef>
-        </p:style>
-        <p:txBody>
-          <a:bodyPr rtlCol="0" anchor="ctr"/>
-          <a:lstStyle/>
-          <a:p>
-            <a:pPr algn="ctr"/>
-            <a:endParaRPr lang="en-US"/>
-          </a:p>
-        </p:txBody>
-      </p:sp>
-      <p:sp>
-        <p:nvSpPr>
-          <p:cNvPr id="7" name="Oval 6">
-            <a:extLst>
-              <a:ext uri="{FF2B5EF4-FFF2-40B4-BE49-F238E27FC236}">
-                <a16:creationId xmlns:a16="http://schemas.microsoft.com/office/drawing/2014/main" id="{72D71FFA-1603-40C8-A30C-B1D85CA8BC6C}"/>
-              </a:ext>
-            </a:extLst>
-          </p:cNvPr>
-          <p:cNvSpPr/>
-          <p:nvPr/>
-        </p:nvSpPr>
-        <p:spPr>
-          <a:xfrm>
-            <a:off x="2906682" y="2409710"/>
-            <a:ext cx="2007624" cy="2007624"/>
-          </a:xfrm>
-          <a:prstGeom prst="ellipse">
-            <a:avLst/>
-          </a:prstGeom>
-          <a:solidFill>
-            <a:srgbClr val="F0EEF0"/>
-          </a:solidFill>
-          <a:ln>
-            <a:noFill/>
-          </a:ln>
-        </p:spPr>
-        <p:style>
-          <a:lnRef idx="2">
-            <a:schemeClr val="accent1">
-              <a:shade val="50000"/>
-            </a:schemeClr>
-          </a:lnRef>
-          <a:fillRef idx="1">
-            <a:schemeClr val="accent1"/>
-          </a:fillRef>
-          <a:effectRef idx="0">
-            <a:schemeClr val="accent1"/>
-          </a:effectRef>
-          <a:fontRef idx="minor">
-            <a:schemeClr val="lt1"/>
-          </a:fontRef>
-        </p:style>
-        <p:txBody>
-          <a:bodyPr rtlCol="0" anchor="ctr"/>
-          <a:lstStyle/>
-          <a:p>
-            <a:pPr algn="ctr"/>
-            <a:endParaRPr lang="en-US"/>
-          </a:p>
-        </p:txBody>
-      </p:sp>
       <p:grpSp>
         <p:nvGrpSpPr>
           <p:cNvPr id="8" name="Group 7">
@@ -16604,7 +14877,7 @@
         </p:nvGrpSpPr>
         <p:grpSpPr>
           <a:xfrm>
-            <a:off x="3257009" y="2760036"/>
+            <a:off x="3946122" y="2775515"/>
             <a:ext cx="1306970" cy="1306970"/>
             <a:chOff x="4995674" y="4044712"/>
             <a:chExt cx="848364" cy="848364"/>
@@ -18509,9 +16782,9 @@
                                 </p:cTn>
                               </p:par>
                               <p:par>
-                                <p:cTn id="8" presetID="53" presetClass="entr" presetSubtype="16" fill="hold" grpId="0" nodeType="withEffect">
+                                <p:cTn id="8" presetID="53" presetClass="entr" presetSubtype="16" fill="hold" nodeType="withEffect">
                                   <p:stCondLst>
-                                    <p:cond delay="0"/>
+                                    <p:cond delay="750"/>
                                   </p:stCondLst>
                                   <p:childTnLst>
                                     <p:set>
@@ -18522,7 +16795,7 @@
                                           </p:stCondLst>
                                         </p:cTn>
                                         <p:tgtEl>
-                                          <p:spTgt spid="5"/>
+                                          <p:spTgt spid="8"/>
                                         </p:tgtEl>
                                         <p:attrNameLst>
                                           <p:attrName>style.visibility</p:attrName>
@@ -18536,7 +16809,7 @@
                                       <p:cBhvr>
                                         <p:cTn id="10" dur="500" fill="hold"/>
                                         <p:tgtEl>
-                                          <p:spTgt spid="5"/>
+                                          <p:spTgt spid="8"/>
                                         </p:tgtEl>
                                         <p:attrNameLst>
                                           <p:attrName>ppt_w</p:attrName>
@@ -18559,7 +16832,7 @@
                                       <p:cBhvr>
                                         <p:cTn id="11" dur="500" fill="hold"/>
                                         <p:tgtEl>
-                                          <p:spTgt spid="5"/>
+                                          <p:spTgt spid="8"/>
                                         </p:tgtEl>
                                         <p:attrNameLst>
                                           <p:attrName>ppt_h</p:attrName>
@@ -18581,249 +16854,6 @@
                                     <p:animEffect transition="in" filter="fade">
                                       <p:cBhvr>
                                         <p:cTn id="12" dur="500"/>
-                                        <p:tgtEl>
-                                          <p:spTgt spid="5"/>
-                                        </p:tgtEl>
-                                      </p:cBhvr>
-                                    </p:animEffect>
-                                  </p:childTnLst>
-                                </p:cTn>
-                              </p:par>
-                              <p:par>
-                                <p:cTn id="13" presetID="53" presetClass="entr" presetSubtype="16" fill="hold" grpId="0" nodeType="withEffect">
-                                  <p:stCondLst>
-                                    <p:cond delay="250"/>
-                                  </p:stCondLst>
-                                  <p:childTnLst>
-                                    <p:set>
-                                      <p:cBhvr>
-                                        <p:cTn id="14" dur="1" fill="hold">
-                                          <p:stCondLst>
-                                            <p:cond delay="0"/>
-                                          </p:stCondLst>
-                                        </p:cTn>
-                                        <p:tgtEl>
-                                          <p:spTgt spid="6"/>
-                                        </p:tgtEl>
-                                        <p:attrNameLst>
-                                          <p:attrName>style.visibility</p:attrName>
-                                        </p:attrNameLst>
-                                      </p:cBhvr>
-                                      <p:to>
-                                        <p:strVal val="visible"/>
-                                      </p:to>
-                                    </p:set>
-                                    <p:anim calcmode="lin" valueType="num">
-                                      <p:cBhvr>
-                                        <p:cTn id="15" dur="500" fill="hold"/>
-                                        <p:tgtEl>
-                                          <p:spTgt spid="6"/>
-                                        </p:tgtEl>
-                                        <p:attrNameLst>
-                                          <p:attrName>ppt_w</p:attrName>
-                                        </p:attrNameLst>
-                                      </p:cBhvr>
-                                      <p:tavLst>
-                                        <p:tav tm="0">
-                                          <p:val>
-                                            <p:fltVal val="0"/>
-                                          </p:val>
-                                        </p:tav>
-                                        <p:tav tm="100000">
-                                          <p:val>
-                                            <p:strVal val="#ppt_w"/>
-                                          </p:val>
-                                        </p:tav>
-                                      </p:tavLst>
-                                    </p:anim>
-                                    <p:anim calcmode="lin" valueType="num">
-                                      <p:cBhvr>
-                                        <p:cTn id="16" dur="500" fill="hold"/>
-                                        <p:tgtEl>
-                                          <p:spTgt spid="6"/>
-                                        </p:tgtEl>
-                                        <p:attrNameLst>
-                                          <p:attrName>ppt_h</p:attrName>
-                                        </p:attrNameLst>
-                                      </p:cBhvr>
-                                      <p:tavLst>
-                                        <p:tav tm="0">
-                                          <p:val>
-                                            <p:fltVal val="0"/>
-                                          </p:val>
-                                        </p:tav>
-                                        <p:tav tm="100000">
-                                          <p:val>
-                                            <p:strVal val="#ppt_h"/>
-                                          </p:val>
-                                        </p:tav>
-                                      </p:tavLst>
-                                    </p:anim>
-                                    <p:animEffect transition="in" filter="fade">
-                                      <p:cBhvr>
-                                        <p:cTn id="17" dur="500"/>
-                                        <p:tgtEl>
-                                          <p:spTgt spid="6"/>
-                                        </p:tgtEl>
-                                      </p:cBhvr>
-                                    </p:animEffect>
-                                  </p:childTnLst>
-                                </p:cTn>
-                              </p:par>
-                              <p:par>
-                                <p:cTn id="18" presetID="53" presetClass="entr" presetSubtype="16" fill="hold" grpId="0" nodeType="withEffect">
-                                  <p:stCondLst>
-                                    <p:cond delay="500"/>
-                                  </p:stCondLst>
-                                  <p:childTnLst>
-                                    <p:set>
-                                      <p:cBhvr>
-                                        <p:cTn id="19" dur="1" fill="hold">
-                                          <p:stCondLst>
-                                            <p:cond delay="0"/>
-                                          </p:stCondLst>
-                                        </p:cTn>
-                                        <p:tgtEl>
-                                          <p:spTgt spid="7"/>
-                                        </p:tgtEl>
-                                        <p:attrNameLst>
-                                          <p:attrName>style.visibility</p:attrName>
-                                        </p:attrNameLst>
-                                      </p:cBhvr>
-                                      <p:to>
-                                        <p:strVal val="visible"/>
-                                      </p:to>
-                                    </p:set>
-                                    <p:anim calcmode="lin" valueType="num">
-                                      <p:cBhvr>
-                                        <p:cTn id="20" dur="500" fill="hold"/>
-                                        <p:tgtEl>
-                                          <p:spTgt spid="7"/>
-                                        </p:tgtEl>
-                                        <p:attrNameLst>
-                                          <p:attrName>ppt_w</p:attrName>
-                                        </p:attrNameLst>
-                                      </p:cBhvr>
-                                      <p:tavLst>
-                                        <p:tav tm="0">
-                                          <p:val>
-                                            <p:fltVal val="0"/>
-                                          </p:val>
-                                        </p:tav>
-                                        <p:tav tm="100000">
-                                          <p:val>
-                                            <p:strVal val="#ppt_w"/>
-                                          </p:val>
-                                        </p:tav>
-                                      </p:tavLst>
-                                    </p:anim>
-                                    <p:anim calcmode="lin" valueType="num">
-                                      <p:cBhvr>
-                                        <p:cTn id="21" dur="500" fill="hold"/>
-                                        <p:tgtEl>
-                                          <p:spTgt spid="7"/>
-                                        </p:tgtEl>
-                                        <p:attrNameLst>
-                                          <p:attrName>ppt_h</p:attrName>
-                                        </p:attrNameLst>
-                                      </p:cBhvr>
-                                      <p:tavLst>
-                                        <p:tav tm="0">
-                                          <p:val>
-                                            <p:fltVal val="0"/>
-                                          </p:val>
-                                        </p:tav>
-                                        <p:tav tm="100000">
-                                          <p:val>
-                                            <p:strVal val="#ppt_h"/>
-                                          </p:val>
-                                        </p:tav>
-                                      </p:tavLst>
-                                    </p:anim>
-                                    <p:animEffect transition="in" filter="fade">
-                                      <p:cBhvr>
-                                        <p:cTn id="22" dur="500"/>
-                                        <p:tgtEl>
-                                          <p:spTgt spid="7"/>
-                                        </p:tgtEl>
-                                      </p:cBhvr>
-                                    </p:animEffect>
-                                  </p:childTnLst>
-                                </p:cTn>
-                              </p:par>
-                              <p:par>
-                                <p:cTn id="23" presetID="53" presetClass="entr" presetSubtype="16" fill="hold" nodeType="withEffect">
-                                  <p:stCondLst>
-                                    <p:cond delay="750"/>
-                                  </p:stCondLst>
-                                  <p:childTnLst>
-                                    <p:set>
-                                      <p:cBhvr>
-                                        <p:cTn id="24" dur="1" fill="hold">
-                                          <p:stCondLst>
-                                            <p:cond delay="0"/>
-                                          </p:stCondLst>
-                                        </p:cTn>
-                                        <p:tgtEl>
-                                          <p:spTgt spid="8"/>
-                                        </p:tgtEl>
-                                        <p:attrNameLst>
-                                          <p:attrName>style.visibility</p:attrName>
-                                        </p:attrNameLst>
-                                      </p:cBhvr>
-                                      <p:to>
-                                        <p:strVal val="visible"/>
-                                      </p:to>
-                                    </p:set>
-                                    <p:anim calcmode="lin" valueType="num">
-                                      <p:cBhvr>
-                                        <p:cTn id="25" dur="500" fill="hold"/>
-                                        <p:tgtEl>
-                                          <p:spTgt spid="8"/>
-                                        </p:tgtEl>
-                                        <p:attrNameLst>
-                                          <p:attrName>ppt_w</p:attrName>
-                                        </p:attrNameLst>
-                                      </p:cBhvr>
-                                      <p:tavLst>
-                                        <p:tav tm="0">
-                                          <p:val>
-                                            <p:fltVal val="0"/>
-                                          </p:val>
-                                        </p:tav>
-                                        <p:tav tm="100000">
-                                          <p:val>
-                                            <p:strVal val="#ppt_w"/>
-                                          </p:val>
-                                        </p:tav>
-                                      </p:tavLst>
-                                    </p:anim>
-                                    <p:anim calcmode="lin" valueType="num">
-                                      <p:cBhvr>
-                                        <p:cTn id="26" dur="500" fill="hold"/>
-                                        <p:tgtEl>
-                                          <p:spTgt spid="8"/>
-                                        </p:tgtEl>
-                                        <p:attrNameLst>
-                                          <p:attrName>ppt_h</p:attrName>
-                                        </p:attrNameLst>
-                                      </p:cBhvr>
-                                      <p:tavLst>
-                                        <p:tav tm="0">
-                                          <p:val>
-                                            <p:fltVal val="0"/>
-                                          </p:val>
-                                        </p:tav>
-                                        <p:tav tm="100000">
-                                          <p:val>
-                                            <p:strVal val="#ppt_h"/>
-                                          </p:val>
-                                        </p:tav>
-                                      </p:tavLst>
-                                    </p:anim>
-                                    <p:animEffect transition="in" filter="fade">
-                                      <p:cBhvr>
-                                        <p:cTn id="27" dur="500"/>
                                         <p:tgtEl>
                                           <p:spTgt spid="8"/>
                                         </p:tgtEl>
@@ -18859,11 +16889,6 @@
         </p:cTn>
       </p:par>
     </p:tnLst>
-    <p:bldLst>
-      <p:bldP spid="5" grpId="0" animBg="1"/>
-      <p:bldP spid="6" grpId="0" animBg="1"/>
-      <p:bldP spid="7" grpId="0" animBg="1"/>
-    </p:bldLst>
   </p:timing>
 </p:sld>
 </file>

--- a/pvt/pvt.pptx
+++ b/pvt/pvt.pptx
@@ -13602,7 +13602,7 @@
         </p:nvSpPr>
         <p:spPr>
           <a:xfrm>
-            <a:off x="8711699" y="2720862"/>
+            <a:off x="8142577" y="839423"/>
             <a:ext cx="1567543" cy="646331"/>
           </a:xfrm>
           <a:prstGeom prst="rect">
@@ -13637,8 +13637,8 @@
         </p:nvSpPr>
         <p:spPr>
           <a:xfrm>
-            <a:off x="8073307" y="3475413"/>
-            <a:ext cx="3762103" cy="1477328"/>
+            <a:off x="7171604" y="1558632"/>
+            <a:ext cx="4520210" cy="2585323"/>
           </a:xfrm>
           <a:prstGeom prst="rect">
             <a:avLst/>
@@ -13663,6 +13663,23 @@
               <a:rPr lang="fr-FR" dirty="0"/>
               <a:t>, est une technologie permettant d’échanger des données entre un lecteur et n’importe quel terminal mobile compatible.</a:t>
             </a:r>
+          </a:p>
+          <a:p>
+            <a:r>
+              <a:rPr lang="fr-FR" dirty="0"/>
+              <a:t>Il existe de nombreux Tags NFC différents par leur forme, taille mémoire, distance effective,… Ainsi que plusieurs </a:t>
+            </a:r>
+            <a:r>
+              <a:rPr lang="fr-FR" dirty="0" err="1"/>
+              <a:t>frameworks</a:t>
+            </a:r>
+            <a:r>
+              <a:rPr lang="fr-FR" dirty="0"/>
+              <a:t> de développement pour les applications mobiles.</a:t>
+            </a:r>
+          </a:p>
+          <a:p>
+            <a:endParaRPr lang="fr-FR" dirty="0"/>
           </a:p>
         </p:txBody>
       </p:sp>
@@ -13975,6 +13992,42 @@
           </a:p>
         </p:txBody>
       </p:sp>
+      <p:pic>
+        <p:nvPicPr>
+          <p:cNvPr id="8" name="Image 7" descr="Une image contenant texte, périphérique, horloge&#10;&#10;Description générée automatiquement">
+            <a:extLst>
+              <a:ext uri="{FF2B5EF4-FFF2-40B4-BE49-F238E27FC236}">
+                <a16:creationId xmlns:a16="http://schemas.microsoft.com/office/drawing/2014/main" id="{BFD081AC-3E49-C548-CE8E-859356C3FA78}"/>
+              </a:ext>
+            </a:extLst>
+          </p:cNvPr>
+          <p:cNvPicPr>
+            <a:picLocks noChangeAspect="1"/>
+          </p:cNvPicPr>
+          <p:nvPr/>
+        </p:nvPicPr>
+        <p:blipFill>
+          <a:blip r:embed="rId7">
+            <a:extLst>
+              <a:ext uri="{28A0092B-C50C-407E-A947-70E740481C1C}">
+                <a14:useLocalDpi xmlns:a14="http://schemas.microsoft.com/office/drawing/2010/main" val="0"/>
+              </a:ext>
+            </a:extLst>
+          </a:blip>
+          <a:stretch>
+            <a:fillRect/>
+          </a:stretch>
+        </p:blipFill>
+        <p:spPr>
+          <a:xfrm>
+            <a:off x="7471015" y="3811819"/>
+            <a:ext cx="4699000" cy="1231900"/>
+          </a:xfrm>
+          <a:prstGeom prst="rect">
+            <a:avLst/>
+          </a:prstGeom>
+        </p:spPr>
+      </p:pic>
     </p:spTree>
     <p:extLst>
       <p:ext uri="{BB962C8B-B14F-4D97-AF65-F5344CB8AC3E}">
@@ -16716,6 +16769,135 @@
           </p:txBody>
         </p:sp>
       </p:grpSp>
+      <p:sp>
+        <p:nvSpPr>
+          <p:cNvPr id="5" name="ZoneTexte 4">
+            <a:extLst>
+              <a:ext uri="{FF2B5EF4-FFF2-40B4-BE49-F238E27FC236}">
+                <a16:creationId xmlns:a16="http://schemas.microsoft.com/office/drawing/2014/main" id="{7A3D75A3-C9E1-EEFC-229A-827625B7BAD2}"/>
+              </a:ext>
+            </a:extLst>
+          </p:cNvPr>
+          <p:cNvSpPr txBox="1"/>
+          <p:nvPr/>
+        </p:nvSpPr>
+        <p:spPr>
+          <a:xfrm>
+            <a:off x="583096" y="5817704"/>
+            <a:ext cx="6109252" cy="369332"/>
+          </a:xfrm>
+          <a:prstGeom prst="rect">
+            <a:avLst/>
+          </a:prstGeom>
+          <a:noFill/>
+        </p:spPr>
+        <p:txBody>
+          <a:bodyPr wrap="square" rtlCol="0">
+            <a:spAutoFit/>
+          </a:bodyPr>
+          <a:lstStyle/>
+          <a:p>
+            <a:r>
+              <a:rPr lang="fr-FR" dirty="0"/>
+              <a:t>https://</a:t>
+            </a:r>
+            <a:r>
+              <a:rPr lang="fr-FR" dirty="0" err="1"/>
+              <a:t>blog.steamulo.com</a:t>
+            </a:r>
+            <a:r>
+              <a:rPr lang="fr-FR" dirty="0"/>
+              <a:t>/</a:t>
+            </a:r>
+          </a:p>
+        </p:txBody>
+      </p:sp>
+      <p:sp>
+        <p:nvSpPr>
+          <p:cNvPr id="6" name="ZoneTexte 5">
+            <a:extLst>
+              <a:ext uri="{FF2B5EF4-FFF2-40B4-BE49-F238E27FC236}">
+                <a16:creationId xmlns:a16="http://schemas.microsoft.com/office/drawing/2014/main" id="{C1277FD0-6031-4048-2499-4A9D4475DF01}"/>
+              </a:ext>
+            </a:extLst>
+          </p:cNvPr>
+          <p:cNvSpPr txBox="1"/>
+          <p:nvPr/>
+        </p:nvSpPr>
+        <p:spPr>
+          <a:xfrm>
+            <a:off x="708991" y="6267416"/>
+            <a:ext cx="6109252" cy="923330"/>
+          </a:xfrm>
+          <a:prstGeom prst="rect">
+            <a:avLst/>
+          </a:prstGeom>
+          <a:noFill/>
+        </p:spPr>
+        <p:txBody>
+          <a:bodyPr wrap="square" rtlCol="0">
+            <a:spAutoFit/>
+          </a:bodyPr>
+          <a:lstStyle/>
+          <a:p>
+            <a:r>
+              <a:rPr lang="fr-FR" dirty="0"/>
+              <a:t>https://</a:t>
+            </a:r>
+            <a:r>
+              <a:rPr lang="fr-FR" dirty="0" err="1"/>
+              <a:t>www.netcost-security.fr</a:t>
+            </a:r>
+            <a:r>
+              <a:rPr lang="fr-FR" dirty="0"/>
+              <a:t>/</a:t>
+            </a:r>
+            <a:r>
+              <a:rPr lang="fr-FR" dirty="0" err="1"/>
+              <a:t>mobilite</a:t>
+            </a:r>
+            <a:r>
+              <a:rPr lang="fr-FR" dirty="0"/>
+              <a:t>/107693/letiquette-de-sac-a-encre-electronique-dalaska-airlines-sassocie-a-votre-iphone-pour-creer-une-etiquette-de-bagage-electronique/</a:t>
+            </a:r>
+          </a:p>
+        </p:txBody>
+      </p:sp>
+      <p:sp>
+        <p:nvSpPr>
+          <p:cNvPr id="7" name="ZoneTexte 6">
+            <a:extLst>
+              <a:ext uri="{FF2B5EF4-FFF2-40B4-BE49-F238E27FC236}">
+                <a16:creationId xmlns:a16="http://schemas.microsoft.com/office/drawing/2014/main" id="{4D0CDB6E-C13C-5EEE-68D3-6F9886FE619C}"/>
+              </a:ext>
+            </a:extLst>
+          </p:cNvPr>
+          <p:cNvSpPr txBox="1"/>
+          <p:nvPr/>
+        </p:nvSpPr>
+        <p:spPr>
+          <a:xfrm>
+            <a:off x="808383" y="5189100"/>
+            <a:ext cx="2478156" cy="400110"/>
+          </a:xfrm>
+          <a:prstGeom prst="rect">
+            <a:avLst/>
+          </a:prstGeom>
+          <a:noFill/>
+        </p:spPr>
+        <p:txBody>
+          <a:bodyPr wrap="square" rtlCol="0">
+            <a:spAutoFit/>
+          </a:bodyPr>
+          <a:lstStyle/>
+          <a:p>
+            <a:r>
+              <a:rPr lang="fr-FR" sz="2000" b="1" dirty="0"/>
+              <a:t>Sources:</a:t>
+            </a:r>
+          </a:p>
+        </p:txBody>
+      </p:sp>
     </p:spTree>
     <p:extLst>
       <p:ext uri="{BB962C8B-B14F-4D97-AF65-F5344CB8AC3E}">
